--- a/Presentation/Project 1.pptx
+++ b/Presentation/Project 1.pptx
@@ -869,7 +869,7 @@
   <p:cSld>
     <p:spTree>
       <p:nvGrpSpPr>
-        <p:cNvPr id="276" name="Shape 276"/>
+        <p:cNvPr id="278" name="Shape 278"/>
         <p:cNvGrpSpPr/>
         <p:nvPr/>
       </p:nvGrpSpPr>
@@ -883,7 +883,7 @@
       </p:grpSpPr>
       <p:sp>
         <p:nvSpPr>
-          <p:cNvPr id="277" name="Google Shape;277;g123bd5c0c69_0_5:notes"/>
+          <p:cNvPr id="279" name="Google Shape;279;g123bd5c0c69_0_5:notes"/>
           <p:cNvSpPr/>
           <p:nvPr>
             <p:ph idx="2" type="sldImg"/>
@@ -918,7 +918,7 @@
       </p:sp>
       <p:sp>
         <p:nvSpPr>
-          <p:cNvPr id="278" name="Google Shape;278;g123bd5c0c69_0_5:notes"/>
+          <p:cNvPr id="280" name="Google Shape;280;g123bd5c0c69_0_5:notes"/>
           <p:cNvSpPr txBox="1"/>
           <p:nvPr>
             <p:ph idx="1" type="body"/>
@@ -1008,7 +1008,7 @@
   <p:cSld>
     <p:spTree>
       <p:nvGrpSpPr>
-        <p:cNvPr id="298" name="Shape 298"/>
+        <p:cNvPr id="300" name="Shape 300"/>
         <p:cNvGrpSpPr/>
         <p:nvPr/>
       </p:nvGrpSpPr>
@@ -1022,7 +1022,7 @@
       </p:grpSpPr>
       <p:sp>
         <p:nvSpPr>
-          <p:cNvPr id="299" name="Google Shape;299;g1231efbba45_0_61:notes"/>
+          <p:cNvPr id="301" name="Google Shape;301;g1231efbba45_0_61:notes"/>
           <p:cNvSpPr/>
           <p:nvPr>
             <p:ph idx="2" type="sldImg"/>
@@ -1057,7 +1057,7 @@
       </p:sp>
       <p:sp>
         <p:nvSpPr>
-          <p:cNvPr id="300" name="Google Shape;300;g1231efbba45_0_61:notes"/>
+          <p:cNvPr id="302" name="Google Shape;302;g1231efbba45_0_61:notes"/>
           <p:cNvSpPr txBox="1"/>
           <p:nvPr>
             <p:ph idx="1" type="body"/>
@@ -1402,7 +1402,7 @@
   <p:cSld>
     <p:spTree>
       <p:nvGrpSpPr>
-        <p:cNvPr id="311" name="Shape 311"/>
+        <p:cNvPr id="313" name="Shape 313"/>
         <p:cNvGrpSpPr/>
         <p:nvPr/>
       </p:nvGrpSpPr>
@@ -1416,7 +1416,7 @@
       </p:grpSpPr>
       <p:sp>
         <p:nvSpPr>
-          <p:cNvPr id="312" name="Google Shape;312;g121a0b03b78_3_4:notes"/>
+          <p:cNvPr id="314" name="Google Shape;314;g121a0b03b78_3_4:notes"/>
           <p:cNvSpPr/>
           <p:nvPr>
             <p:ph idx="2" type="sldImg"/>
@@ -1451,7 +1451,7 @@
       </p:sp>
       <p:sp>
         <p:nvSpPr>
-          <p:cNvPr id="313" name="Google Shape;313;g121a0b03b78_3_4:notes"/>
+          <p:cNvPr id="315" name="Google Shape;315;g121a0b03b78_3_4:notes"/>
           <p:cNvSpPr txBox="1"/>
           <p:nvPr>
             <p:ph idx="1" type="body"/>
@@ -1501,7 +1501,7 @@
   <p:cSld>
     <p:spTree>
       <p:nvGrpSpPr>
-        <p:cNvPr id="321" name="Shape 321"/>
+        <p:cNvPr id="323" name="Shape 323"/>
         <p:cNvGrpSpPr/>
         <p:nvPr/>
       </p:nvGrpSpPr>
@@ -1515,7 +1515,7 @@
       </p:grpSpPr>
       <p:sp>
         <p:nvSpPr>
-          <p:cNvPr id="322" name="Google Shape;322;g121a0b03b78_7_9:notes"/>
+          <p:cNvPr id="324" name="Google Shape;324;g121a0b03b78_7_9:notes"/>
           <p:cNvSpPr/>
           <p:nvPr>
             <p:ph idx="2" type="sldImg"/>
@@ -1550,7 +1550,7 @@
       </p:sp>
       <p:sp>
         <p:nvSpPr>
-          <p:cNvPr id="323" name="Google Shape;323;g121a0b03b78_7_9:notes"/>
+          <p:cNvPr id="325" name="Google Shape;325;g121a0b03b78_7_9:notes"/>
           <p:cNvSpPr txBox="1"/>
           <p:nvPr>
             <p:ph idx="1" type="body"/>
@@ -1600,7 +1600,7 @@
   <p:cSld>
     <p:spTree>
       <p:nvGrpSpPr>
-        <p:cNvPr id="337" name="Shape 337"/>
+        <p:cNvPr id="339" name="Shape 339"/>
         <p:cNvGrpSpPr/>
         <p:nvPr/>
       </p:nvGrpSpPr>
@@ -1614,7 +1614,7 @@
       </p:grpSpPr>
       <p:sp>
         <p:nvSpPr>
-          <p:cNvPr id="338" name="Google Shape;338;g121a0b03b78_7_28:notes"/>
+          <p:cNvPr id="340" name="Google Shape;340;g121a0b03b78_7_28:notes"/>
           <p:cNvSpPr/>
           <p:nvPr>
             <p:ph idx="2" type="sldImg"/>
@@ -1649,7 +1649,7 @@
       </p:sp>
       <p:sp>
         <p:nvSpPr>
-          <p:cNvPr id="339" name="Google Shape;339;g121a0b03b78_7_28:notes"/>
+          <p:cNvPr id="341" name="Google Shape;341;g121a0b03b78_7_28:notes"/>
           <p:cNvSpPr txBox="1"/>
           <p:nvPr>
             <p:ph idx="1" type="body"/>
@@ -1699,7 +1699,7 @@
   <p:cSld>
     <p:spTree>
       <p:nvGrpSpPr>
-        <p:cNvPr id="342" name="Shape 342"/>
+        <p:cNvPr id="348" name="Shape 348"/>
         <p:cNvGrpSpPr/>
         <p:nvPr/>
       </p:nvGrpSpPr>
@@ -1713,7 +1713,7 @@
       </p:grpSpPr>
       <p:sp>
         <p:nvSpPr>
-          <p:cNvPr id="343" name="Google Shape;343;g123bd5c0c69_0_45:notes"/>
+          <p:cNvPr id="349" name="Google Shape;349;g123bd5c0c69_0_45:notes"/>
           <p:cNvSpPr/>
           <p:nvPr>
             <p:ph idx="2" type="sldImg"/>
@@ -1748,7 +1748,7 @@
       </p:sp>
       <p:sp>
         <p:nvSpPr>
-          <p:cNvPr id="344" name="Google Shape;344;g123bd5c0c69_0_45:notes"/>
+          <p:cNvPr id="350" name="Google Shape;350;g123bd5c0c69_0_45:notes"/>
           <p:cNvSpPr txBox="1"/>
           <p:nvPr>
             <p:ph idx="1" type="body"/>
@@ -1903,7 +1903,7 @@
             </a:r>
             <a:r>
               <a:rPr lang="en"/>
-              <a:t> is use a Volatility Index in order to time the market, maximizing profit. By analyzing historical market data at </a:t>
+              <a:t> is using a Volatility Index to time the market further maximizing profit. By analyzing historical market data at </a:t>
             </a:r>
             <a:r>
               <a:rPr lang="en"/>
@@ -1996,7 +1996,7 @@
   <p:cSld>
     <p:spTree>
       <p:nvGrpSpPr>
-        <p:cNvPr id="141" name="Shape 141"/>
+        <p:cNvPr id="143" name="Shape 143"/>
         <p:cNvGrpSpPr/>
         <p:nvPr/>
       </p:nvGrpSpPr>
@@ -2010,7 +2010,7 @@
       </p:grpSpPr>
       <p:sp>
         <p:nvSpPr>
-          <p:cNvPr id="142" name="Google Shape;142;gf3da675a77_0_0:notes"/>
+          <p:cNvPr id="144" name="Google Shape;144;gf3da675a77_0_0:notes"/>
           <p:cNvSpPr/>
           <p:nvPr>
             <p:ph idx="2" type="sldImg"/>
@@ -2045,7 +2045,7 @@
       </p:sp>
       <p:sp>
         <p:nvSpPr>
-          <p:cNvPr id="143" name="Google Shape;143;gf3da675a77_0_0:notes"/>
+          <p:cNvPr id="145" name="Google Shape;145;gf3da675a77_0_0:notes"/>
           <p:cNvSpPr txBox="1"/>
           <p:nvPr>
             <p:ph idx="1" type="body"/>
@@ -2112,7 +2112,7 @@
   <p:cSld>
     <p:spTree>
       <p:nvGrpSpPr>
-        <p:cNvPr id="152" name="Shape 152"/>
+        <p:cNvPr id="154" name="Shape 154"/>
         <p:cNvGrpSpPr/>
         <p:nvPr/>
       </p:nvGrpSpPr>
@@ -2126,7 +2126,7 @@
       </p:grpSpPr>
       <p:sp>
         <p:nvSpPr>
-          <p:cNvPr id="153" name="Google Shape;153;gf3da675a77_0_14:notes"/>
+          <p:cNvPr id="155" name="Google Shape;155;gf3da675a77_0_14:notes"/>
           <p:cNvSpPr/>
           <p:nvPr>
             <p:ph idx="2" type="sldImg"/>
@@ -2161,7 +2161,7 @@
       </p:sp>
       <p:sp>
         <p:nvSpPr>
-          <p:cNvPr id="154" name="Google Shape;154;gf3da675a77_0_14:notes"/>
+          <p:cNvPr id="156" name="Google Shape;156;gf3da675a77_0_14:notes"/>
           <p:cNvSpPr txBox="1"/>
           <p:nvPr>
             <p:ph idx="1" type="body"/>
@@ -2237,7 +2237,7 @@
   <p:cSld>
     <p:spTree>
       <p:nvGrpSpPr>
-        <p:cNvPr id="165" name="Shape 165"/>
+        <p:cNvPr id="167" name="Shape 167"/>
         <p:cNvGrpSpPr/>
         <p:nvPr/>
       </p:nvGrpSpPr>
@@ -2251,7 +2251,7 @@
       </p:grpSpPr>
       <p:sp>
         <p:nvSpPr>
-          <p:cNvPr id="166" name="Google Shape;166;g123bd5c0c69_0_10:notes"/>
+          <p:cNvPr id="168" name="Google Shape;168;g123bd5c0c69_0_10:notes"/>
           <p:cNvSpPr/>
           <p:nvPr>
             <p:ph idx="2" type="sldImg"/>
@@ -2286,7 +2286,7 @@
       </p:sp>
       <p:sp>
         <p:nvSpPr>
-          <p:cNvPr id="167" name="Google Shape;167;g123bd5c0c69_0_10:notes"/>
+          <p:cNvPr id="169" name="Google Shape;169;g123bd5c0c69_0_10:notes"/>
           <p:cNvSpPr txBox="1"/>
           <p:nvPr>
             <p:ph idx="1" type="body"/>
@@ -2397,7 +2397,7 @@
   <p:cSld>
     <p:spTree>
       <p:nvGrpSpPr>
-        <p:cNvPr id="174" name="Shape 174"/>
+        <p:cNvPr id="176" name="Shape 176"/>
         <p:cNvGrpSpPr/>
         <p:nvPr/>
       </p:nvGrpSpPr>
@@ -2411,7 +2411,7 @@
       </p:grpSpPr>
       <p:sp>
         <p:nvSpPr>
-          <p:cNvPr id="175" name="Google Shape;175;gf3da675a77_0_33:notes"/>
+          <p:cNvPr id="177" name="Google Shape;177;gf3da675a77_0_33:notes"/>
           <p:cNvSpPr/>
           <p:nvPr>
             <p:ph idx="2" type="sldImg"/>
@@ -2446,7 +2446,7 @@
       </p:sp>
       <p:sp>
         <p:nvSpPr>
-          <p:cNvPr id="176" name="Google Shape;176;gf3da675a77_0_33:notes"/>
+          <p:cNvPr id="178" name="Google Shape;178;gf3da675a77_0_33:notes"/>
           <p:cNvSpPr txBox="1"/>
           <p:nvPr>
             <p:ph idx="1" type="body"/>
@@ -2521,7 +2521,7 @@
   <p:cSld>
     <p:spTree>
       <p:nvGrpSpPr>
-        <p:cNvPr id="186" name="Shape 186"/>
+        <p:cNvPr id="188" name="Shape 188"/>
         <p:cNvGrpSpPr/>
         <p:nvPr/>
       </p:nvGrpSpPr>
@@ -2535,7 +2535,7 @@
       </p:grpSpPr>
       <p:sp>
         <p:nvSpPr>
-          <p:cNvPr id="187" name="Google Shape;187;g1231efbba45_0_56:notes"/>
+          <p:cNvPr id="189" name="Google Shape;189;g1231efbba45_0_56:notes"/>
           <p:cNvSpPr/>
           <p:nvPr>
             <p:ph idx="2" type="sldImg"/>
@@ -2570,7 +2570,7 @@
       </p:sp>
       <p:sp>
         <p:nvSpPr>
-          <p:cNvPr id="188" name="Google Shape;188;g1231efbba45_0_56:notes"/>
+          <p:cNvPr id="190" name="Google Shape;190;g1231efbba45_0_56:notes"/>
           <p:cNvSpPr txBox="1"/>
           <p:nvPr>
             <p:ph idx="1" type="body"/>
@@ -2630,7 +2630,7 @@
   <p:cSld>
     <p:spTree>
       <p:nvGrpSpPr>
-        <p:cNvPr id="213" name="Shape 213"/>
+        <p:cNvPr id="215" name="Shape 215"/>
         <p:cNvGrpSpPr/>
         <p:nvPr/>
       </p:nvGrpSpPr>
@@ -2644,7 +2644,7 @@
       </p:grpSpPr>
       <p:sp>
         <p:nvSpPr>
-          <p:cNvPr id="214" name="Google Shape;214;gf3da675a77_0_78:notes"/>
+          <p:cNvPr id="216" name="Google Shape;216;gf3da675a77_0_78:notes"/>
           <p:cNvSpPr/>
           <p:nvPr>
             <p:ph idx="2" type="sldImg"/>
@@ -2679,7 +2679,7 @@
       </p:sp>
       <p:sp>
         <p:nvSpPr>
-          <p:cNvPr id="215" name="Google Shape;215;gf3da675a77_0_78:notes"/>
+          <p:cNvPr id="217" name="Google Shape;217;gf3da675a77_0_78:notes"/>
           <p:cNvSpPr txBox="1"/>
           <p:nvPr>
             <p:ph idx="1" type="body"/>
@@ -2739,7 +2739,7 @@
   <p:cSld>
     <p:spTree>
       <p:nvGrpSpPr>
-        <p:cNvPr id="263" name="Shape 263"/>
+        <p:cNvPr id="265" name="Shape 265"/>
         <p:cNvGrpSpPr/>
         <p:nvPr/>
       </p:nvGrpSpPr>
@@ -2753,7 +2753,7 @@
       </p:grpSpPr>
       <p:sp>
         <p:nvSpPr>
-          <p:cNvPr id="264" name="Google Shape;264;gf3da675a77_0_137:notes"/>
+          <p:cNvPr id="266" name="Google Shape;266;gf3da675a77_0_137:notes"/>
           <p:cNvSpPr/>
           <p:nvPr>
             <p:ph idx="2" type="sldImg"/>
@@ -2788,7 +2788,7 @@
       </p:sp>
       <p:sp>
         <p:nvSpPr>
-          <p:cNvPr id="265" name="Google Shape;265;gf3da675a77_0_137:notes"/>
+          <p:cNvPr id="267" name="Google Shape;267;gf3da675a77_0_137:notes"/>
           <p:cNvSpPr txBox="1"/>
           <p:nvPr>
             <p:ph idx="1" type="body"/>
@@ -11100,7 +11100,7 @@
   <p:cSld>
     <p:spTree>
       <p:nvGrpSpPr>
-        <p:cNvPr id="279" name="Shape 279"/>
+        <p:cNvPr id="281" name="Shape 281"/>
         <p:cNvGrpSpPr/>
         <p:nvPr/>
       </p:nvGrpSpPr>
@@ -11114,7 +11114,7 @@
       </p:grpSpPr>
       <p:pic>
         <p:nvPicPr>
-          <p:cNvPr id="280" name="Google Shape;280;p22"/>
+          <p:cNvPr id="282" name="Google Shape;282;p22"/>
           <p:cNvPicPr preferRelativeResize="0"/>
           <p:nvPr/>
         </p:nvPicPr>
@@ -11142,7 +11142,7 @@
       </p:pic>
       <p:pic>
         <p:nvPicPr>
-          <p:cNvPr id="281" name="Google Shape;281;p22"/>
+          <p:cNvPr id="283" name="Google Shape;283;p22"/>
           <p:cNvPicPr preferRelativeResize="0"/>
           <p:nvPr/>
         </p:nvPicPr>
@@ -11170,7 +11170,7 @@
       </p:pic>
       <p:sp>
         <p:nvSpPr>
-          <p:cNvPr id="282" name="Google Shape;282;p22"/>
+          <p:cNvPr id="284" name="Google Shape;284;p22"/>
           <p:cNvSpPr txBox="1"/>
           <p:nvPr/>
         </p:nvSpPr>
@@ -11222,7 +11222,7 @@
       </p:sp>
       <p:sp>
         <p:nvSpPr>
-          <p:cNvPr id="283" name="Google Shape;283;p22"/>
+          <p:cNvPr id="285" name="Google Shape;285;p22"/>
           <p:cNvSpPr/>
           <p:nvPr/>
         </p:nvSpPr>
@@ -11274,7 +11274,7 @@
       </p:sp>
       <p:sp>
         <p:nvSpPr>
-          <p:cNvPr id="284" name="Google Shape;284;p22"/>
+          <p:cNvPr id="286" name="Google Shape;286;p22"/>
           <p:cNvSpPr/>
           <p:nvPr/>
         </p:nvSpPr>
@@ -11326,7 +11326,7 @@
       </p:sp>
       <p:sp>
         <p:nvSpPr>
-          <p:cNvPr id="285" name="Google Shape;285;p22"/>
+          <p:cNvPr id="287" name="Google Shape;287;p22"/>
           <p:cNvSpPr/>
           <p:nvPr/>
         </p:nvSpPr>
@@ -11378,7 +11378,7 @@
       </p:sp>
       <p:sp>
         <p:nvSpPr>
-          <p:cNvPr id="286" name="Google Shape;286;p22"/>
+          <p:cNvPr id="288" name="Google Shape;288;p22"/>
           <p:cNvSpPr/>
           <p:nvPr/>
         </p:nvSpPr>
@@ -11430,7 +11430,7 @@
       </p:sp>
       <p:sp>
         <p:nvSpPr>
-          <p:cNvPr id="287" name="Google Shape;287;p22"/>
+          <p:cNvPr id="289" name="Google Shape;289;p22"/>
           <p:cNvSpPr/>
           <p:nvPr/>
         </p:nvSpPr>
@@ -11482,7 +11482,7 @@
       </p:sp>
       <p:sp>
         <p:nvSpPr>
-          <p:cNvPr id="288" name="Google Shape;288;p22"/>
+          <p:cNvPr id="290" name="Google Shape;290;p22"/>
           <p:cNvSpPr/>
           <p:nvPr/>
         </p:nvSpPr>
@@ -11534,7 +11534,7 @@
       </p:sp>
       <p:sp>
         <p:nvSpPr>
-          <p:cNvPr id="289" name="Google Shape;289;p22"/>
+          <p:cNvPr id="291" name="Google Shape;291;p22"/>
           <p:cNvSpPr/>
           <p:nvPr/>
         </p:nvSpPr>
@@ -11586,7 +11586,7 @@
       </p:sp>
       <p:sp>
         <p:nvSpPr>
-          <p:cNvPr id="290" name="Google Shape;290;p22"/>
+          <p:cNvPr id="292" name="Google Shape;292;p22"/>
           <p:cNvSpPr/>
           <p:nvPr/>
         </p:nvSpPr>
@@ -11638,7 +11638,7 @@
       </p:sp>
       <p:sp>
         <p:nvSpPr>
-          <p:cNvPr id="291" name="Google Shape;291;p22"/>
+          <p:cNvPr id="293" name="Google Shape;293;p22"/>
           <p:cNvSpPr/>
           <p:nvPr/>
         </p:nvSpPr>
@@ -11690,7 +11690,7 @@
       </p:sp>
       <p:sp>
         <p:nvSpPr>
-          <p:cNvPr id="292" name="Google Shape;292;p22"/>
+          <p:cNvPr id="294" name="Google Shape;294;p22"/>
           <p:cNvSpPr/>
           <p:nvPr/>
         </p:nvSpPr>
@@ -11742,7 +11742,7 @@
       </p:sp>
       <p:sp>
         <p:nvSpPr>
-          <p:cNvPr id="293" name="Google Shape;293;p22"/>
+          <p:cNvPr id="295" name="Google Shape;295;p22"/>
           <p:cNvSpPr txBox="1"/>
           <p:nvPr/>
         </p:nvSpPr>
@@ -11833,7 +11833,7 @@
       </p:sp>
       <p:sp>
         <p:nvSpPr>
-          <p:cNvPr id="294" name="Google Shape;294;p22"/>
+          <p:cNvPr id="296" name="Google Shape;296;p22"/>
           <p:cNvSpPr/>
           <p:nvPr/>
         </p:nvSpPr>
@@ -11885,7 +11885,7 @@
       </p:sp>
       <p:sp>
         <p:nvSpPr>
-          <p:cNvPr id="295" name="Google Shape;295;p22"/>
+          <p:cNvPr id="297" name="Google Shape;297;p22"/>
           <p:cNvSpPr/>
           <p:nvPr/>
         </p:nvSpPr>
@@ -11937,7 +11937,7 @@
       </p:sp>
       <p:sp>
         <p:nvSpPr>
-          <p:cNvPr id="296" name="Google Shape;296;p22"/>
+          <p:cNvPr id="298" name="Google Shape;298;p22"/>
           <p:cNvSpPr/>
           <p:nvPr/>
         </p:nvSpPr>
@@ -11989,7 +11989,7 @@
       </p:sp>
       <p:sp>
         <p:nvSpPr>
-          <p:cNvPr id="297" name="Google Shape;297;p22"/>
+          <p:cNvPr id="299" name="Google Shape;299;p22"/>
           <p:cNvSpPr/>
           <p:nvPr/>
         </p:nvSpPr>
@@ -12081,7 +12081,7 @@
                                           </p:stCondLst>
                                         </p:cTn>
                                         <p:tgtEl>
-                                          <p:spTgt spid="281"/>
+                                          <p:spTgt spid="283"/>
                                         </p:tgtEl>
                                         <p:attrNameLst>
                                           <p:attrName>style.visibility</p:attrName>
@@ -12095,7 +12095,7 @@
                                       <p:cBhvr>
                                         <p:cTn dur="1000"/>
                                         <p:tgtEl>
-                                          <p:spTgt spid="281"/>
+                                          <p:spTgt spid="283"/>
                                         </p:tgtEl>
                                       </p:cBhvr>
                                     </p:animEffect>
@@ -12134,7 +12134,7 @@
                                           </p:stCondLst>
                                         </p:cTn>
                                         <p:tgtEl>
-                                          <p:spTgt spid="280"/>
+                                          <p:spTgt spid="282"/>
                                         </p:tgtEl>
                                         <p:attrNameLst>
                                           <p:attrName>style.visibility</p:attrName>
@@ -12148,7 +12148,7 @@
                                       <p:cBhvr>
                                         <p:cTn dur="1000"/>
                                         <p:tgtEl>
-                                          <p:spTgt spid="280"/>
+                                          <p:spTgt spid="282"/>
                                         </p:tgtEl>
                                       </p:cBhvr>
                                     </p:animEffect>
@@ -12165,7 +12165,7 @@
                                       <p:cBhvr>
                                         <p:cTn dur="1000"/>
                                         <p:tgtEl>
-                                          <p:spTgt spid="281"/>
+                                          <p:spTgt spid="283"/>
                                         </p:tgtEl>
                                       </p:cBhvr>
                                     </p:animEffect>
@@ -12177,7 +12177,7 @@
                                           </p:stCondLst>
                                         </p:cTn>
                                         <p:tgtEl>
-                                          <p:spTgt spid="281"/>
+                                          <p:spTgt spid="283"/>
                                         </p:tgtEl>
                                         <p:attrNameLst>
                                           <p:attrName>style.visibility</p:attrName>
@@ -12210,76 +12210,6 @@
                             <p:childTnLst>
                               <p:par>
                                 <p:cTn fill="hold" nodeType="clickEffect" presetClass="entr" presetID="10" presetSubtype="0">
-                                  <p:stCondLst>
-                                    <p:cond delay="0"/>
-                                  </p:stCondLst>
-                                  <p:childTnLst>
-                                    <p:set>
-                                      <p:cBhvr>
-                                        <p:cTn dur="1" fill="hold">
-                                          <p:stCondLst>
-                                            <p:cond delay="0"/>
-                                          </p:stCondLst>
-                                        </p:cTn>
-                                        <p:tgtEl>
-                                          <p:spTgt spid="283"/>
-                                        </p:tgtEl>
-                                        <p:attrNameLst>
-                                          <p:attrName>style.visibility</p:attrName>
-                                        </p:attrNameLst>
-                                      </p:cBhvr>
-                                      <p:to>
-                                        <p:strVal val="visible"/>
-                                      </p:to>
-                                    </p:set>
-                                    <p:animEffect filter="fade" transition="in">
-                                      <p:cBhvr>
-                                        <p:cTn dur="1000"/>
-                                        <p:tgtEl>
-                                          <p:spTgt spid="283"/>
-                                        </p:tgtEl>
-                                      </p:cBhvr>
-                                    </p:animEffect>
-                                  </p:childTnLst>
-                                </p:cTn>
-                              </p:par>
-                              <p:par>
-                                <p:cTn fill="hold" nodeType="withEffect" presetClass="entr" presetID="10" presetSubtype="0">
-                                  <p:stCondLst>
-                                    <p:cond delay="0"/>
-                                  </p:stCondLst>
-                                  <p:childTnLst>
-                                    <p:set>
-                                      <p:cBhvr>
-                                        <p:cTn dur="1" fill="hold">
-                                          <p:stCondLst>
-                                            <p:cond delay="0"/>
-                                          </p:stCondLst>
-                                        </p:cTn>
-                                        <p:tgtEl>
-                                          <p:spTgt spid="284"/>
-                                        </p:tgtEl>
-                                        <p:attrNameLst>
-                                          <p:attrName>style.visibility</p:attrName>
-                                        </p:attrNameLst>
-                                      </p:cBhvr>
-                                      <p:to>
-                                        <p:strVal val="visible"/>
-                                      </p:to>
-                                    </p:set>
-                                    <p:animEffect filter="fade" transition="in">
-                                      <p:cBhvr>
-                                        <p:cTn dur="1000"/>
-                                        <p:tgtEl>
-                                          <p:spTgt spid="284"/>
-                                        </p:tgtEl>
-                                      </p:cBhvr>
-                                    </p:animEffect>
-                                  </p:childTnLst>
-                                </p:cTn>
-                              </p:par>
-                              <p:par>
-                                <p:cTn fill="hold" nodeType="withEffect" presetClass="entr" presetID="10" presetSubtype="0">
                                   <p:stCondLst>
                                     <p:cond delay="0"/>
                                   </p:stCondLst>
@@ -12502,6 +12432,41 @@
                                           </p:stCondLst>
                                         </p:cTn>
                                         <p:tgtEl>
+                                          <p:spTgt spid="291"/>
+                                        </p:tgtEl>
+                                        <p:attrNameLst>
+                                          <p:attrName>style.visibility</p:attrName>
+                                        </p:attrNameLst>
+                                      </p:cBhvr>
+                                      <p:to>
+                                        <p:strVal val="visible"/>
+                                      </p:to>
+                                    </p:set>
+                                    <p:animEffect filter="fade" transition="in">
+                                      <p:cBhvr>
+                                        <p:cTn dur="1000"/>
+                                        <p:tgtEl>
+                                          <p:spTgt spid="291"/>
+                                        </p:tgtEl>
+                                      </p:cBhvr>
+                                    </p:animEffect>
+                                  </p:childTnLst>
+                                </p:cTn>
+                              </p:par>
+                              <p:par>
+                                <p:cTn fill="hold" nodeType="withEffect" presetClass="entr" presetID="10" presetSubtype="0">
+                                  <p:stCondLst>
+                                    <p:cond delay="0"/>
+                                  </p:stCondLst>
+                                  <p:childTnLst>
+                                    <p:set>
+                                      <p:cBhvr>
+                                        <p:cTn dur="1" fill="hold">
+                                          <p:stCondLst>
+                                            <p:cond delay="0"/>
+                                          </p:stCondLst>
+                                        </p:cTn>
+                                        <p:tgtEl>
                                           <p:spTgt spid="292"/>
                                         </p:tgtEl>
                                         <p:attrNameLst>
@@ -12552,41 +12517,6 @@
                                         <p:cTn dur="1000"/>
                                         <p:tgtEl>
                                           <p:spTgt spid="294"/>
-                                        </p:tgtEl>
-                                      </p:cBhvr>
-                                    </p:animEffect>
-                                  </p:childTnLst>
-                                </p:cTn>
-                              </p:par>
-                              <p:par>
-                                <p:cTn fill="hold" nodeType="withEffect" presetClass="entr" presetID="10" presetSubtype="0">
-                                  <p:stCondLst>
-                                    <p:cond delay="0"/>
-                                  </p:stCondLst>
-                                  <p:childTnLst>
-                                    <p:set>
-                                      <p:cBhvr>
-                                        <p:cTn dur="1" fill="hold">
-                                          <p:stCondLst>
-                                            <p:cond delay="0"/>
-                                          </p:stCondLst>
-                                        </p:cTn>
-                                        <p:tgtEl>
-                                          <p:spTgt spid="295"/>
-                                        </p:tgtEl>
-                                        <p:attrNameLst>
-                                          <p:attrName>style.visibility</p:attrName>
-                                        </p:attrNameLst>
-                                      </p:cBhvr>
-                                      <p:to>
-                                        <p:strVal val="visible"/>
-                                      </p:to>
-                                    </p:set>
-                                    <p:animEffect filter="fade" transition="in">
-                                      <p:cBhvr>
-                                        <p:cTn dur="1000"/>
-                                        <p:tgtEl>
-                                          <p:spTgt spid="295"/>
                                         </p:tgtEl>
                                       </p:cBhvr>
                                     </p:animEffect>
@@ -12677,7 +12607,7 @@
                                           </p:stCondLst>
                                         </p:cTn>
                                         <p:tgtEl>
-                                          <p:spTgt spid="291"/>
+                                          <p:spTgt spid="298"/>
                                         </p:tgtEl>
                                         <p:attrNameLst>
                                           <p:attrName>style.visibility</p:attrName>
@@ -12691,7 +12621,77 @@
                                       <p:cBhvr>
                                         <p:cTn dur="1000"/>
                                         <p:tgtEl>
-                                          <p:spTgt spid="291"/>
+                                          <p:spTgt spid="298"/>
+                                        </p:tgtEl>
+                                      </p:cBhvr>
+                                    </p:animEffect>
+                                  </p:childTnLst>
+                                </p:cTn>
+                              </p:par>
+                              <p:par>
+                                <p:cTn fill="hold" nodeType="withEffect" presetClass="entr" presetID="10" presetSubtype="0">
+                                  <p:stCondLst>
+                                    <p:cond delay="0"/>
+                                  </p:stCondLst>
+                                  <p:childTnLst>
+                                    <p:set>
+                                      <p:cBhvr>
+                                        <p:cTn dur="1" fill="hold">
+                                          <p:stCondLst>
+                                            <p:cond delay="0"/>
+                                          </p:stCondLst>
+                                        </p:cTn>
+                                        <p:tgtEl>
+                                          <p:spTgt spid="299"/>
+                                        </p:tgtEl>
+                                        <p:attrNameLst>
+                                          <p:attrName>style.visibility</p:attrName>
+                                        </p:attrNameLst>
+                                      </p:cBhvr>
+                                      <p:to>
+                                        <p:strVal val="visible"/>
+                                      </p:to>
+                                    </p:set>
+                                    <p:animEffect filter="fade" transition="in">
+                                      <p:cBhvr>
+                                        <p:cTn dur="1000"/>
+                                        <p:tgtEl>
+                                          <p:spTgt spid="299"/>
+                                        </p:tgtEl>
+                                      </p:cBhvr>
+                                    </p:animEffect>
+                                  </p:childTnLst>
+                                </p:cTn>
+                              </p:par>
+                              <p:par>
+                                <p:cTn fill="hold" nodeType="withEffect" presetClass="entr" presetID="10" presetSubtype="0">
+                                  <p:stCondLst>
+                                    <p:cond delay="0"/>
+                                  </p:stCondLst>
+                                  <p:childTnLst>
+                                    <p:set>
+                                      <p:cBhvr>
+                                        <p:cTn dur="1" fill="hold">
+                                          <p:stCondLst>
+                                            <p:cond delay="0"/>
+                                          </p:stCondLst>
+                                        </p:cTn>
+                                        <p:tgtEl>
+                                          <p:spTgt spid="293"/>
+                                        </p:tgtEl>
+                                        <p:attrNameLst>
+                                          <p:attrName>style.visibility</p:attrName>
+                                        </p:attrNameLst>
+                                      </p:cBhvr>
+                                      <p:to>
+                                        <p:strVal val="visible"/>
+                                      </p:to>
+                                    </p:set>
+                                    <p:animEffect filter="fade" transition="in">
+                                      <p:cBhvr>
+                                        <p:cTn dur="1000"/>
+                                        <p:tgtEl>
+                                          <p:spTgt spid="293"/>
                                         </p:tgtEl>
                                       </p:cBhvr>
                                     </p:animEffect>
@@ -12721,7 +12721,7 @@
                                           </p:stCondLst>
                                         </p:cTn>
                                         <p:tgtEl>
-                                          <p:spTgt spid="293"/>
+                                          <p:spTgt spid="295"/>
                                         </p:tgtEl>
                                         <p:attrNameLst>
                                           <p:attrName>style.visibility</p:attrName>
@@ -12735,7 +12735,7 @@
                                       <p:cBhvr>
                                         <p:cTn dur="1000"/>
                                         <p:tgtEl>
-                                          <p:spTgt spid="293"/>
+                                          <p:spTgt spid="295"/>
                                         </p:tgtEl>
                                       </p:cBhvr>
                                     </p:animEffect>
@@ -12778,7 +12778,7 @@
   <p:cSld>
     <p:spTree>
       <p:nvGrpSpPr>
-        <p:cNvPr id="301" name="Shape 301"/>
+        <p:cNvPr id="303" name="Shape 303"/>
         <p:cNvGrpSpPr/>
         <p:nvPr/>
       </p:nvGrpSpPr>
@@ -12792,7 +12792,7 @@
       </p:grpSpPr>
       <p:sp>
         <p:nvSpPr>
-          <p:cNvPr id="302" name="Google Shape;302;p23"/>
+          <p:cNvPr id="304" name="Google Shape;304;p23"/>
           <p:cNvSpPr txBox="1"/>
           <p:nvPr>
             <p:ph type="title"/>
@@ -12832,7 +12832,7 @@
       </p:sp>
       <p:pic>
         <p:nvPicPr>
-          <p:cNvPr id="303" name="Google Shape;303;p23"/>
+          <p:cNvPr id="305" name="Google Shape;305;p23"/>
           <p:cNvPicPr preferRelativeResize="0"/>
           <p:nvPr/>
         </p:nvPicPr>
@@ -12860,7 +12860,7 @@
       </p:pic>
       <p:sp>
         <p:nvSpPr>
-          <p:cNvPr id="304" name="Google Shape;304;p23"/>
+          <p:cNvPr id="306" name="Google Shape;306;p23"/>
           <p:cNvSpPr txBox="1"/>
           <p:nvPr/>
         </p:nvSpPr>
@@ -12918,7 +12918,7 @@
       </p:sp>
       <p:cxnSp>
         <p:nvCxnSpPr>
-          <p:cNvPr id="305" name="Google Shape;305;p23"/>
+          <p:cNvPr id="307" name="Google Shape;307;p23"/>
           <p:cNvCxnSpPr/>
           <p:nvPr/>
         </p:nvCxnSpPr>
@@ -12944,7 +12944,7 @@
       </p:cxnSp>
       <p:cxnSp>
         <p:nvCxnSpPr>
-          <p:cNvPr id="306" name="Google Shape;306;p23"/>
+          <p:cNvPr id="308" name="Google Shape;308;p23"/>
           <p:cNvCxnSpPr/>
           <p:nvPr/>
         </p:nvCxnSpPr>
@@ -12970,7 +12970,7 @@
       </p:cxnSp>
       <p:cxnSp>
         <p:nvCxnSpPr>
-          <p:cNvPr id="307" name="Google Shape;307;p23"/>
+          <p:cNvPr id="309" name="Google Shape;309;p23"/>
           <p:cNvCxnSpPr/>
           <p:nvPr/>
         </p:nvCxnSpPr>
@@ -12996,7 +12996,7 @@
       </p:cxnSp>
       <p:cxnSp>
         <p:nvCxnSpPr>
-          <p:cNvPr id="308" name="Google Shape;308;p23"/>
+          <p:cNvPr id="310" name="Google Shape;310;p23"/>
           <p:cNvCxnSpPr/>
           <p:nvPr/>
         </p:nvCxnSpPr>
@@ -13022,7 +13022,7 @@
       </p:cxnSp>
       <p:sp>
         <p:nvSpPr>
-          <p:cNvPr id="309" name="Google Shape;309;p23"/>
+          <p:cNvPr id="311" name="Google Shape;311;p23"/>
           <p:cNvSpPr txBox="1"/>
           <p:nvPr/>
         </p:nvSpPr>
@@ -13086,7 +13086,7 @@
       </p:sp>
       <p:sp>
         <p:nvSpPr>
-          <p:cNvPr id="310" name="Google Shape;310;p23"/>
+          <p:cNvPr id="312" name="Google Shape;312;p23"/>
           <p:cNvSpPr txBox="1"/>
           <p:nvPr/>
         </p:nvSpPr>
@@ -13149,6 +13149,235 @@
             <p:seq concurrent="1" nextAc="seek">
               <p:cTn dur="indefinite" id="2" nodeType="mainSeq">
                 <p:childTnLst>
+                  <p:par>
+                    <p:cTn fill="hold">
+                      <p:stCondLst>
+                        <p:cond delay="indefinite"/>
+                      </p:stCondLst>
+                      <p:childTnLst>
+                        <p:par>
+                          <p:cTn fill="hold">
+                            <p:stCondLst>
+                              <p:cond delay="0"/>
+                            </p:stCondLst>
+                            <p:childTnLst>
+                              <p:par>
+                                <p:cTn fill="hold" nodeType="clickEffect" presetClass="entr" presetID="10" presetSubtype="0">
+                                  <p:stCondLst>
+                                    <p:cond delay="0"/>
+                                  </p:stCondLst>
+                                  <p:childTnLst>
+                                    <p:set>
+                                      <p:cBhvr>
+                                        <p:cTn dur="1" fill="hold">
+                                          <p:stCondLst>
+                                            <p:cond delay="0"/>
+                                          </p:stCondLst>
+                                        </p:cTn>
+                                        <p:tgtEl>
+                                          <p:spTgt spid="309"/>
+                                        </p:tgtEl>
+                                        <p:attrNameLst>
+                                          <p:attrName>style.visibility</p:attrName>
+                                        </p:attrNameLst>
+                                      </p:cBhvr>
+                                      <p:to>
+                                        <p:strVal val="visible"/>
+                                      </p:to>
+                                    </p:set>
+                                    <p:animEffect filter="fade" transition="in">
+                                      <p:cBhvr>
+                                        <p:cTn dur="1000"/>
+                                        <p:tgtEl>
+                                          <p:spTgt spid="309"/>
+                                        </p:tgtEl>
+                                      </p:cBhvr>
+                                    </p:animEffect>
+                                  </p:childTnLst>
+                                </p:cTn>
+                              </p:par>
+                            </p:childTnLst>
+                          </p:cTn>
+                        </p:par>
+                      </p:childTnLst>
+                    </p:cTn>
+                  </p:par>
+                  <p:par>
+                    <p:cTn fill="hold">
+                      <p:stCondLst>
+                        <p:cond delay="indefinite"/>
+                      </p:stCondLst>
+                      <p:childTnLst>
+                        <p:par>
+                          <p:cTn fill="hold">
+                            <p:stCondLst>
+                              <p:cond delay="0"/>
+                            </p:stCondLst>
+                            <p:childTnLst>
+                              <p:par>
+                                <p:cTn fill="hold" nodeType="clickEffect" presetClass="entr" presetID="10" presetSubtype="0">
+                                  <p:stCondLst>
+                                    <p:cond delay="0"/>
+                                  </p:stCondLst>
+                                  <p:childTnLst>
+                                    <p:set>
+                                      <p:cBhvr>
+                                        <p:cTn dur="1" fill="hold">
+                                          <p:stCondLst>
+                                            <p:cond delay="0"/>
+                                          </p:stCondLst>
+                                        </p:cTn>
+                                        <p:tgtEl>
+                                          <p:spTgt spid="310"/>
+                                        </p:tgtEl>
+                                        <p:attrNameLst>
+                                          <p:attrName>style.visibility</p:attrName>
+                                        </p:attrNameLst>
+                                      </p:cBhvr>
+                                      <p:to>
+                                        <p:strVal val="visible"/>
+                                      </p:to>
+                                    </p:set>
+                                    <p:animEffect filter="fade" transition="in">
+                                      <p:cBhvr>
+                                        <p:cTn dur="1000"/>
+                                        <p:tgtEl>
+                                          <p:spTgt spid="310"/>
+                                        </p:tgtEl>
+                                      </p:cBhvr>
+                                    </p:animEffect>
+                                  </p:childTnLst>
+                                </p:cTn>
+                              </p:par>
+                              <p:par>
+                                <p:cTn fill="hold" nodeType="withEffect" presetClass="exit" presetID="10" presetSubtype="0">
+                                  <p:stCondLst>
+                                    <p:cond delay="0"/>
+                                  </p:stCondLst>
+                                  <p:childTnLst>
+                                    <p:animEffect filter="fade" transition="out">
+                                      <p:cBhvr>
+                                        <p:cTn dur="1000"/>
+                                        <p:tgtEl>
+                                          <p:spTgt spid="309"/>
+                                        </p:tgtEl>
+                                      </p:cBhvr>
+                                    </p:animEffect>
+                                    <p:set>
+                                      <p:cBhvr>
+                                        <p:cTn dur="1" fill="hold">
+                                          <p:stCondLst>
+                                            <p:cond delay="1000"/>
+                                          </p:stCondLst>
+                                        </p:cTn>
+                                        <p:tgtEl>
+                                          <p:spTgt spid="309"/>
+                                        </p:tgtEl>
+                                        <p:attrNameLst>
+                                          <p:attrName>style.visibility</p:attrName>
+                                        </p:attrNameLst>
+                                      </p:cBhvr>
+                                      <p:to>
+                                        <p:strVal val="hidden"/>
+                                      </p:to>
+                                    </p:set>
+                                  </p:childTnLst>
+                                </p:cTn>
+                              </p:par>
+                            </p:childTnLst>
+                          </p:cTn>
+                        </p:par>
+                      </p:childTnLst>
+                    </p:cTn>
+                  </p:par>
+                  <p:par>
+                    <p:cTn fill="hold">
+                      <p:stCondLst>
+                        <p:cond delay="indefinite"/>
+                      </p:stCondLst>
+                      <p:childTnLst>
+                        <p:par>
+                          <p:cTn fill="hold">
+                            <p:stCondLst>
+                              <p:cond delay="0"/>
+                            </p:stCondLst>
+                            <p:childTnLst>
+                              <p:par>
+                                <p:cTn fill="hold" nodeType="clickEffect" presetClass="entr" presetID="10" presetSubtype="0">
+                                  <p:stCondLst>
+                                    <p:cond delay="0"/>
+                                  </p:stCondLst>
+                                  <p:childTnLst>
+                                    <p:set>
+                                      <p:cBhvr>
+                                        <p:cTn dur="1" fill="hold">
+                                          <p:stCondLst>
+                                            <p:cond delay="0"/>
+                                          </p:stCondLst>
+                                        </p:cTn>
+                                        <p:tgtEl>
+                                          <p:spTgt spid="311"/>
+                                        </p:tgtEl>
+                                        <p:attrNameLst>
+                                          <p:attrName>style.visibility</p:attrName>
+                                        </p:attrNameLst>
+                                      </p:cBhvr>
+                                      <p:to>
+                                        <p:strVal val="visible"/>
+                                      </p:to>
+                                    </p:set>
+                                    <p:animEffect filter="fade" transition="in">
+                                      <p:cBhvr>
+                                        <p:cTn dur="1000"/>
+                                        <p:tgtEl>
+                                          <p:spTgt spid="311"/>
+                                        </p:tgtEl>
+                                      </p:cBhvr>
+                                    </p:animEffect>
+                                  </p:childTnLst>
+                                </p:cTn>
+                              </p:par>
+                              <p:par>
+                                <p:cTn fill="hold" nodeType="withEffect" presetClass="exit" presetID="10" presetSubtype="0">
+                                  <p:stCondLst>
+                                    <p:cond delay="0"/>
+                                  </p:stCondLst>
+                                  <p:childTnLst>
+                                    <p:animEffect filter="fade" transition="out">
+                                      <p:cBhvr>
+                                        <p:cTn dur="1000"/>
+                                        <p:tgtEl>
+                                          <p:spTgt spid="310"/>
+                                        </p:tgtEl>
+                                      </p:cBhvr>
+                                    </p:animEffect>
+                                    <p:set>
+                                      <p:cBhvr>
+                                        <p:cTn dur="1" fill="hold">
+                                          <p:stCondLst>
+                                            <p:cond delay="1000"/>
+                                          </p:stCondLst>
+                                        </p:cTn>
+                                        <p:tgtEl>
+                                          <p:spTgt spid="310"/>
+                                        </p:tgtEl>
+                                        <p:attrNameLst>
+                                          <p:attrName>style.visibility</p:attrName>
+                                        </p:attrNameLst>
+                                      </p:cBhvr>
+                                      <p:to>
+                                        <p:strVal val="hidden"/>
+                                      </p:to>
+                                    </p:set>
+                                  </p:childTnLst>
+                                </p:cTn>
+                              </p:par>
+                            </p:childTnLst>
+                          </p:cTn>
+                        </p:par>
+                      </p:childTnLst>
+                    </p:cTn>
+                  </p:par>
                   <p:par>
                     <p:cTn fill="hold">
                       <p:stCondLst>
@@ -13249,41 +13478,6 @@
                                   </p:childTnLst>
                                 </p:cTn>
                               </p:par>
-                              <p:par>
-                                <p:cTn fill="hold" nodeType="withEffect" presetClass="exit" presetID="10" presetSubtype="0">
-                                  <p:stCondLst>
-                                    <p:cond delay="0"/>
-                                  </p:stCondLst>
-                                  <p:childTnLst>
-                                    <p:animEffect filter="fade" transition="out">
-                                      <p:cBhvr>
-                                        <p:cTn dur="1000"/>
-                                        <p:tgtEl>
-                                          <p:spTgt spid="307"/>
-                                        </p:tgtEl>
-                                      </p:cBhvr>
-                                    </p:animEffect>
-                                    <p:set>
-                                      <p:cBhvr>
-                                        <p:cTn dur="1" fill="hold">
-                                          <p:stCondLst>
-                                            <p:cond delay="1000"/>
-                                          </p:stCondLst>
-                                        </p:cTn>
-                                        <p:tgtEl>
-                                          <p:spTgt spid="307"/>
-                                        </p:tgtEl>
-                                        <p:attrNameLst>
-                                          <p:attrName>style.visibility</p:attrName>
-                                        </p:attrNameLst>
-                                      </p:cBhvr>
-                                      <p:to>
-                                        <p:strVal val="hidden"/>
-                                      </p:to>
-                                    </p:set>
-                                  </p:childTnLst>
-                                </p:cTn>
-                              </p:par>
                             </p:childTnLst>
                           </p:cTn>
                         </p:par>
@@ -13316,7 +13510,7 @@
                                           </p:stCondLst>
                                         </p:cTn>
                                         <p:tgtEl>
-                                          <p:spTgt spid="309"/>
+                                          <p:spTgt spid="312"/>
                                         </p:tgtEl>
                                         <p:attrNameLst>
                                           <p:attrName>style.visibility</p:attrName>
@@ -13330,201 +13524,7 @@
                                       <p:cBhvr>
                                         <p:cTn dur="1000"/>
                                         <p:tgtEl>
-                                          <p:spTgt spid="309"/>
-                                        </p:tgtEl>
-                                      </p:cBhvr>
-                                    </p:animEffect>
-                                  </p:childTnLst>
-                                </p:cTn>
-                              </p:par>
-                              <p:par>
-                                <p:cTn fill="hold" nodeType="withEffect" presetClass="exit" presetID="10" presetSubtype="0">
-                                  <p:stCondLst>
-                                    <p:cond delay="0"/>
-                                  </p:stCondLst>
-                                  <p:childTnLst>
-                                    <p:animEffect filter="fade" transition="out">
-                                      <p:cBhvr>
-                                        <p:cTn dur="1000"/>
-                                        <p:tgtEl>
-                                          <p:spTgt spid="308"/>
-                                        </p:tgtEl>
-                                      </p:cBhvr>
-                                    </p:animEffect>
-                                    <p:set>
-                                      <p:cBhvr>
-                                        <p:cTn dur="1" fill="hold">
-                                          <p:stCondLst>
-                                            <p:cond delay="1000"/>
-                                          </p:stCondLst>
-                                        </p:cTn>
-                                        <p:tgtEl>
-                                          <p:spTgt spid="308"/>
-                                        </p:tgtEl>
-                                        <p:attrNameLst>
-                                          <p:attrName>style.visibility</p:attrName>
-                                        </p:attrNameLst>
-                                      </p:cBhvr>
-                                      <p:to>
-                                        <p:strVal val="hidden"/>
-                                      </p:to>
-                                    </p:set>
-                                  </p:childTnLst>
-                                </p:cTn>
-                              </p:par>
-                            </p:childTnLst>
-                          </p:cTn>
-                        </p:par>
-                      </p:childTnLst>
-                    </p:cTn>
-                  </p:par>
-                  <p:par>
-                    <p:cTn fill="hold">
-                      <p:stCondLst>
-                        <p:cond delay="indefinite"/>
-                      </p:stCondLst>
-                      <p:childTnLst>
-                        <p:par>
-                          <p:cTn fill="hold">
-                            <p:stCondLst>
-                              <p:cond delay="0"/>
-                            </p:stCondLst>
-                            <p:childTnLst>
-                              <p:par>
-                                <p:cTn fill="hold" nodeType="clickEffect" presetClass="entr" presetID="10" presetSubtype="0">
-                                  <p:stCondLst>
-                                    <p:cond delay="0"/>
-                                  </p:stCondLst>
-                                  <p:childTnLst>
-                                    <p:set>
-                                      <p:cBhvr>
-                                        <p:cTn dur="1" fill="hold">
-                                          <p:stCondLst>
-                                            <p:cond delay="0"/>
-                                          </p:stCondLst>
-                                        </p:cTn>
-                                        <p:tgtEl>
-                                          <p:spTgt spid="305"/>
-                                        </p:tgtEl>
-                                        <p:attrNameLst>
-                                          <p:attrName>style.visibility</p:attrName>
-                                        </p:attrNameLst>
-                                      </p:cBhvr>
-                                      <p:to>
-                                        <p:strVal val="visible"/>
-                                      </p:to>
-                                    </p:set>
-                                    <p:animEffect filter="fade" transition="in">
-                                      <p:cBhvr>
-                                        <p:cTn dur="1000"/>
-                                        <p:tgtEl>
-                                          <p:spTgt spid="305"/>
-                                        </p:tgtEl>
-                                      </p:cBhvr>
-                                    </p:animEffect>
-                                  </p:childTnLst>
-                                </p:cTn>
-                              </p:par>
-                            </p:childTnLst>
-                          </p:cTn>
-                        </p:par>
-                      </p:childTnLst>
-                    </p:cTn>
-                  </p:par>
-                  <p:par>
-                    <p:cTn fill="hold">
-                      <p:stCondLst>
-                        <p:cond delay="indefinite"/>
-                      </p:stCondLst>
-                      <p:childTnLst>
-                        <p:par>
-                          <p:cTn fill="hold">
-                            <p:stCondLst>
-                              <p:cond delay="0"/>
-                            </p:stCondLst>
-                            <p:childTnLst>
-                              <p:par>
-                                <p:cTn fill="hold" nodeType="clickEffect" presetClass="entr" presetID="10" presetSubtype="0">
-                                  <p:stCondLst>
-                                    <p:cond delay="0"/>
-                                  </p:stCondLst>
-                                  <p:childTnLst>
-                                    <p:set>
-                                      <p:cBhvr>
-                                        <p:cTn dur="1" fill="hold">
-                                          <p:stCondLst>
-                                            <p:cond delay="0"/>
-                                          </p:stCondLst>
-                                        </p:cTn>
-                                        <p:tgtEl>
-                                          <p:spTgt spid="306"/>
-                                        </p:tgtEl>
-                                        <p:attrNameLst>
-                                          <p:attrName>style.visibility</p:attrName>
-                                        </p:attrNameLst>
-                                      </p:cBhvr>
-                                      <p:to>
-                                        <p:strVal val="visible"/>
-                                      </p:to>
-                                    </p:set>
-                                    <p:animEffect filter="fade" transition="in">
-                                      <p:cBhvr>
-                                        <p:cTn dur="1000"/>
-                                        <p:tgtEl>
-                                          <p:spTgt spid="306"/>
-                                        </p:tgtEl>
-                                      </p:cBhvr>
-                                    </p:animEffect>
-                                  </p:childTnLst>
-                                </p:cTn>
-                              </p:par>
-                            </p:childTnLst>
-                          </p:cTn>
-                        </p:par>
-                      </p:childTnLst>
-                    </p:cTn>
-                  </p:par>
-                  <p:par>
-                    <p:cTn fill="hold">
-                      <p:stCondLst>
-                        <p:cond delay="indefinite"/>
-                      </p:stCondLst>
-                      <p:childTnLst>
-                        <p:par>
-                          <p:cTn fill="hold">
-                            <p:stCondLst>
-                              <p:cond delay="0"/>
-                            </p:stCondLst>
-                            <p:childTnLst>
-                              <p:par>
-                                <p:cTn fill="hold" nodeType="clickEffect" presetClass="entr" presetID="10" presetSubtype="0">
-                                  <p:stCondLst>
-                                    <p:cond delay="0"/>
-                                  </p:stCondLst>
-                                  <p:childTnLst>
-                                    <p:set>
-                                      <p:cBhvr>
-                                        <p:cTn dur="1" fill="hold">
-                                          <p:stCondLst>
-                                            <p:cond delay="0"/>
-                                          </p:stCondLst>
-                                        </p:cTn>
-                                        <p:tgtEl>
-                                          <p:spTgt spid="310"/>
-                                        </p:tgtEl>
-                                        <p:attrNameLst>
-                                          <p:attrName>style.visibility</p:attrName>
-                                        </p:attrNameLst>
-                                      </p:cBhvr>
-                                      <p:to>
-                                        <p:strVal val="visible"/>
-                                      </p:to>
-                                    </p:set>
-                                    <p:animEffect filter="fade" transition="in">
-                                      <p:cBhvr>
-                                        <p:cTn dur="1000"/>
-                                        <p:tgtEl>
-                                          <p:spTgt spid="310"/>
+                                          <p:spTgt spid="312"/>
                                         </p:tgtEl>
                                       </p:cBhvr>
                                     </p:animEffect>
@@ -13567,7 +13567,7 @@
   <p:cSld>
     <p:spTree>
       <p:nvGrpSpPr>
-        <p:cNvPr id="314" name="Shape 314"/>
+        <p:cNvPr id="316" name="Shape 316"/>
         <p:cNvGrpSpPr/>
         <p:nvPr/>
       </p:nvGrpSpPr>
@@ -13581,7 +13581,7 @@
       </p:grpSpPr>
       <p:sp>
         <p:nvSpPr>
-          <p:cNvPr id="315" name="Google Shape;315;p24"/>
+          <p:cNvPr id="317" name="Google Shape;317;p24"/>
           <p:cNvSpPr txBox="1"/>
           <p:nvPr>
             <p:ph type="title"/>
@@ -13621,7 +13621,7 @@
       </p:sp>
       <p:grpSp>
         <p:nvGrpSpPr>
-          <p:cNvPr id="316" name="Google Shape;316;p24"/>
+          <p:cNvPr id="318" name="Google Shape;318;p24"/>
           <p:cNvGrpSpPr/>
           <p:nvPr/>
         </p:nvGrpSpPr>
@@ -13635,7 +13635,7 @@
         </p:grpSpPr>
         <p:pic>
           <p:nvPicPr>
-            <p:cNvPr id="317" name="Google Shape;317;p24"/>
+            <p:cNvPr id="319" name="Google Shape;319;p24"/>
             <p:cNvPicPr preferRelativeResize="0"/>
             <p:nvPr/>
           </p:nvPicPr>
@@ -13663,7 +13663,7 @@
         </p:pic>
         <p:pic>
           <p:nvPicPr>
-            <p:cNvPr id="318" name="Google Shape;318;p24"/>
+            <p:cNvPr id="320" name="Google Shape;320;p24"/>
             <p:cNvPicPr preferRelativeResize="0"/>
             <p:nvPr/>
           </p:nvPicPr>
@@ -13692,7 +13692,7 @@
       </p:grpSp>
       <p:sp>
         <p:nvSpPr>
-          <p:cNvPr id="319" name="Google Shape;319;p24"/>
+          <p:cNvPr id="321" name="Google Shape;321;p24"/>
           <p:cNvSpPr txBox="1"/>
           <p:nvPr>
             <p:ph type="title"/>
@@ -13737,7 +13737,7 @@
       </p:sp>
       <p:sp>
         <p:nvSpPr>
-          <p:cNvPr id="320" name="Google Shape;320;p24"/>
+          <p:cNvPr id="322" name="Google Shape;322;p24"/>
           <p:cNvSpPr txBox="1"/>
           <p:nvPr/>
         </p:nvSpPr>
@@ -13901,7 +13901,7 @@
                                           </p:stCondLst>
                                         </p:cTn>
                                         <p:tgtEl>
-                                          <p:spTgt spid="319"/>
+                                          <p:spTgt spid="321"/>
                                         </p:tgtEl>
                                         <p:attrNameLst>
                                           <p:attrName>style.visibility</p:attrName>
@@ -13915,7 +13915,7 @@
                                       <p:cBhvr>
                                         <p:cTn dur="1000"/>
                                         <p:tgtEl>
-                                          <p:spTgt spid="319"/>
+                                          <p:spTgt spid="321"/>
                                         </p:tgtEl>
                                       </p:cBhvr>
                                     </p:animEffect>
@@ -13936,7 +13936,7 @@
                                           </p:stCondLst>
                                         </p:cTn>
                                         <p:tgtEl>
-                                          <p:spTgt spid="316"/>
+                                          <p:spTgt spid="318"/>
                                         </p:tgtEl>
                                         <p:attrNameLst>
                                           <p:attrName>style.visibility</p:attrName>
@@ -13950,7 +13950,7 @@
                                       <p:cBhvr>
                                         <p:cTn dur="1000"/>
                                         <p:tgtEl>
-                                          <p:spTgt spid="316"/>
+                                          <p:spTgt spid="318"/>
                                         </p:tgtEl>
                                       </p:cBhvr>
                                     </p:animEffect>
@@ -13989,7 +13989,7 @@
                                           </p:stCondLst>
                                         </p:cTn>
                                         <p:tgtEl>
-                                          <p:spTgt spid="320"/>
+                                          <p:spTgt spid="322"/>
                                         </p:tgtEl>
                                         <p:attrNameLst>
                                           <p:attrName>style.visibility</p:attrName>
@@ -14003,7 +14003,7 @@
                                       <p:cBhvr>
                                         <p:cTn dur="1000"/>
                                         <p:tgtEl>
-                                          <p:spTgt spid="320"/>
+                                          <p:spTgt spid="322"/>
                                         </p:tgtEl>
                                       </p:cBhvr>
                                     </p:animEffect>
@@ -14046,7 +14046,7 @@
   <p:cSld>
     <p:spTree>
       <p:nvGrpSpPr>
-        <p:cNvPr id="324" name="Shape 324"/>
+        <p:cNvPr id="326" name="Shape 326"/>
         <p:cNvGrpSpPr/>
         <p:nvPr/>
       </p:nvGrpSpPr>
@@ -14060,7 +14060,7 @@
       </p:grpSpPr>
       <p:pic>
         <p:nvPicPr>
-          <p:cNvPr id="325" name="Google Shape;325;p25"/>
+          <p:cNvPr id="327" name="Google Shape;327;p25"/>
           <p:cNvPicPr preferRelativeResize="0"/>
           <p:nvPr/>
         </p:nvPicPr>
@@ -14088,7 +14088,7 @@
       </p:pic>
       <p:sp>
         <p:nvSpPr>
-          <p:cNvPr id="326" name="Google Shape;326;p25"/>
+          <p:cNvPr id="328" name="Google Shape;328;p25"/>
           <p:cNvSpPr txBox="1"/>
           <p:nvPr>
             <p:ph type="title"/>
@@ -14128,7 +14128,7 @@
       </p:sp>
       <p:grpSp>
         <p:nvGrpSpPr>
-          <p:cNvPr id="327" name="Google Shape;327;p25"/>
+          <p:cNvPr id="329" name="Google Shape;329;p25"/>
           <p:cNvGrpSpPr/>
           <p:nvPr/>
         </p:nvGrpSpPr>
@@ -14142,7 +14142,7 @@
         </p:grpSpPr>
         <p:sp>
           <p:nvSpPr>
-            <p:cNvPr id="328" name="Google Shape;328;p25"/>
+            <p:cNvPr id="330" name="Google Shape;330;p25"/>
             <p:cNvSpPr/>
             <p:nvPr/>
           </p:nvSpPr>
@@ -14189,7 +14189,7 @@
         </p:sp>
         <p:sp>
           <p:nvSpPr>
-            <p:cNvPr id="329" name="Google Shape;329;p25"/>
+            <p:cNvPr id="331" name="Google Shape;331;p25"/>
             <p:cNvSpPr/>
             <p:nvPr/>
           </p:nvSpPr>
@@ -14236,7 +14236,7 @@
         </p:sp>
         <p:sp>
           <p:nvSpPr>
-            <p:cNvPr id="330" name="Google Shape;330;p25"/>
+            <p:cNvPr id="332" name="Google Shape;332;p25"/>
             <p:cNvSpPr/>
             <p:nvPr/>
           </p:nvSpPr>
@@ -14283,7 +14283,7 @@
         </p:sp>
         <p:sp>
           <p:nvSpPr>
-            <p:cNvPr id="331" name="Google Shape;331;p25"/>
+            <p:cNvPr id="333" name="Google Shape;333;p25"/>
             <p:cNvSpPr/>
             <p:nvPr/>
           </p:nvSpPr>
@@ -14331,7 +14331,7 @@
       </p:grpSp>
       <p:grpSp>
         <p:nvGrpSpPr>
-          <p:cNvPr id="332" name="Google Shape;332;p25"/>
+          <p:cNvPr id="334" name="Google Shape;334;p25"/>
           <p:cNvGrpSpPr/>
           <p:nvPr/>
         </p:nvGrpSpPr>
@@ -14345,7 +14345,7 @@
         </p:grpSpPr>
         <p:sp>
           <p:nvSpPr>
-            <p:cNvPr id="333" name="Google Shape;333;p25"/>
+            <p:cNvPr id="335" name="Google Shape;335;p25"/>
             <p:cNvSpPr/>
             <p:nvPr/>
           </p:nvSpPr>
@@ -14396,7 +14396,7 @@
         </p:sp>
         <p:sp>
           <p:nvSpPr>
-            <p:cNvPr id="334" name="Google Shape;334;p25"/>
+            <p:cNvPr id="336" name="Google Shape;336;p25"/>
             <p:cNvSpPr/>
             <p:nvPr/>
           </p:nvSpPr>
@@ -14447,7 +14447,7 @@
         </p:sp>
         <p:sp>
           <p:nvSpPr>
-            <p:cNvPr id="335" name="Google Shape;335;p25"/>
+            <p:cNvPr id="337" name="Google Shape;337;p25"/>
             <p:cNvSpPr/>
             <p:nvPr/>
           </p:nvSpPr>
@@ -14498,7 +14498,7 @@
         </p:sp>
         <p:sp>
           <p:nvSpPr>
-            <p:cNvPr id="336" name="Google Shape;336;p25"/>
+            <p:cNvPr id="338" name="Google Shape;338;p25"/>
             <p:cNvSpPr/>
             <p:nvPr/>
           </p:nvSpPr>
@@ -14587,7 +14587,7 @@
                                           </p:stCondLst>
                                         </p:cTn>
                                         <p:tgtEl>
-                                          <p:spTgt spid="327"/>
+                                          <p:spTgt spid="329"/>
                                         </p:tgtEl>
                                         <p:attrNameLst>
                                           <p:attrName>style.visibility</p:attrName>
@@ -14601,7 +14601,7 @@
                                       <p:cBhvr>
                                         <p:cTn dur="1000"/>
                                         <p:tgtEl>
-                                          <p:spTgt spid="327"/>
+                                          <p:spTgt spid="329"/>
                                         </p:tgtEl>
                                       </p:cBhvr>
                                     </p:animEffect>
@@ -14640,7 +14640,7 @@
                                           </p:stCondLst>
                                         </p:cTn>
                                         <p:tgtEl>
-                                          <p:spTgt spid="332"/>
+                                          <p:spTgt spid="334"/>
                                         </p:tgtEl>
                                         <p:attrNameLst>
                                           <p:attrName>style.visibility</p:attrName>
@@ -14654,7 +14654,7 @@
                                       <p:cBhvr>
                                         <p:cTn dur="1000"/>
                                         <p:tgtEl>
-                                          <p:spTgt spid="332"/>
+                                          <p:spTgt spid="334"/>
                                         </p:tgtEl>
                                       </p:cBhvr>
                                     </p:animEffect>
@@ -14697,7 +14697,7 @@
   <p:cSld>
     <p:spTree>
       <p:nvGrpSpPr>
-        <p:cNvPr id="340" name="Shape 340"/>
+        <p:cNvPr id="342" name="Shape 342"/>
         <p:cNvGrpSpPr/>
         <p:nvPr/>
       </p:nvGrpSpPr>
@@ -14709,16 +14709,44 @@
           <a:chExt cx="0" cy="0"/>
         </a:xfrm>
       </p:grpSpPr>
+      <p:pic>
+        <p:nvPicPr>
+          <p:cNvPr id="343" name="Google Shape;343;p26"/>
+          <p:cNvPicPr preferRelativeResize="0"/>
+          <p:nvPr/>
+        </p:nvPicPr>
+        <p:blipFill>
+          <a:blip r:embed="rId3">
+            <a:alphaModFix/>
+          </a:blip>
+          <a:stretch>
+            <a:fillRect/>
+          </a:stretch>
+        </p:blipFill>
+        <p:spPr>
+          <a:xfrm>
+            <a:off x="188050" y="209750"/>
+            <a:ext cx="8735873" cy="4723999"/>
+          </a:xfrm>
+          <a:prstGeom prst="rect">
+            <a:avLst/>
+          </a:prstGeom>
+          <a:noFill/>
+          <a:ln>
+            <a:noFill/>
+          </a:ln>
+        </p:spPr>
+      </p:pic>
       <p:sp>
         <p:nvSpPr>
-          <p:cNvPr id="341" name="Google Shape;341;p26"/>
+          <p:cNvPr id="344" name="Google Shape;344;p26"/>
           <p:cNvSpPr txBox="1"/>
           <p:nvPr/>
         </p:nvSpPr>
         <p:spPr>
           <a:xfrm>
-            <a:off x="302975" y="404325"/>
-            <a:ext cx="8368800" cy="646500"/>
+            <a:off x="188050" y="125125"/>
+            <a:ext cx="3993000" cy="1569900"/>
           </a:xfrm>
           <a:prstGeom prst="rect">
             <a:avLst/>
@@ -14779,11 +14807,360 @@
           </a:p>
         </p:txBody>
       </p:sp>
+      <p:sp>
+        <p:nvSpPr>
+          <p:cNvPr id="345" name="Google Shape;345;p26"/>
+          <p:cNvSpPr txBox="1"/>
+          <p:nvPr/>
+        </p:nvSpPr>
+        <p:spPr>
+          <a:xfrm>
+            <a:off x="3789450" y="2792725"/>
+            <a:ext cx="2238000" cy="400200"/>
+          </a:xfrm>
+          <a:prstGeom prst="rect">
+            <a:avLst/>
+          </a:prstGeom>
+          <a:noFill/>
+          <a:ln>
+            <a:noFill/>
+          </a:ln>
+        </p:spPr>
+        <p:txBody>
+          <a:bodyPr anchorCtr="0" anchor="t" bIns="91425" lIns="91425" spcFirstLastPara="1" rIns="91425" wrap="square" tIns="91425">
+            <a:spAutoFit/>
+          </a:bodyPr>
+          <a:lstStyle/>
+          <a:p>
+            <a:pPr indent="0" lvl="0" marL="0" rtl="0" algn="l">
+              <a:spcBef>
+                <a:spcPts val="0"/>
+              </a:spcBef>
+              <a:spcAft>
+                <a:spcPts val="0"/>
+              </a:spcAft>
+              <a:buNone/>
+            </a:pPr>
+            <a:r>
+              <a:rPr lang="en" u="sng">
+                <a:solidFill>
+                  <a:schemeClr val="dk1"/>
+                </a:solidFill>
+                <a:latin typeface="Calibri"/>
+                <a:ea typeface="Calibri"/>
+                <a:cs typeface="Calibri"/>
+                <a:sym typeface="Calibri"/>
+              </a:rPr>
+              <a:t>Prior Peak: </a:t>
+            </a:r>
+            <a:r>
+              <a:rPr lang="en">
+                <a:solidFill>
+                  <a:schemeClr val="dk1"/>
+                </a:solidFill>
+                <a:latin typeface="Calibri"/>
+                <a:ea typeface="Calibri"/>
+                <a:cs typeface="Calibri"/>
+                <a:sym typeface="Calibri"/>
+              </a:rPr>
+              <a:t>March 8th, 2022</a:t>
+            </a:r>
+            <a:endParaRPr>
+              <a:solidFill>
+                <a:schemeClr val="dk1"/>
+              </a:solidFill>
+              <a:latin typeface="Calibri"/>
+              <a:ea typeface="Calibri"/>
+              <a:cs typeface="Calibri"/>
+              <a:sym typeface="Calibri"/>
+            </a:endParaRPr>
+          </a:p>
+        </p:txBody>
+      </p:sp>
+      <p:cxnSp>
+        <p:nvCxnSpPr>
+          <p:cNvPr id="346" name="Google Shape;346;p26"/>
+          <p:cNvCxnSpPr/>
+          <p:nvPr/>
+        </p:nvCxnSpPr>
+        <p:spPr>
+          <a:xfrm flipH="1" rot="10800000">
+            <a:off x="6854875" y="3601350"/>
+            <a:ext cx="564300" cy="789900"/>
+          </a:xfrm>
+          <a:prstGeom prst="straightConnector1">
+            <a:avLst/>
+          </a:prstGeom>
+          <a:noFill/>
+          <a:ln cap="flat" cmpd="sng" w="28575">
+            <a:solidFill>
+              <a:srgbClr val="FF9900"/>
+            </a:solidFill>
+            <a:prstDash val="solid"/>
+            <a:round/>
+            <a:headEnd len="med" w="med" type="none"/>
+            <a:tailEnd len="med" w="med" type="triangle"/>
+          </a:ln>
+        </p:spPr>
+      </p:cxnSp>
+      <p:sp>
+        <p:nvSpPr>
+          <p:cNvPr id="347" name="Google Shape;347;p26"/>
+          <p:cNvSpPr txBox="1"/>
+          <p:nvPr/>
+        </p:nvSpPr>
+        <p:spPr>
+          <a:xfrm>
+            <a:off x="6563400" y="3145925"/>
+            <a:ext cx="2277600" cy="615600"/>
+          </a:xfrm>
+          <a:prstGeom prst="rect">
+            <a:avLst/>
+          </a:prstGeom>
+          <a:noFill/>
+          <a:ln>
+            <a:noFill/>
+          </a:ln>
+        </p:spPr>
+        <p:txBody>
+          <a:bodyPr anchorCtr="0" anchor="t" bIns="91425" lIns="91425" spcFirstLastPara="1" rIns="91425" wrap="square" tIns="91425">
+            <a:spAutoFit/>
+          </a:bodyPr>
+          <a:lstStyle/>
+          <a:p>
+            <a:pPr indent="0" lvl="0" marL="0" rtl="0" algn="l">
+              <a:spcBef>
+                <a:spcPts val="0"/>
+              </a:spcBef>
+              <a:spcAft>
+                <a:spcPts val="0"/>
+              </a:spcAft>
+              <a:buNone/>
+            </a:pPr>
+            <a:r>
+              <a:rPr lang="en" u="sng">
+                <a:solidFill>
+                  <a:schemeClr val="dk1"/>
+                </a:solidFill>
+                <a:latin typeface="Calibri"/>
+                <a:ea typeface="Calibri"/>
+                <a:cs typeface="Calibri"/>
+                <a:sym typeface="Calibri"/>
+              </a:rPr>
+              <a:t>Expected Spike:</a:t>
+            </a:r>
+            <a:r>
+              <a:rPr lang="en">
+                <a:solidFill>
+                  <a:schemeClr val="dk1"/>
+                </a:solidFill>
+                <a:latin typeface="Calibri"/>
+                <a:ea typeface="Calibri"/>
+                <a:cs typeface="Calibri"/>
+                <a:sym typeface="Calibri"/>
+              </a:rPr>
+              <a:t> April 10-16th</a:t>
+            </a:r>
+            <a:endParaRPr>
+              <a:solidFill>
+                <a:schemeClr val="dk1"/>
+              </a:solidFill>
+              <a:latin typeface="Calibri"/>
+              <a:ea typeface="Calibri"/>
+              <a:cs typeface="Calibri"/>
+              <a:sym typeface="Calibri"/>
+            </a:endParaRPr>
+          </a:p>
+        </p:txBody>
+      </p:sp>
     </p:spTree>
   </p:cSld>
   <p:clrMapOvr>
     <a:masterClrMapping/>
   </p:clrMapOvr>
+  <p:timing>
+    <p:tnLst>
+      <p:par>
+        <p:cTn dur="indefinite" nodeType="tmRoot" restart="never">
+          <p:childTnLst>
+            <p:seq concurrent="1" nextAc="seek">
+              <p:cTn dur="indefinite" id="2" nodeType="mainSeq">
+                <p:childTnLst>
+                  <p:par>
+                    <p:cTn fill="hold">
+                      <p:stCondLst>
+                        <p:cond delay="indefinite"/>
+                        <p:cond evt="onBegin" delay="0">
+                          <p:tn val="2"/>
+                        </p:cond>
+                      </p:stCondLst>
+                      <p:childTnLst>
+                        <p:par>
+                          <p:cTn fill="hold">
+                            <p:stCondLst>
+                              <p:cond delay="0"/>
+                            </p:stCondLst>
+                            <p:childTnLst>
+                              <p:par>
+                                <p:cTn fill="hold" nodeType="afterEffect" presetClass="entr" presetID="10" presetSubtype="0">
+                                  <p:stCondLst>
+                                    <p:cond delay="0"/>
+                                  </p:stCondLst>
+                                  <p:childTnLst>
+                                    <p:set>
+                                      <p:cBhvr>
+                                        <p:cTn dur="1" fill="hold">
+                                          <p:stCondLst>
+                                            <p:cond delay="0"/>
+                                          </p:stCondLst>
+                                        </p:cTn>
+                                        <p:tgtEl>
+                                          <p:spTgt spid="345"/>
+                                        </p:tgtEl>
+                                        <p:attrNameLst>
+                                          <p:attrName>style.visibility</p:attrName>
+                                        </p:attrNameLst>
+                                      </p:cBhvr>
+                                      <p:to>
+                                        <p:strVal val="visible"/>
+                                      </p:to>
+                                    </p:set>
+                                    <p:animEffect filter="fade" transition="in">
+                                      <p:cBhvr>
+                                        <p:cTn dur="1000"/>
+                                        <p:tgtEl>
+                                          <p:spTgt spid="345"/>
+                                        </p:tgtEl>
+                                      </p:cBhvr>
+                                    </p:animEffect>
+                                  </p:childTnLst>
+                                </p:cTn>
+                              </p:par>
+                            </p:childTnLst>
+                          </p:cTn>
+                        </p:par>
+                      </p:childTnLst>
+                    </p:cTn>
+                  </p:par>
+                  <p:par>
+                    <p:cTn fill="hold">
+                      <p:stCondLst>
+                        <p:cond delay="indefinite"/>
+                      </p:stCondLst>
+                      <p:childTnLst>
+                        <p:par>
+                          <p:cTn fill="hold">
+                            <p:stCondLst>
+                              <p:cond delay="0"/>
+                            </p:stCondLst>
+                            <p:childTnLst>
+                              <p:par>
+                                <p:cTn fill="hold" nodeType="clickEffect" presetClass="entr" presetID="10" presetSubtype="0">
+                                  <p:stCondLst>
+                                    <p:cond delay="0"/>
+                                  </p:stCondLst>
+                                  <p:childTnLst>
+                                    <p:set>
+                                      <p:cBhvr>
+                                        <p:cTn dur="1" fill="hold">
+                                          <p:stCondLst>
+                                            <p:cond delay="0"/>
+                                          </p:stCondLst>
+                                        </p:cTn>
+                                        <p:tgtEl>
+                                          <p:spTgt spid="346"/>
+                                        </p:tgtEl>
+                                        <p:attrNameLst>
+                                          <p:attrName>style.visibility</p:attrName>
+                                        </p:attrNameLst>
+                                      </p:cBhvr>
+                                      <p:to>
+                                        <p:strVal val="visible"/>
+                                      </p:to>
+                                    </p:set>
+                                    <p:animEffect filter="fade" transition="in">
+                                      <p:cBhvr>
+                                        <p:cTn dur="1000"/>
+                                        <p:tgtEl>
+                                          <p:spTgt spid="346"/>
+                                        </p:tgtEl>
+                                      </p:cBhvr>
+                                    </p:animEffect>
+                                  </p:childTnLst>
+                                </p:cTn>
+                              </p:par>
+                            </p:childTnLst>
+                          </p:cTn>
+                        </p:par>
+                        <p:par>
+                          <p:cTn fill="hold">
+                            <p:stCondLst>
+                              <p:cond delay="1000"/>
+                            </p:stCondLst>
+                            <p:childTnLst>
+                              <p:par>
+                                <p:cTn fill="hold" nodeType="afterEffect" presetClass="entr" presetID="10" presetSubtype="0">
+                                  <p:stCondLst>
+                                    <p:cond delay="0"/>
+                                  </p:stCondLst>
+                                  <p:childTnLst>
+                                    <p:set>
+                                      <p:cBhvr>
+                                        <p:cTn dur="1" fill="hold">
+                                          <p:stCondLst>
+                                            <p:cond delay="0"/>
+                                          </p:stCondLst>
+                                        </p:cTn>
+                                        <p:tgtEl>
+                                          <p:spTgt spid="347"/>
+                                        </p:tgtEl>
+                                        <p:attrNameLst>
+                                          <p:attrName>style.visibility</p:attrName>
+                                        </p:attrNameLst>
+                                      </p:cBhvr>
+                                      <p:to>
+                                        <p:strVal val="visible"/>
+                                      </p:to>
+                                    </p:set>
+                                    <p:animEffect filter="fade" transition="in">
+                                      <p:cBhvr>
+                                        <p:cTn dur="1000"/>
+                                        <p:tgtEl>
+                                          <p:spTgt spid="347"/>
+                                        </p:tgtEl>
+                                      </p:cBhvr>
+                                    </p:animEffect>
+                                  </p:childTnLst>
+                                </p:cTn>
+                              </p:par>
+                            </p:childTnLst>
+                          </p:cTn>
+                        </p:par>
+                      </p:childTnLst>
+                    </p:cTn>
+                  </p:par>
+                </p:childTnLst>
+              </p:cTn>
+              <p:prevCondLst>
+                <p:cond evt="onPrev">
+                  <p:tgtEl>
+                    <p:sldTgt/>
+                  </p:tgtEl>
+                </p:cond>
+              </p:prevCondLst>
+              <p:nextCondLst>
+                <p:cond evt="onNext">
+                  <p:tgtEl>
+                    <p:sldTgt/>
+                  </p:tgtEl>
+                </p:cond>
+              </p:nextCondLst>
+            </p:seq>
+          </p:childTnLst>
+        </p:cTn>
+      </p:par>
+    </p:tnLst>
+  </p:timing>
 </p:sld>
 </file>
 
@@ -14792,7 +15169,7 @@
   <p:cSld>
     <p:spTree>
       <p:nvGrpSpPr>
-        <p:cNvPr id="345" name="Shape 345"/>
+        <p:cNvPr id="351" name="Shape 351"/>
         <p:cNvGrpSpPr/>
         <p:nvPr/>
       </p:nvGrpSpPr>
@@ -14806,7 +15183,7 @@
       </p:grpSpPr>
       <p:sp>
         <p:nvSpPr>
-          <p:cNvPr id="346" name="Google Shape;346;p27"/>
+          <p:cNvPr id="352" name="Google Shape;352;p27"/>
           <p:cNvSpPr txBox="1"/>
           <p:nvPr>
             <p:ph type="ctrTitle"/>
@@ -14962,93 +15339,97 @@
         </p:nvSpPr>
         <p:spPr>
           <a:xfrm>
-            <a:off x="692975" y="1186100"/>
-            <a:ext cx="7339800" cy="615600"/>
+            <a:off x="385725" y="1477575"/>
+            <a:ext cx="3274800" cy="572700"/>
           </a:xfrm>
           <a:prstGeom prst="rect">
             <a:avLst/>
           </a:prstGeom>
-          <a:noFill/>
+          <a:solidFill>
+            <a:srgbClr val="B6D7A8"/>
+          </a:solidFill>
           <a:ln>
             <a:noFill/>
           </a:ln>
         </p:spPr>
         <p:txBody>
-          <a:bodyPr anchorCtr="0" anchor="t" bIns="91425" lIns="91425" spcFirstLastPara="1" rIns="91425" wrap="square" tIns="91425">
-            <a:spAutoFit/>
+          <a:bodyPr anchorCtr="0" anchor="b" bIns="91425" lIns="91425" spcFirstLastPara="1" rIns="91425" wrap="square" tIns="91425">
+            <a:noAutofit/>
           </a:bodyPr>
           <a:lstStyle/>
           <a:p>
-            <a:pPr indent="-406400" lvl="0" marL="457200" rtl="0" algn="l">
-              <a:spcBef>
-                <a:spcPts val="0"/>
-              </a:spcBef>
-              <a:spcAft>
-                <a:spcPts val="0"/>
-              </a:spcAft>
-              <a:buClr>
-                <a:srgbClr val="3D85C6"/>
-              </a:buClr>
-              <a:buSzPts val="2800"/>
-              <a:buChar char="●"/>
+            <a:pPr indent="0" lvl="0" marL="0" rtl="0" algn="l">
+              <a:spcBef>
+                <a:spcPts val="0"/>
+              </a:spcBef>
+              <a:spcAft>
+                <a:spcPts val="0"/>
+              </a:spcAft>
+              <a:buNone/>
             </a:pPr>
             <a:r>
               <a:rPr lang="en" sz="2800">
                 <a:solidFill>
-                  <a:srgbClr val="3D85C6"/>
+                  <a:srgbClr val="0B5394"/>
                 </a:solidFill>
               </a:rPr>
-              <a:t>Purpose: Timing market to maximize profit</a:t>
+              <a:t>Timing the Market </a:t>
             </a:r>
-            <a:endParaRPr/>
+            <a:endParaRPr sz="2800">
+              <a:solidFill>
+                <a:srgbClr val="0B5394"/>
+              </a:solidFill>
+            </a:endParaRPr>
           </a:p>
         </p:txBody>
       </p:sp>
       <p:sp>
         <p:nvSpPr>
           <p:cNvPr id="137" name="Google Shape;137;p14"/>
-          <p:cNvSpPr txBox="1"/>
+          <p:cNvSpPr/>
           <p:nvPr/>
         </p:nvSpPr>
         <p:spPr>
           <a:xfrm>
-            <a:off x="692975" y="1801688"/>
-            <a:ext cx="7909500" cy="615600"/>
+            <a:off x="3819433" y="1502018"/>
+            <a:ext cx="933000" cy="523800"/>
           </a:xfrm>
-          <a:prstGeom prst="rect">
-            <a:avLst/>
+          <a:prstGeom prst="rightArrow">
+            <a:avLst>
+              <a:gd fmla="val 50000" name="adj1"/>
+              <a:gd fmla="val 50000" name="adj2"/>
+            </a:avLst>
           </a:prstGeom>
-          <a:noFill/>
-          <a:ln>
-            <a:noFill/>
+          <a:solidFill>
+            <a:srgbClr val="78909C"/>
+          </a:solidFill>
+          <a:ln cap="flat" cmpd="sng" w="9525">
+            <a:solidFill>
+              <a:srgbClr val="595959"/>
+            </a:solidFill>
+            <a:prstDash val="solid"/>
+            <a:round/>
+            <a:headEnd len="sm" w="sm" type="none"/>
+            <a:tailEnd len="sm" w="sm" type="none"/>
           </a:ln>
         </p:spPr>
         <p:txBody>
-          <a:bodyPr anchorCtr="0" anchor="t" bIns="91425" lIns="91425" spcFirstLastPara="1" rIns="91425" wrap="square" tIns="91425">
-            <a:spAutoFit/>
+          <a:bodyPr anchorCtr="0" anchor="ctr" bIns="91425" lIns="91425" spcFirstLastPara="1" rIns="91425" wrap="square" tIns="91425">
+            <a:noAutofit/>
           </a:bodyPr>
           <a:lstStyle/>
           <a:p>
-            <a:pPr indent="-406400" lvl="0" marL="457200" rtl="0" algn="l">
-              <a:spcBef>
-                <a:spcPts val="0"/>
-              </a:spcBef>
-              <a:spcAft>
-                <a:spcPts val="0"/>
-              </a:spcAft>
-              <a:buClr>
-                <a:srgbClr val="3D85C6"/>
-              </a:buClr>
-              <a:buSzPts val="2800"/>
-              <a:buChar char="●"/>
+            <a:pPr indent="0" lvl="0" marL="0" rtl="0" algn="l">
+              <a:spcBef>
+                <a:spcPts val="0"/>
+              </a:spcBef>
+              <a:spcAft>
+                <a:spcPts val="0"/>
+              </a:spcAft>
+              <a:buNone/>
             </a:pPr>
             <a:r>
-              <a:rPr lang="en" sz="2800">
-                <a:solidFill>
-                  <a:srgbClr val="3D85C6"/>
-                </a:solidFill>
-              </a:rPr>
-              <a:t>Historical analysis - peaks of volatilities</a:t>
+              <a:t/>
             </a:r>
             <a:endParaRPr/>
           </a:p>
@@ -15057,48 +15438,50 @@
       <p:sp>
         <p:nvSpPr>
           <p:cNvPr id="138" name="Google Shape;138;p14"/>
-          <p:cNvSpPr txBox="1"/>
+          <p:cNvSpPr/>
           <p:nvPr/>
         </p:nvSpPr>
         <p:spPr>
           <a:xfrm>
-            <a:off x="692975" y="2375225"/>
-            <a:ext cx="7447500" cy="615600"/>
+            <a:off x="6635688" y="2510201"/>
+            <a:ext cx="439200" cy="735000"/>
           </a:xfrm>
-          <a:prstGeom prst="rect">
-            <a:avLst/>
+          <a:prstGeom prst="upArrow">
+            <a:avLst>
+              <a:gd fmla="val 50000" name="adj1"/>
+              <a:gd fmla="val 50000" name="adj2"/>
+            </a:avLst>
           </a:prstGeom>
-          <a:noFill/>
-          <a:ln>
-            <a:noFill/>
+          <a:solidFill>
+            <a:srgbClr val="78909C"/>
+          </a:solidFill>
+          <a:ln cap="flat" cmpd="sng" w="9525">
+            <a:solidFill>
+              <a:srgbClr val="595959"/>
+            </a:solidFill>
+            <a:prstDash val="solid"/>
+            <a:round/>
+            <a:headEnd len="sm" w="sm" type="none"/>
+            <a:tailEnd len="sm" w="sm" type="none"/>
           </a:ln>
         </p:spPr>
         <p:txBody>
-          <a:bodyPr anchorCtr="0" anchor="t" bIns="91425" lIns="91425" spcFirstLastPara="1" rIns="91425" wrap="square" tIns="91425">
-            <a:spAutoFit/>
+          <a:bodyPr anchorCtr="0" anchor="ctr" bIns="91425" lIns="91425" spcFirstLastPara="1" rIns="91425" wrap="square" tIns="91425">
+            <a:noAutofit/>
           </a:bodyPr>
           <a:lstStyle/>
           <a:p>
-            <a:pPr indent="-406400" lvl="0" marL="457200" rtl="0" algn="l">
-              <a:spcBef>
-                <a:spcPts val="0"/>
-              </a:spcBef>
-              <a:spcAft>
-                <a:spcPts val="0"/>
-              </a:spcAft>
-              <a:buClr>
-                <a:srgbClr val="3D85C6"/>
-              </a:buClr>
-              <a:buSzPts val="2800"/>
-              <a:buChar char="●"/>
+            <a:pPr indent="0" lvl="0" marL="0" rtl="0" algn="l">
+              <a:spcBef>
+                <a:spcPts val="0"/>
+              </a:spcBef>
+              <a:spcAft>
+                <a:spcPts val="0"/>
+              </a:spcAft>
+              <a:buNone/>
             </a:pPr>
             <a:r>
-              <a:rPr lang="en" sz="2800">
-                <a:solidFill>
-                  <a:srgbClr val="3D85C6"/>
-                </a:solidFill>
-              </a:rPr>
-              <a:t>MCMC Simulation</a:t>
+              <a:t/>
             </a:r>
             <a:endParaRPr/>
           </a:p>
@@ -15107,48 +15490,50 @@
       <p:sp>
         <p:nvSpPr>
           <p:cNvPr id="139" name="Google Shape;139;p14"/>
-          <p:cNvSpPr txBox="1"/>
+          <p:cNvSpPr/>
           <p:nvPr/>
         </p:nvSpPr>
         <p:spPr>
           <a:xfrm>
-            <a:off x="692975" y="2990825"/>
-            <a:ext cx="7339800" cy="615600"/>
+            <a:off x="3916738" y="3499550"/>
+            <a:ext cx="933000" cy="523800"/>
           </a:xfrm>
-          <a:prstGeom prst="rect">
-            <a:avLst/>
+          <a:prstGeom prst="rightArrow">
+            <a:avLst>
+              <a:gd fmla="val 50000" name="adj1"/>
+              <a:gd fmla="val 50000" name="adj2"/>
+            </a:avLst>
           </a:prstGeom>
-          <a:noFill/>
-          <a:ln>
-            <a:noFill/>
+          <a:solidFill>
+            <a:srgbClr val="78909C"/>
+          </a:solidFill>
+          <a:ln cap="flat" cmpd="sng" w="9525">
+            <a:solidFill>
+              <a:srgbClr val="595959"/>
+            </a:solidFill>
+            <a:prstDash val="solid"/>
+            <a:round/>
+            <a:headEnd len="sm" w="sm" type="none"/>
+            <a:tailEnd len="sm" w="sm" type="none"/>
           </a:ln>
         </p:spPr>
         <p:txBody>
-          <a:bodyPr anchorCtr="0" anchor="t" bIns="91425" lIns="91425" spcFirstLastPara="1" rIns="91425" wrap="square" tIns="91425">
-            <a:spAutoFit/>
+          <a:bodyPr anchorCtr="0" anchor="ctr" bIns="91425" lIns="91425" spcFirstLastPara="1" rIns="91425" wrap="square" tIns="91425">
+            <a:noAutofit/>
           </a:bodyPr>
           <a:lstStyle/>
           <a:p>
-            <a:pPr indent="-406400" lvl="0" marL="457200" rtl="0" algn="l">
-              <a:spcBef>
-                <a:spcPts val="0"/>
-              </a:spcBef>
-              <a:spcAft>
-                <a:spcPts val="0"/>
-              </a:spcAft>
-              <a:buClr>
-                <a:srgbClr val="3D85C6"/>
-              </a:buClr>
-              <a:buSzPts val="2800"/>
-              <a:buChar char="●"/>
+            <a:pPr indent="0" lvl="0" marL="0" rtl="0" algn="l">
+              <a:spcBef>
+                <a:spcPts val="0"/>
+              </a:spcBef>
+              <a:spcAft>
+                <a:spcPts val="0"/>
+              </a:spcAft>
+              <a:buNone/>
             </a:pPr>
             <a:r>
-              <a:rPr lang="en" sz="2800">
-                <a:solidFill>
-                  <a:srgbClr val="3D85C6"/>
-                </a:solidFill>
-              </a:rPr>
-              <a:t>Calculating profits</a:t>
+              <a:t/>
             </a:r>
             <a:endParaRPr/>
           </a:p>
@@ -15162,13 +15547,15 @@
         </p:nvSpPr>
         <p:spPr>
           <a:xfrm>
-            <a:off x="692975" y="3606425"/>
-            <a:ext cx="7393500" cy="615600"/>
+            <a:off x="5093800" y="3453650"/>
+            <a:ext cx="3395700" cy="615600"/>
           </a:xfrm>
           <a:prstGeom prst="rect">
             <a:avLst/>
           </a:prstGeom>
-          <a:noFill/>
+          <a:solidFill>
+            <a:srgbClr val="B6D7A8"/>
+          </a:solidFill>
           <a:ln>
             <a:noFill/>
           </a:ln>
@@ -15179,26 +15566,158 @@
           </a:bodyPr>
           <a:lstStyle/>
           <a:p>
-            <a:pPr indent="-406400" lvl="0" marL="457200" rtl="0" algn="l">
-              <a:spcBef>
-                <a:spcPts val="0"/>
-              </a:spcBef>
-              <a:spcAft>
-                <a:spcPts val="0"/>
-              </a:spcAft>
-              <a:buClr>
-                <a:srgbClr val="3D85C6"/>
-              </a:buClr>
-              <a:buSzPts val="2800"/>
-              <a:buChar char="●"/>
+            <a:pPr indent="0" lvl="0" marL="0" rtl="0" algn="l">
+              <a:spcBef>
+                <a:spcPts val="0"/>
+              </a:spcBef>
+              <a:spcAft>
+                <a:spcPts val="0"/>
+              </a:spcAft>
+              <a:buNone/>
             </a:pPr>
             <a:r>
               <a:rPr lang="en" sz="2800">
                 <a:solidFill>
-                  <a:srgbClr val="3D85C6"/>
+                  <a:srgbClr val="0B5394"/>
                 </a:solidFill>
               </a:rPr>
-              <a:t>Suggesting strategy</a:t>
+              <a:t>Investment Strategy</a:t>
+            </a:r>
+            <a:endParaRPr sz="2800">
+              <a:solidFill>
+                <a:srgbClr val="0B5394"/>
+              </a:solidFill>
+            </a:endParaRPr>
+          </a:p>
+        </p:txBody>
+      </p:sp>
+      <p:sp>
+        <p:nvSpPr>
+          <p:cNvPr id="141" name="Google Shape;141;p14"/>
+          <p:cNvSpPr/>
+          <p:nvPr/>
+        </p:nvSpPr>
+        <p:spPr>
+          <a:xfrm>
+            <a:off x="4985750" y="941500"/>
+            <a:ext cx="3739068" cy="1568700"/>
+          </a:xfrm>
+          <a:prstGeom prst="irregularSeal1">
+            <a:avLst/>
+          </a:prstGeom>
+          <a:solidFill>
+            <a:srgbClr val="EEFF41"/>
+          </a:solidFill>
+          <a:ln cap="flat" cmpd="sng" w="9525">
+            <a:solidFill>
+              <a:srgbClr val="595959"/>
+            </a:solidFill>
+            <a:prstDash val="solid"/>
+            <a:round/>
+            <a:headEnd len="sm" w="sm" type="none"/>
+            <a:tailEnd len="sm" w="sm" type="none"/>
+          </a:ln>
+        </p:spPr>
+        <p:txBody>
+          <a:bodyPr anchorCtr="0" anchor="ctr" bIns="91425" lIns="91425" spcFirstLastPara="1" rIns="91425" wrap="square" tIns="91425">
+            <a:noAutofit/>
+          </a:bodyPr>
+          <a:lstStyle/>
+          <a:p>
+            <a:pPr indent="0" lvl="0" marL="0" rtl="0" algn="l">
+              <a:spcBef>
+                <a:spcPts val="0"/>
+              </a:spcBef>
+              <a:spcAft>
+                <a:spcPts val="0"/>
+              </a:spcAft>
+              <a:buNone/>
+            </a:pPr>
+            <a:r>
+              <a:rPr lang="en" sz="3250">
+                <a:solidFill>
+                  <a:srgbClr val="0B5394"/>
+                </a:solidFill>
+              </a:rPr>
+              <a:t>Max.Profit        </a:t>
+            </a:r>
+            <a:endParaRPr/>
+          </a:p>
+        </p:txBody>
+      </p:sp>
+      <p:sp>
+        <p:nvSpPr>
+          <p:cNvPr id="142" name="Google Shape;142;p14"/>
+          <p:cNvSpPr/>
+          <p:nvPr/>
+        </p:nvSpPr>
+        <p:spPr>
+          <a:xfrm>
+            <a:off x="271288" y="3062900"/>
+            <a:ext cx="3503682" cy="1397088"/>
+          </a:xfrm>
+          <a:prstGeom prst="flowChartTerminator">
+            <a:avLst/>
+          </a:prstGeom>
+          <a:solidFill>
+            <a:srgbClr val="EEEEEE"/>
+          </a:solidFill>
+          <a:ln cap="flat" cmpd="sng" w="9525">
+            <a:solidFill>
+              <a:srgbClr val="93C47D"/>
+            </a:solidFill>
+            <a:prstDash val="solid"/>
+            <a:round/>
+            <a:headEnd len="sm" w="sm" type="none"/>
+            <a:tailEnd len="sm" w="sm" type="none"/>
+          </a:ln>
+        </p:spPr>
+        <p:txBody>
+          <a:bodyPr anchorCtr="0" anchor="ctr" bIns="91425" lIns="91425" spcFirstLastPara="1" rIns="91425" wrap="square" tIns="91425">
+            <a:noAutofit/>
+          </a:bodyPr>
+          <a:lstStyle/>
+          <a:p>
+            <a:pPr indent="0" lvl="0" marL="0" rtl="0" algn="ctr">
+              <a:spcBef>
+                <a:spcPts val="0"/>
+              </a:spcBef>
+              <a:spcAft>
+                <a:spcPts val="0"/>
+              </a:spcAft>
+              <a:buNone/>
+            </a:pPr>
+            <a:r>
+              <a:rPr lang="en" sz="2800">
+                <a:solidFill>
+                  <a:srgbClr val="0B5394"/>
+                </a:solidFill>
+              </a:rPr>
+              <a:t>Historical S&amp;P 500</a:t>
+            </a:r>
+            <a:endParaRPr sz="2800">
+              <a:solidFill>
+                <a:srgbClr val="0B5394"/>
+              </a:solidFill>
+            </a:endParaRPr>
+          </a:p>
+          <a:p>
+            <a:pPr indent="0" lvl="0" marL="0" rtl="0" algn="l">
+              <a:spcBef>
+                <a:spcPts val="0"/>
+              </a:spcBef>
+              <a:spcAft>
+                <a:spcPts val="0"/>
+              </a:spcAft>
+              <a:buNone/>
+            </a:pPr>
+            <a:r>
+              <a:rPr lang="en" sz="2800">
+                <a:solidFill>
+                  <a:srgbClr val="0B5394"/>
+                </a:solidFill>
+              </a:rPr>
+              <a:t>	VIX</a:t>
             </a:r>
             <a:endParaRPr/>
           </a:p>
@@ -15217,7 +15736,7 @@
   <p:cSld>
     <p:spTree>
       <p:nvGrpSpPr>
-        <p:cNvPr id="144" name="Shape 144"/>
+        <p:cNvPr id="146" name="Shape 146"/>
         <p:cNvGrpSpPr/>
         <p:nvPr/>
       </p:nvGrpSpPr>
@@ -15231,7 +15750,7 @@
       </p:grpSpPr>
       <p:sp>
         <p:nvSpPr>
-          <p:cNvPr id="145" name="Google Shape;145;p15"/>
+          <p:cNvPr id="147" name="Google Shape;147;p15"/>
           <p:cNvSpPr/>
           <p:nvPr/>
         </p:nvSpPr>
@@ -15283,7 +15802,7 @@
       </p:sp>
       <p:sp>
         <p:nvSpPr>
-          <p:cNvPr id="146" name="Google Shape;146;p15"/>
+          <p:cNvPr id="148" name="Google Shape;148;p15"/>
           <p:cNvSpPr/>
           <p:nvPr/>
         </p:nvSpPr>
@@ -15335,7 +15854,7 @@
       </p:sp>
       <p:sp>
         <p:nvSpPr>
-          <p:cNvPr id="147" name="Google Shape;147;p15"/>
+          <p:cNvPr id="149" name="Google Shape;149;p15"/>
           <p:cNvSpPr txBox="1"/>
           <p:nvPr>
             <p:ph type="ctrTitle"/>
@@ -15375,7 +15894,7 @@
       </p:sp>
       <p:sp>
         <p:nvSpPr>
-          <p:cNvPr id="148" name="Google Shape;148;p15"/>
+          <p:cNvPr id="150" name="Google Shape;150;p15"/>
           <p:cNvSpPr txBox="1"/>
           <p:nvPr/>
         </p:nvSpPr>
@@ -15513,7 +16032,7 @@
       </p:sp>
       <p:sp>
         <p:nvSpPr>
-          <p:cNvPr id="149" name="Google Shape;149;p15"/>
+          <p:cNvPr id="151" name="Google Shape;151;p15"/>
           <p:cNvSpPr/>
           <p:nvPr/>
         </p:nvSpPr>
@@ -15579,7 +16098,7 @@
       </p:sp>
       <p:sp>
         <p:nvSpPr>
-          <p:cNvPr id="150" name="Google Shape;150;p15"/>
+          <p:cNvPr id="152" name="Google Shape;152;p15"/>
           <p:cNvSpPr txBox="1"/>
           <p:nvPr/>
         </p:nvSpPr>
@@ -15631,7 +16150,7 @@
       </p:sp>
       <p:sp>
         <p:nvSpPr>
-          <p:cNvPr id="151" name="Google Shape;151;p15"/>
+          <p:cNvPr id="153" name="Google Shape;153;p15"/>
           <p:cNvSpPr/>
           <p:nvPr/>
         </p:nvSpPr>
@@ -15720,7 +16239,7 @@
                                           </p:stCondLst>
                                         </p:cTn>
                                         <p:tgtEl>
-                                          <p:spTgt spid="148"/>
+                                          <p:spTgt spid="150"/>
                                         </p:tgtEl>
                                         <p:attrNameLst>
                                           <p:attrName>style.visibility</p:attrName>
@@ -15734,7 +16253,7 @@
                                       <p:cBhvr additive="base">
                                         <p:cTn dur="1"/>
                                         <p:tgtEl>
-                                          <p:spTgt spid="148"/>
+                                          <p:spTgt spid="150"/>
                                         </p:tgtEl>
                                         <p:attrNameLst>
                                           <p:attrName>ppt_w</p:attrName>
@@ -15757,7 +16276,7 @@
                                       <p:cBhvr additive="base">
                                         <p:cTn dur="1"/>
                                         <p:tgtEl>
-                                          <p:spTgt spid="148"/>
+                                          <p:spTgt spid="150"/>
                                         </p:tgtEl>
                                         <p:attrNameLst>
                                           <p:attrName>ppt_h</p:attrName>
@@ -15811,7 +16330,7 @@
                                           </p:stCondLst>
                                         </p:cTn>
                                         <p:tgtEl>
-                                          <p:spTgt spid="149"/>
+                                          <p:spTgt spid="151"/>
                                         </p:tgtEl>
                                         <p:attrNameLst>
                                           <p:attrName>style.visibility</p:attrName>
@@ -15825,7 +16344,7 @@
                                       <p:cBhvr additive="base">
                                         <p:cTn dur="1000"/>
                                         <p:tgtEl>
-                                          <p:spTgt spid="149"/>
+                                          <p:spTgt spid="151"/>
                                         </p:tgtEl>
                                         <p:attrNameLst>
                                           <p:attrName>ppt_x</p:attrName>
@@ -15870,7 +16389,7 @@
                                           </p:stCondLst>
                                         </p:cTn>
                                         <p:tgtEl>
-                                          <p:spTgt spid="150"/>
+                                          <p:spTgt spid="152"/>
                                         </p:tgtEl>
                                         <p:attrNameLst>
                                           <p:attrName>style.visibility</p:attrName>
@@ -15884,7 +16403,7 @@
                                       <p:cBhvr>
                                         <p:cTn dur="1000"/>
                                         <p:tgtEl>
-                                          <p:spTgt spid="150"/>
+                                          <p:spTgt spid="152"/>
                                         </p:tgtEl>
                                       </p:cBhvr>
                                     </p:animEffect>
@@ -15923,7 +16442,7 @@
                                           </p:stCondLst>
                                         </p:cTn>
                                         <p:tgtEl>
-                                          <p:spTgt spid="145"/>
+                                          <p:spTgt spid="147"/>
                                         </p:tgtEl>
                                         <p:attrNameLst>
                                           <p:attrName>style.visibility</p:attrName>
@@ -15937,7 +16456,7 @@
                                       <p:cBhvr>
                                         <p:cTn dur="1000"/>
                                         <p:tgtEl>
-                                          <p:spTgt spid="145"/>
+                                          <p:spTgt spid="147"/>
                                         </p:tgtEl>
                                       </p:cBhvr>
                                     </p:animEffect>
@@ -15967,7 +16486,7 @@
                                           </p:stCondLst>
                                         </p:cTn>
                                         <p:tgtEl>
-                                          <p:spTgt spid="146"/>
+                                          <p:spTgt spid="148"/>
                                         </p:tgtEl>
                                         <p:attrNameLst>
                                           <p:attrName>style.visibility</p:attrName>
@@ -15981,7 +16500,7 @@
                                       <p:cBhvr>
                                         <p:cTn dur="1000"/>
                                         <p:tgtEl>
-                                          <p:spTgt spid="146"/>
+                                          <p:spTgt spid="148"/>
                                         </p:tgtEl>
                                       </p:cBhvr>
                                     </p:animEffect>
@@ -16011,7 +16530,7 @@
                                           </p:stCondLst>
                                         </p:cTn>
                                         <p:tgtEl>
-                                          <p:spTgt spid="151"/>
+                                          <p:spTgt spid="153"/>
                                         </p:tgtEl>
                                         <p:attrNameLst>
                                           <p:attrName>style.visibility</p:attrName>
@@ -16025,7 +16544,7 @@
                                       <p:cBhvr>
                                         <p:cTn dur="1000"/>
                                         <p:tgtEl>
-                                          <p:spTgt spid="151"/>
+                                          <p:spTgt spid="153"/>
                                         </p:tgtEl>
                                       </p:cBhvr>
                                     </p:animEffect>
@@ -16068,7 +16587,7 @@
   <p:cSld>
     <p:spTree>
       <p:nvGrpSpPr>
-        <p:cNvPr id="155" name="Shape 155"/>
+        <p:cNvPr id="157" name="Shape 157"/>
         <p:cNvGrpSpPr/>
         <p:nvPr/>
       </p:nvGrpSpPr>
@@ -16082,7 +16601,7 @@
       </p:grpSpPr>
       <p:pic>
         <p:nvPicPr>
-          <p:cNvPr id="156" name="Google Shape;156;p16"/>
+          <p:cNvPr id="158" name="Google Shape;158;p16"/>
           <p:cNvPicPr preferRelativeResize="0"/>
           <p:nvPr/>
         </p:nvPicPr>
@@ -16110,7 +16629,7 @@
       </p:pic>
       <p:cxnSp>
         <p:nvCxnSpPr>
-          <p:cNvPr id="157" name="Google Shape;157;p16"/>
+          <p:cNvPr id="159" name="Google Shape;159;p16"/>
           <p:cNvCxnSpPr/>
           <p:nvPr/>
         </p:nvCxnSpPr>
@@ -16136,7 +16655,7 @@
       </p:cxnSp>
       <p:cxnSp>
         <p:nvCxnSpPr>
-          <p:cNvPr id="158" name="Google Shape;158;p16"/>
+          <p:cNvPr id="160" name="Google Shape;160;p16"/>
           <p:cNvCxnSpPr/>
           <p:nvPr/>
         </p:nvCxnSpPr>
@@ -16162,7 +16681,7 @@
       </p:cxnSp>
       <p:sp>
         <p:nvSpPr>
-          <p:cNvPr id="159" name="Google Shape;159;p16"/>
+          <p:cNvPr id="161" name="Google Shape;161;p16"/>
           <p:cNvSpPr txBox="1"/>
           <p:nvPr/>
         </p:nvSpPr>
@@ -16220,7 +16739,7 @@
       </p:sp>
       <p:cxnSp>
         <p:nvCxnSpPr>
-          <p:cNvPr id="160" name="Google Shape;160;p16"/>
+          <p:cNvPr id="162" name="Google Shape;162;p16"/>
           <p:cNvCxnSpPr/>
           <p:nvPr/>
         </p:nvCxnSpPr>
@@ -16246,7 +16765,7 @@
       </p:cxnSp>
       <p:cxnSp>
         <p:nvCxnSpPr>
-          <p:cNvPr id="161" name="Google Shape;161;p16"/>
+          <p:cNvPr id="163" name="Google Shape;163;p16"/>
           <p:cNvCxnSpPr/>
           <p:nvPr/>
         </p:nvCxnSpPr>
@@ -16272,7 +16791,7 @@
       </p:cxnSp>
       <p:sp>
         <p:nvSpPr>
-          <p:cNvPr id="162" name="Google Shape;162;p16"/>
+          <p:cNvPr id="164" name="Google Shape;164;p16"/>
           <p:cNvSpPr txBox="1"/>
           <p:nvPr/>
         </p:nvSpPr>
@@ -16330,7 +16849,7 @@
       </p:sp>
       <p:sp>
         <p:nvSpPr>
-          <p:cNvPr id="163" name="Google Shape;163;p16"/>
+          <p:cNvPr id="165" name="Google Shape;165;p16"/>
           <p:cNvSpPr/>
           <p:nvPr/>
         </p:nvSpPr>
@@ -16377,7 +16896,7 @@
       </p:sp>
       <p:sp>
         <p:nvSpPr>
-          <p:cNvPr id="164" name="Google Shape;164;p16"/>
+          <p:cNvPr id="166" name="Google Shape;166;p16"/>
           <p:cNvSpPr/>
           <p:nvPr/>
         </p:nvSpPr>
@@ -16461,7 +16980,7 @@
                                           </p:stCondLst>
                                         </p:cTn>
                                         <p:tgtEl>
-                                          <p:spTgt spid="158"/>
+                                          <p:spTgt spid="160"/>
                                         </p:tgtEl>
                                         <p:attrNameLst>
                                           <p:attrName>style.visibility</p:attrName>
@@ -16475,7 +16994,7 @@
                                       <p:cBhvr>
                                         <p:cTn dur="1000"/>
                                         <p:tgtEl>
-                                          <p:spTgt spid="158"/>
+                                          <p:spTgt spid="160"/>
                                         </p:tgtEl>
                                       </p:cBhvr>
                                     </p:animEffect>
@@ -16484,50 +17003,6 @@
                               </p:par>
                               <p:par>
                                 <p:cTn fill="hold" nodeType="withEffect" presetClass="entr" presetID="10" presetSubtype="0">
-                                  <p:stCondLst>
-                                    <p:cond delay="0"/>
-                                  </p:stCondLst>
-                                  <p:childTnLst>
-                                    <p:set>
-                                      <p:cBhvr>
-                                        <p:cTn dur="1" fill="hold">
-                                          <p:stCondLst>
-                                            <p:cond delay="0"/>
-                                          </p:stCondLst>
-                                        </p:cTn>
-                                        <p:tgtEl>
-                                          <p:spTgt spid="157"/>
-                                        </p:tgtEl>
-                                        <p:attrNameLst>
-                                          <p:attrName>style.visibility</p:attrName>
-                                        </p:attrNameLst>
-                                      </p:cBhvr>
-                                      <p:to>
-                                        <p:strVal val="visible"/>
-                                      </p:to>
-                                    </p:set>
-                                    <p:animEffect filter="fade" transition="in">
-                                      <p:cBhvr>
-                                        <p:cTn dur="1000"/>
-                                        <p:tgtEl>
-                                          <p:spTgt spid="157"/>
-                                        </p:tgtEl>
-                                      </p:cBhvr>
-                                    </p:animEffect>
-                                  </p:childTnLst>
-                                </p:cTn>
-                              </p:par>
-                            </p:childTnLst>
-                          </p:cTn>
-                        </p:par>
-                        <p:par>
-                          <p:cTn fill="hold">
-                            <p:stCondLst>
-                              <p:cond delay="1000"/>
-                            </p:stCondLst>
-                            <p:childTnLst>
-                              <p:par>
-                                <p:cTn fill="hold" nodeType="afterEffect" presetClass="entr" presetID="10" presetSubtype="0">
                                   <p:stCondLst>
                                     <p:cond delay="0"/>
                                   </p:stCondLst>
@@ -16564,23 +17039,14 @@
                             </p:childTnLst>
                           </p:cTn>
                         </p:par>
-                      </p:childTnLst>
-                    </p:cTn>
-                  </p:par>
-                  <p:par>
-                    <p:cTn fill="hold">
-                      <p:stCondLst>
-                        <p:cond delay="indefinite"/>
-                      </p:stCondLst>
-                      <p:childTnLst>
                         <p:par>
                           <p:cTn fill="hold">
                             <p:stCondLst>
-                              <p:cond delay="0"/>
+                              <p:cond delay="1000"/>
                             </p:stCondLst>
                             <p:childTnLst>
                               <p:par>
-                                <p:cTn fill="hold" nodeType="clickEffect" presetClass="entr" presetID="10" presetSubtype="0">
+                                <p:cTn fill="hold" nodeType="afterEffect" presetClass="entr" presetID="10" presetSubtype="0">
                                   <p:stCondLst>
                                     <p:cond delay="0"/>
                                   </p:stCondLst>
@@ -16608,85 +17074,6 @@
                                         <p:cTn dur="1000"/>
                                         <p:tgtEl>
                                           <p:spTgt spid="161"/>
-                                        </p:tgtEl>
-                                      </p:cBhvr>
-                                    </p:animEffect>
-                                  </p:childTnLst>
-                                </p:cTn>
-                              </p:par>
-                              <p:par>
-                                <p:cTn fill="hold" nodeType="withEffect" presetClass="entr" presetID="10" presetSubtype="0">
-                                  <p:stCondLst>
-                                    <p:cond delay="0"/>
-                                  </p:stCondLst>
-                                  <p:childTnLst>
-                                    <p:set>
-                                      <p:cBhvr>
-                                        <p:cTn dur="1" fill="hold">
-                                          <p:stCondLst>
-                                            <p:cond delay="0"/>
-                                          </p:stCondLst>
-                                        </p:cTn>
-                                        <p:tgtEl>
-                                          <p:spTgt spid="160"/>
-                                        </p:tgtEl>
-                                        <p:attrNameLst>
-                                          <p:attrName>style.visibility</p:attrName>
-                                        </p:attrNameLst>
-                                      </p:cBhvr>
-                                      <p:to>
-                                        <p:strVal val="visible"/>
-                                      </p:to>
-                                    </p:set>
-                                    <p:animEffect filter="fade" transition="in">
-                                      <p:cBhvr>
-                                        <p:cTn dur="1000"/>
-                                        <p:tgtEl>
-                                          <p:spTgt spid="160"/>
-                                        </p:tgtEl>
-                                      </p:cBhvr>
-                                    </p:animEffect>
-                                  </p:childTnLst>
-                                </p:cTn>
-                              </p:par>
-                            </p:childTnLst>
-                          </p:cTn>
-                        </p:par>
-                        <p:par>
-                          <p:cTn fill="hold">
-                            <p:stCondLst>
-                              <p:cond delay="1000"/>
-                            </p:stCondLst>
-                            <p:childTnLst>
-                              <p:par>
-                                <p:cTn fill="hold" nodeType="afterEffect" presetClass="entr" presetID="10" presetSubtype="0">
-                                  <p:stCondLst>
-                                    <p:cond delay="0"/>
-                                  </p:stCondLst>
-                                  <p:childTnLst>
-                                    <p:set>
-                                      <p:cBhvr>
-                                        <p:cTn dur="1" fill="hold">
-                                          <p:stCondLst>
-                                            <p:cond delay="0"/>
-                                          </p:stCondLst>
-                                        </p:cTn>
-                                        <p:tgtEl>
-                                          <p:spTgt spid="162"/>
-                                        </p:tgtEl>
-                                        <p:attrNameLst>
-                                          <p:attrName>style.visibility</p:attrName>
-                                        </p:attrNameLst>
-                                      </p:cBhvr>
-                                      <p:to>
-                                        <p:strVal val="visible"/>
-                                      </p:to>
-                                    </p:set>
-                                    <p:animEffect filter="fade" transition="in">
-                                      <p:cBhvr>
-                                        <p:cTn dur="1000"/>
-                                        <p:tgtEl>
-                                          <p:spTgt spid="162"/>
                                         </p:tgtEl>
                                       </p:cBhvr>
                                     </p:animEffect>
@@ -16760,6 +17147,50 @@
                                           </p:stCondLst>
                                         </p:cTn>
                                         <p:tgtEl>
+                                          <p:spTgt spid="162"/>
+                                        </p:tgtEl>
+                                        <p:attrNameLst>
+                                          <p:attrName>style.visibility</p:attrName>
+                                        </p:attrNameLst>
+                                      </p:cBhvr>
+                                      <p:to>
+                                        <p:strVal val="visible"/>
+                                      </p:to>
+                                    </p:set>
+                                    <p:animEffect filter="fade" transition="in">
+                                      <p:cBhvr>
+                                        <p:cTn dur="1000"/>
+                                        <p:tgtEl>
+                                          <p:spTgt spid="162"/>
+                                        </p:tgtEl>
+                                      </p:cBhvr>
+                                    </p:animEffect>
+                                  </p:childTnLst>
+                                </p:cTn>
+                              </p:par>
+                            </p:childTnLst>
+                          </p:cTn>
+                        </p:par>
+                        <p:par>
+                          <p:cTn fill="hold">
+                            <p:stCondLst>
+                              <p:cond delay="1000"/>
+                            </p:stCondLst>
+                            <p:childTnLst>
+                              <p:par>
+                                <p:cTn fill="hold" nodeType="afterEffect" presetClass="entr" presetID="10" presetSubtype="0">
+                                  <p:stCondLst>
+                                    <p:cond delay="0"/>
+                                  </p:stCondLst>
+                                  <p:childTnLst>
+                                    <p:set>
+                                      <p:cBhvr>
+                                        <p:cTn dur="1" fill="hold">
+                                          <p:stCondLst>
+                                            <p:cond delay="0"/>
+                                          </p:stCondLst>
+                                        </p:cTn>
+                                        <p:tgtEl>
                                           <p:spTgt spid="164"/>
                                         </p:tgtEl>
                                         <p:attrNameLst>
@@ -16775,6 +17206,94 @@
                                         <p:cTn dur="1000"/>
                                         <p:tgtEl>
                                           <p:spTgt spid="164"/>
+                                        </p:tgtEl>
+                                      </p:cBhvr>
+                                    </p:animEffect>
+                                  </p:childTnLst>
+                                </p:cTn>
+                              </p:par>
+                            </p:childTnLst>
+                          </p:cTn>
+                        </p:par>
+                      </p:childTnLst>
+                    </p:cTn>
+                  </p:par>
+                  <p:par>
+                    <p:cTn fill="hold">
+                      <p:stCondLst>
+                        <p:cond delay="indefinite"/>
+                      </p:stCondLst>
+                      <p:childTnLst>
+                        <p:par>
+                          <p:cTn fill="hold">
+                            <p:stCondLst>
+                              <p:cond delay="0"/>
+                            </p:stCondLst>
+                            <p:childTnLst>
+                              <p:par>
+                                <p:cTn fill="hold" nodeType="clickEffect" presetClass="entr" presetID="10" presetSubtype="0">
+                                  <p:stCondLst>
+                                    <p:cond delay="0"/>
+                                  </p:stCondLst>
+                                  <p:childTnLst>
+                                    <p:set>
+                                      <p:cBhvr>
+                                        <p:cTn dur="1" fill="hold">
+                                          <p:stCondLst>
+                                            <p:cond delay="0"/>
+                                          </p:stCondLst>
+                                        </p:cTn>
+                                        <p:tgtEl>
+                                          <p:spTgt spid="165"/>
+                                        </p:tgtEl>
+                                        <p:attrNameLst>
+                                          <p:attrName>style.visibility</p:attrName>
+                                        </p:attrNameLst>
+                                      </p:cBhvr>
+                                      <p:to>
+                                        <p:strVal val="visible"/>
+                                      </p:to>
+                                    </p:set>
+                                    <p:animEffect filter="fade" transition="in">
+                                      <p:cBhvr>
+                                        <p:cTn dur="1000"/>
+                                        <p:tgtEl>
+                                          <p:spTgt spid="165"/>
+                                        </p:tgtEl>
+                                      </p:cBhvr>
+                                    </p:animEffect>
+                                  </p:childTnLst>
+                                </p:cTn>
+                              </p:par>
+                              <p:par>
+                                <p:cTn fill="hold" nodeType="withEffect" presetClass="entr" presetID="10" presetSubtype="0">
+                                  <p:stCondLst>
+                                    <p:cond delay="0"/>
+                                  </p:stCondLst>
+                                  <p:childTnLst>
+                                    <p:set>
+                                      <p:cBhvr>
+                                        <p:cTn dur="1" fill="hold">
+                                          <p:stCondLst>
+                                            <p:cond delay="0"/>
+                                          </p:stCondLst>
+                                        </p:cTn>
+                                        <p:tgtEl>
+                                          <p:spTgt spid="166"/>
+                                        </p:tgtEl>
+                                        <p:attrNameLst>
+                                          <p:attrName>style.visibility</p:attrName>
+                                        </p:attrNameLst>
+                                      </p:cBhvr>
+                                      <p:to>
+                                        <p:strVal val="visible"/>
+                                      </p:to>
+                                    </p:set>
+                                    <p:animEffect filter="fade" transition="in">
+                                      <p:cBhvr>
+                                        <p:cTn dur="1000"/>
+                                        <p:tgtEl>
+                                          <p:spTgt spid="166"/>
                                         </p:tgtEl>
                                       </p:cBhvr>
                                     </p:animEffect>
@@ -16817,7 +17336,7 @@
   <p:cSld>
     <p:spTree>
       <p:nvGrpSpPr>
-        <p:cNvPr id="168" name="Shape 168"/>
+        <p:cNvPr id="170" name="Shape 170"/>
         <p:cNvGrpSpPr/>
         <p:nvPr/>
       </p:nvGrpSpPr>
@@ -16831,7 +17350,7 @@
       </p:grpSpPr>
       <p:pic>
         <p:nvPicPr>
-          <p:cNvPr id="169" name="Google Shape;169;p17"/>
+          <p:cNvPr id="171" name="Google Shape;171;p17"/>
           <p:cNvPicPr preferRelativeResize="0"/>
           <p:nvPr/>
         </p:nvPicPr>
@@ -16859,7 +17378,7 @@
       </p:pic>
       <p:sp>
         <p:nvSpPr>
-          <p:cNvPr id="170" name="Google Shape;170;p17"/>
+          <p:cNvPr id="172" name="Google Shape;172;p17"/>
           <p:cNvSpPr txBox="1"/>
           <p:nvPr/>
         </p:nvSpPr>
@@ -16949,7 +17468,7 @@
       </p:sp>
       <p:pic>
         <p:nvPicPr>
-          <p:cNvPr id="171" name="Google Shape;171;p17"/>
+          <p:cNvPr id="173" name="Google Shape;173;p17"/>
           <p:cNvPicPr preferRelativeResize="0"/>
           <p:nvPr/>
         </p:nvPicPr>
@@ -16977,7 +17496,7 @@
       </p:pic>
       <p:sp>
         <p:nvSpPr>
-          <p:cNvPr id="172" name="Google Shape;172;p17"/>
+          <p:cNvPr id="174" name="Google Shape;174;p17"/>
           <p:cNvSpPr txBox="1"/>
           <p:nvPr/>
         </p:nvSpPr>
@@ -17047,7 +17566,7 @@
       </p:sp>
       <p:sp>
         <p:nvSpPr>
-          <p:cNvPr id="173" name="Google Shape;173;p17"/>
+          <p:cNvPr id="175" name="Google Shape;175;p17"/>
           <p:cNvSpPr txBox="1"/>
           <p:nvPr/>
         </p:nvSpPr>
@@ -17169,7 +17688,7 @@
                                           </p:stCondLst>
                                         </p:cTn>
                                         <p:tgtEl>
-                                          <p:spTgt spid="169"/>
+                                          <p:spTgt spid="171"/>
                                         </p:tgtEl>
                                         <p:attrNameLst>
                                           <p:attrName>style.visibility</p:attrName>
@@ -17183,7 +17702,7 @@
                                       <p:cBhvr>
                                         <p:cTn dur="1000"/>
                                         <p:tgtEl>
-                                          <p:spTgt spid="169"/>
+                                          <p:spTgt spid="171"/>
                                         </p:tgtEl>
                                       </p:cBhvr>
                                     </p:animEffect>
@@ -17213,7 +17732,7 @@
                                           </p:stCondLst>
                                         </p:cTn>
                                         <p:tgtEl>
-                                          <p:spTgt spid="170"/>
+                                          <p:spTgt spid="172"/>
                                         </p:tgtEl>
                                         <p:attrNameLst>
                                           <p:attrName>style.visibility</p:attrName>
@@ -17227,7 +17746,7 @@
                                       <p:cBhvr>
                                         <p:cTn dur="1000"/>
                                         <p:tgtEl>
-                                          <p:spTgt spid="170"/>
+                                          <p:spTgt spid="172"/>
                                         </p:tgtEl>
                                       </p:cBhvr>
                                     </p:animEffect>
@@ -17262,7 +17781,7 @@
                                       <p:cBhvr>
                                         <p:cTn dur="1000"/>
                                         <p:tgtEl>
-                                          <p:spTgt spid="169"/>
+                                          <p:spTgt spid="171"/>
                                         </p:tgtEl>
                                       </p:cBhvr>
                                     </p:animEffect>
@@ -17274,7 +17793,7 @@
                                           </p:stCondLst>
                                         </p:cTn>
                                         <p:tgtEl>
-                                          <p:spTgt spid="169"/>
+                                          <p:spTgt spid="171"/>
                                         </p:tgtEl>
                                         <p:attrNameLst>
                                           <p:attrName>style.visibility</p:attrName>
@@ -17297,7 +17816,7 @@
                                       <p:cBhvr>
                                         <p:cTn dur="1000"/>
                                         <p:tgtEl>
-                                          <p:spTgt spid="170"/>
+                                          <p:spTgt spid="172"/>
                                         </p:tgtEl>
                                       </p:cBhvr>
                                     </p:animEffect>
@@ -17309,7 +17828,7 @@
                                           </p:stCondLst>
                                         </p:cTn>
                                         <p:tgtEl>
-                                          <p:spTgt spid="170"/>
+                                          <p:spTgt spid="172"/>
                                         </p:tgtEl>
                                         <p:attrNameLst>
                                           <p:attrName>style.visibility</p:attrName>
@@ -17345,7 +17864,7 @@
                                           </p:stCondLst>
                                         </p:cTn>
                                         <p:tgtEl>
-                                          <p:spTgt spid="171"/>
+                                          <p:spTgt spid="173"/>
                                         </p:tgtEl>
                                         <p:attrNameLst>
                                           <p:attrName>style.visibility</p:attrName>
@@ -17359,7 +17878,7 @@
                                       <p:cBhvr additive="base">
                                         <p:cTn dur="1000"/>
                                         <p:tgtEl>
-                                          <p:spTgt spid="171"/>
+                                          <p:spTgt spid="173"/>
                                         </p:tgtEl>
                                         <p:attrNameLst>
                                           <p:attrName>ppt_y</p:attrName>
@@ -17404,7 +17923,7 @@
                                           </p:stCondLst>
                                         </p:cTn>
                                         <p:tgtEl>
-                                          <p:spTgt spid="173"/>
+                                          <p:spTgt spid="175"/>
                                         </p:tgtEl>
                                         <p:attrNameLst>
                                           <p:attrName>style.visibility</p:attrName>
@@ -17418,7 +17937,7 @@
                                       <p:cBhvr>
                                         <p:cTn dur="1000"/>
                                         <p:tgtEl>
-                                          <p:spTgt spid="173"/>
+                                          <p:spTgt spid="175"/>
                                         </p:tgtEl>
                                       </p:cBhvr>
                                     </p:animEffect>
@@ -17439,7 +17958,7 @@
                                           </p:stCondLst>
                                         </p:cTn>
                                         <p:tgtEl>
-                                          <p:spTgt spid="172"/>
+                                          <p:spTgt spid="174"/>
                                         </p:tgtEl>
                                         <p:attrNameLst>
                                           <p:attrName>style.visibility</p:attrName>
@@ -17453,7 +17972,7 @@
                                       <p:cBhvr>
                                         <p:cTn dur="1000"/>
                                         <p:tgtEl>
-                                          <p:spTgt spid="172"/>
+                                          <p:spTgt spid="174"/>
                                         </p:tgtEl>
                                       </p:cBhvr>
                                     </p:animEffect>
@@ -17496,7 +18015,7 @@
   <p:cSld>
     <p:spTree>
       <p:nvGrpSpPr>
-        <p:cNvPr id="177" name="Shape 177"/>
+        <p:cNvPr id="179" name="Shape 179"/>
         <p:cNvGrpSpPr/>
         <p:nvPr/>
       </p:nvGrpSpPr>
@@ -17510,7 +18029,7 @@
       </p:grpSpPr>
       <p:pic>
         <p:nvPicPr>
-          <p:cNvPr id="178" name="Google Shape;178;p18"/>
+          <p:cNvPr id="180" name="Google Shape;180;p18"/>
           <p:cNvPicPr preferRelativeResize="0"/>
           <p:nvPr/>
         </p:nvPicPr>
@@ -17538,7 +18057,7 @@
       </p:pic>
       <p:sp>
         <p:nvSpPr>
-          <p:cNvPr id="179" name="Google Shape;179;p18"/>
+          <p:cNvPr id="181" name="Google Shape;181;p18"/>
           <p:cNvSpPr txBox="1"/>
           <p:nvPr>
             <p:ph idx="1" type="body"/>
@@ -17586,7 +18105,7 @@
       </p:sp>
       <p:sp>
         <p:nvSpPr>
-          <p:cNvPr id="180" name="Google Shape;180;p18"/>
+          <p:cNvPr id="182" name="Google Shape;182;p18"/>
           <p:cNvSpPr/>
           <p:nvPr/>
         </p:nvSpPr>
@@ -17633,7 +18152,7 @@
       </p:sp>
       <p:sp>
         <p:nvSpPr>
-          <p:cNvPr id="181" name="Google Shape;181;p18"/>
+          <p:cNvPr id="183" name="Google Shape;183;p18"/>
           <p:cNvSpPr/>
           <p:nvPr/>
         </p:nvSpPr>
@@ -17680,7 +18199,7 @@
       </p:sp>
       <p:sp>
         <p:nvSpPr>
-          <p:cNvPr id="182" name="Google Shape;182;p18"/>
+          <p:cNvPr id="184" name="Google Shape;184;p18"/>
           <p:cNvSpPr/>
           <p:nvPr/>
         </p:nvSpPr>
@@ -17727,7 +18246,7 @@
       </p:sp>
       <p:sp>
         <p:nvSpPr>
-          <p:cNvPr id="183" name="Google Shape;183;p18"/>
+          <p:cNvPr id="185" name="Google Shape;185;p18"/>
           <p:cNvSpPr/>
           <p:nvPr/>
         </p:nvSpPr>
@@ -17774,7 +18293,7 @@
       </p:sp>
       <p:sp>
         <p:nvSpPr>
-          <p:cNvPr id="184" name="Google Shape;184;p18"/>
+          <p:cNvPr id="186" name="Google Shape;186;p18"/>
           <p:cNvSpPr/>
           <p:nvPr/>
         </p:nvSpPr>
@@ -17821,7 +18340,7 @@
       </p:sp>
       <p:sp>
         <p:nvSpPr>
-          <p:cNvPr id="185" name="Google Shape;185;p18"/>
+          <p:cNvPr id="187" name="Google Shape;187;p18"/>
           <p:cNvSpPr/>
           <p:nvPr/>
         </p:nvSpPr>
@@ -17908,7 +18427,7 @@
                                           </p:stCondLst>
                                         </p:cTn>
                                         <p:tgtEl>
-                                          <p:spTgt spid="179"/>
+                                          <p:spTgt spid="181"/>
                                         </p:tgtEl>
                                         <p:attrNameLst>
                                           <p:attrName>style.visibility</p:attrName>
@@ -17922,60 +18441,7 @@
                                       <p:cBhvr>
                                         <p:cTn dur="1000"/>
                                         <p:tgtEl>
-                                          <p:spTgt spid="179"/>
-                                        </p:tgtEl>
-                                      </p:cBhvr>
-                                    </p:animEffect>
-                                  </p:childTnLst>
-                                </p:cTn>
-                              </p:par>
-                            </p:childTnLst>
-                          </p:cTn>
-                        </p:par>
-                      </p:childTnLst>
-                    </p:cTn>
-                  </p:par>
-                  <p:par>
-                    <p:cTn fill="hold">
-                      <p:stCondLst>
-                        <p:cond delay="indefinite"/>
-                      </p:stCondLst>
-                      <p:childTnLst>
-                        <p:par>
-                          <p:cTn fill="hold">
-                            <p:stCondLst>
-                              <p:cond delay="0"/>
-                            </p:stCondLst>
-                            <p:childTnLst>
-                              <p:par>
-                                <p:cTn fill="hold" nodeType="clickEffect" presetClass="entr" presetID="10" presetSubtype="0">
-                                  <p:stCondLst>
-                                    <p:cond delay="0"/>
-                                  </p:stCondLst>
-                                  <p:childTnLst>
-                                    <p:set>
-                                      <p:cBhvr>
-                                        <p:cTn dur="1" fill="hold">
-                                          <p:stCondLst>
-                                            <p:cond delay="0"/>
-                                          </p:stCondLst>
-                                        </p:cTn>
-                                        <p:tgtEl>
-                                          <p:spTgt spid="178"/>
-                                        </p:tgtEl>
-                                        <p:attrNameLst>
-                                          <p:attrName>style.visibility</p:attrName>
-                                        </p:attrNameLst>
-                                      </p:cBhvr>
-                                      <p:to>
-                                        <p:strVal val="visible"/>
-                                      </p:to>
-                                    </p:set>
-                                    <p:animEffect filter="fade" transition="in">
-                                      <p:cBhvr>
-                                        <p:cTn dur="1000"/>
-                                        <p:tgtEl>
-                                          <p:spTgt spid="178"/>
+                                          <p:spTgt spid="181"/>
                                         </p:tgtEl>
                                       </p:cBhvr>
                                     </p:animEffect>
@@ -18035,8 +18501,26 @@
                                   </p:childTnLst>
                                 </p:cTn>
                               </p:par>
+                            </p:childTnLst>
+                          </p:cTn>
+                        </p:par>
+                      </p:childTnLst>
+                    </p:cTn>
+                  </p:par>
+                  <p:par>
+                    <p:cTn fill="hold">
+                      <p:stCondLst>
+                        <p:cond delay="indefinite"/>
+                      </p:stCondLst>
+                      <p:childTnLst>
+                        <p:par>
+                          <p:cTn fill="hold">
+                            <p:stCondLst>
+                              <p:cond delay="0"/>
+                            </p:stCondLst>
+                            <p:childTnLst>
                               <p:par>
-                                <p:cTn fill="hold" nodeType="withEffect" presetClass="entr" presetID="10" presetSubtype="0">
+                                <p:cTn fill="hold" nodeType="clickEffect" presetClass="entr" presetID="10" presetSubtype="0">
                                   <p:stCondLst>
                                     <p:cond delay="0"/>
                                   </p:stCondLst>
@@ -18084,7 +18568,42 @@
                                           </p:stCondLst>
                                         </p:cTn>
                                         <p:tgtEl>
-                                          <p:spTgt spid="183"/>
+                                          <p:spTgt spid="184"/>
+                                        </p:tgtEl>
+                                        <p:attrNameLst>
+                                          <p:attrName>style.visibility</p:attrName>
+                                        </p:attrNameLst>
+                                      </p:cBhvr>
+                                      <p:to>
+                                        <p:strVal val="visible"/>
+                                      </p:to>
+                                    </p:set>
+                                    <p:animEffect filter="fade" transition="in">
+                                      <p:cBhvr>
+                                        <p:cTn dur="1000"/>
+                                        <p:tgtEl>
+                                          <p:spTgt spid="184"/>
+                                        </p:tgtEl>
+                                      </p:cBhvr>
+                                    </p:animEffect>
+                                  </p:childTnLst>
+                                </p:cTn>
+                              </p:par>
+                              <p:par>
+                                <p:cTn fill="hold" nodeType="withEffect" presetClass="entr" presetID="10" presetSubtype="0">
+                                  <p:stCondLst>
+                                    <p:cond delay="0"/>
+                                  </p:stCondLst>
+                                  <p:childTnLst>
+                                    <p:set>
+                                      <p:cBhvr>
+                                        <p:cTn dur="1" fill="hold">
+                                          <p:stCondLst>
+                                            <p:cond delay="0"/>
+                                          </p:stCondLst>
+                                        </p:cTn>
+                                        <p:tgtEl>
+                                          <p:spTgt spid="185"/>
                                         </p:tgtEl>
                                         <p:attrNameLst>
                                           <p:attrName>style.visibility</p:attrName>
@@ -18098,7 +18617,7 @@
                                       <p:cBhvr>
                                         <p:cTn dur="2100"/>
                                         <p:tgtEl>
-                                          <p:spTgt spid="183"/>
+                                          <p:spTgt spid="185"/>
                                         </p:tgtEl>
                                       </p:cBhvr>
                                     </p:animEffect>
@@ -18137,7 +18656,7 @@
                                           </p:stCondLst>
                                         </p:cTn>
                                         <p:tgtEl>
-                                          <p:spTgt spid="181"/>
+                                          <p:spTgt spid="183"/>
                                         </p:tgtEl>
                                         <p:attrNameLst>
                                           <p:attrName>style.visibility</p:attrName>
@@ -18151,7 +18670,7 @@
                                       <p:cBhvr>
                                         <p:cTn dur="1000"/>
                                         <p:tgtEl>
-                                          <p:spTgt spid="181"/>
+                                          <p:spTgt spid="183"/>
                                         </p:tgtEl>
                                       </p:cBhvr>
                                     </p:animEffect>
@@ -18172,7 +18691,7 @@
                                           </p:stCondLst>
                                         </p:cTn>
                                         <p:tgtEl>
-                                          <p:spTgt spid="185"/>
+                                          <p:spTgt spid="187"/>
                                         </p:tgtEl>
                                         <p:attrNameLst>
                                           <p:attrName>style.visibility</p:attrName>
@@ -18186,7 +18705,7 @@
                                       <p:cBhvr>
                                         <p:cTn dur="1000"/>
                                         <p:tgtEl>
-                                          <p:spTgt spid="185"/>
+                                          <p:spTgt spid="187"/>
                                         </p:tgtEl>
                                       </p:cBhvr>
                                     </p:animEffect>
@@ -18207,7 +18726,7 @@
                                           </p:stCondLst>
                                         </p:cTn>
                                         <p:tgtEl>
-                                          <p:spTgt spid="184"/>
+                                          <p:spTgt spid="186"/>
                                         </p:tgtEl>
                                         <p:attrNameLst>
                                           <p:attrName>style.visibility</p:attrName>
@@ -18221,7 +18740,7 @@
                                       <p:cBhvr>
                                         <p:cTn dur="2700"/>
                                         <p:tgtEl>
-                                          <p:spTgt spid="184"/>
+                                          <p:spTgt spid="186"/>
                                         </p:tgtEl>
                                       </p:cBhvr>
                                     </p:animEffect>
@@ -18264,7 +18783,7 @@
   <p:cSld>
     <p:spTree>
       <p:nvGrpSpPr>
-        <p:cNvPr id="189" name="Shape 189"/>
+        <p:cNvPr id="191" name="Shape 191"/>
         <p:cNvGrpSpPr/>
         <p:nvPr/>
       </p:nvGrpSpPr>
@@ -18278,7 +18797,7 @@
       </p:grpSpPr>
       <p:pic>
         <p:nvPicPr>
-          <p:cNvPr id="190" name="Google Shape;190;p19"/>
+          <p:cNvPr id="192" name="Google Shape;192;p19"/>
           <p:cNvPicPr preferRelativeResize="0"/>
           <p:nvPr/>
         </p:nvPicPr>
@@ -18306,7 +18825,7 @@
       </p:pic>
       <p:sp>
         <p:nvSpPr>
-          <p:cNvPr id="191" name="Google Shape;191;p19"/>
+          <p:cNvPr id="193" name="Google Shape;193;p19"/>
           <p:cNvSpPr/>
           <p:nvPr/>
         </p:nvSpPr>
@@ -18355,7 +18874,7 @@
       </p:sp>
       <p:sp>
         <p:nvSpPr>
-          <p:cNvPr id="192" name="Google Shape;192;p19"/>
+          <p:cNvPr id="194" name="Google Shape;194;p19"/>
           <p:cNvSpPr/>
           <p:nvPr/>
         </p:nvSpPr>
@@ -18404,7 +18923,7 @@
       </p:sp>
       <p:sp>
         <p:nvSpPr>
-          <p:cNvPr id="193" name="Google Shape;193;p19"/>
+          <p:cNvPr id="195" name="Google Shape;195;p19"/>
           <p:cNvSpPr/>
           <p:nvPr/>
         </p:nvSpPr>
@@ -18453,7 +18972,7 @@
       </p:sp>
       <p:sp>
         <p:nvSpPr>
-          <p:cNvPr id="194" name="Google Shape;194;p19"/>
+          <p:cNvPr id="196" name="Google Shape;196;p19"/>
           <p:cNvSpPr/>
           <p:nvPr/>
         </p:nvSpPr>
@@ -18502,7 +19021,7 @@
       </p:sp>
       <p:sp>
         <p:nvSpPr>
-          <p:cNvPr id="195" name="Google Shape;195;p19"/>
+          <p:cNvPr id="197" name="Google Shape;197;p19"/>
           <p:cNvSpPr/>
           <p:nvPr/>
         </p:nvSpPr>
@@ -18551,7 +19070,7 @@
       </p:sp>
       <p:sp>
         <p:nvSpPr>
-          <p:cNvPr id="196" name="Google Shape;196;p19"/>
+          <p:cNvPr id="198" name="Google Shape;198;p19"/>
           <p:cNvSpPr/>
           <p:nvPr/>
         </p:nvSpPr>
@@ -18600,7 +19119,7 @@
       </p:sp>
       <p:sp>
         <p:nvSpPr>
-          <p:cNvPr id="197" name="Google Shape;197;p19"/>
+          <p:cNvPr id="199" name="Google Shape;199;p19"/>
           <p:cNvSpPr txBox="1"/>
           <p:nvPr>
             <p:ph type="title"/>
@@ -18640,7 +19159,7 @@
       </p:sp>
       <p:sp>
         <p:nvSpPr>
-          <p:cNvPr id="198" name="Google Shape;198;p19"/>
+          <p:cNvPr id="200" name="Google Shape;200;p19"/>
           <p:cNvSpPr/>
           <p:nvPr/>
         </p:nvSpPr>
@@ -18690,9 +19209,9 @@
       </p:sp>
       <p:cxnSp>
         <p:nvCxnSpPr>
-          <p:cNvPr id="199" name="Google Shape;199;p19"/>
+          <p:cNvPr id="201" name="Google Shape;201;p19"/>
           <p:cNvCxnSpPr>
-            <a:stCxn id="198" idx="6"/>
+            <a:stCxn id="200" idx="6"/>
           </p:cNvCxnSpPr>
           <p:nvPr/>
         </p:nvCxnSpPr>
@@ -18718,7 +19237,7 @@
       </p:cxnSp>
       <p:sp>
         <p:nvSpPr>
-          <p:cNvPr id="200" name="Google Shape;200;p19"/>
+          <p:cNvPr id="202" name="Google Shape;202;p19"/>
           <p:cNvSpPr/>
           <p:nvPr/>
         </p:nvSpPr>
@@ -18771,7 +19290,7 @@
       </p:sp>
       <p:sp>
         <p:nvSpPr>
-          <p:cNvPr id="201" name="Google Shape;201;p19"/>
+          <p:cNvPr id="203" name="Google Shape;203;p19"/>
           <p:cNvSpPr/>
           <p:nvPr/>
         </p:nvSpPr>
@@ -18824,7 +19343,7 @@
       </p:sp>
       <p:cxnSp>
         <p:nvCxnSpPr>
-          <p:cNvPr id="202" name="Google Shape;202;p19"/>
+          <p:cNvPr id="204" name="Google Shape;204;p19"/>
           <p:cNvCxnSpPr/>
           <p:nvPr/>
         </p:nvCxnSpPr>
@@ -18850,7 +19369,7 @@
       </p:cxnSp>
       <p:sp>
         <p:nvSpPr>
-          <p:cNvPr id="203" name="Google Shape;203;p19"/>
+          <p:cNvPr id="205" name="Google Shape;205;p19"/>
           <p:cNvSpPr/>
           <p:nvPr/>
         </p:nvSpPr>
@@ -18903,7 +19422,7 @@
       </p:sp>
       <p:sp>
         <p:nvSpPr>
-          <p:cNvPr id="204" name="Google Shape;204;p19"/>
+          <p:cNvPr id="206" name="Google Shape;206;p19"/>
           <p:cNvSpPr/>
           <p:nvPr/>
         </p:nvSpPr>
@@ -18956,7 +19475,7 @@
       </p:sp>
       <p:sp>
         <p:nvSpPr>
-          <p:cNvPr id="205" name="Google Shape;205;p19"/>
+          <p:cNvPr id="207" name="Google Shape;207;p19"/>
           <p:cNvSpPr/>
           <p:nvPr/>
         </p:nvSpPr>
@@ -19009,7 +19528,7 @@
       </p:sp>
       <p:sp>
         <p:nvSpPr>
-          <p:cNvPr id="206" name="Google Shape;206;p19"/>
+          <p:cNvPr id="208" name="Google Shape;208;p19"/>
           <p:cNvSpPr/>
           <p:nvPr/>
         </p:nvSpPr>
@@ -19062,7 +19581,7 @@
       </p:sp>
       <p:cxnSp>
         <p:nvCxnSpPr>
-          <p:cNvPr id="207" name="Google Shape;207;p19"/>
+          <p:cNvPr id="209" name="Google Shape;209;p19"/>
           <p:cNvCxnSpPr/>
           <p:nvPr/>
         </p:nvCxnSpPr>
@@ -19088,9 +19607,9 @@
       </p:cxnSp>
       <p:cxnSp>
         <p:nvCxnSpPr>
-          <p:cNvPr id="208" name="Google Shape;208;p19"/>
+          <p:cNvPr id="210" name="Google Shape;210;p19"/>
           <p:cNvCxnSpPr>
-            <a:endCxn id="193" idx="6"/>
+            <a:endCxn id="195" idx="6"/>
           </p:cNvCxnSpPr>
           <p:nvPr/>
         </p:nvCxnSpPr>
@@ -19116,9 +19635,9 @@
       </p:cxnSp>
       <p:cxnSp>
         <p:nvCxnSpPr>
-          <p:cNvPr id="209" name="Google Shape;209;p19"/>
+          <p:cNvPr id="211" name="Google Shape;211;p19"/>
           <p:cNvCxnSpPr>
-            <a:endCxn id="192" idx="6"/>
+            <a:endCxn id="194" idx="6"/>
           </p:cNvCxnSpPr>
           <p:nvPr/>
         </p:nvCxnSpPr>
@@ -19144,7 +19663,7 @@
       </p:cxnSp>
       <p:cxnSp>
         <p:nvCxnSpPr>
-          <p:cNvPr id="210" name="Google Shape;210;p19"/>
+          <p:cNvPr id="212" name="Google Shape;212;p19"/>
           <p:cNvCxnSpPr/>
           <p:nvPr/>
         </p:nvCxnSpPr>
@@ -19170,7 +19689,7 @@
       </p:cxnSp>
       <p:cxnSp>
         <p:nvCxnSpPr>
-          <p:cNvPr id="211" name="Google Shape;211;p19"/>
+          <p:cNvPr id="213" name="Google Shape;213;p19"/>
           <p:cNvCxnSpPr/>
           <p:nvPr/>
         </p:nvCxnSpPr>
@@ -19196,7 +19715,7 @@
       </p:cxnSp>
       <p:sp>
         <p:nvSpPr>
-          <p:cNvPr id="212" name="Google Shape;212;p19"/>
+          <p:cNvPr id="214" name="Google Shape;214;p19"/>
           <p:cNvSpPr txBox="1"/>
           <p:nvPr/>
         </p:nvSpPr>
@@ -19285,7 +19804,7 @@
                                           </p:stCondLst>
                                         </p:cTn>
                                         <p:tgtEl>
-                                          <p:spTgt spid="212"/>
+                                          <p:spTgt spid="214"/>
                                         </p:tgtEl>
                                         <p:attrNameLst>
                                           <p:attrName>style.visibility</p:attrName>
@@ -19299,7 +19818,7 @@
                                       <p:cBhvr>
                                         <p:cTn dur="1000"/>
                                         <p:tgtEl>
-                                          <p:spTgt spid="212"/>
+                                          <p:spTgt spid="214"/>
                                         </p:tgtEl>
                                       </p:cBhvr>
                                     </p:animEffect>
@@ -19338,7 +19857,7 @@
                                           </p:stCondLst>
                                         </p:cTn>
                                         <p:tgtEl>
-                                          <p:spTgt spid="198"/>
+                                          <p:spTgt spid="200"/>
                                         </p:tgtEl>
                                         <p:attrNameLst>
                                           <p:attrName>style.visibility</p:attrName>
@@ -19352,7 +19871,7 @@
                                       <p:cBhvr additive="base">
                                         <p:cTn dur="1000"/>
                                         <p:tgtEl>
-                                          <p:spTgt spid="198"/>
+                                          <p:spTgt spid="200"/>
                                         </p:tgtEl>
                                         <p:attrNameLst>
                                           <p:attrName>ppt_x</p:attrName>
@@ -19406,7 +19925,7 @@
                                           </p:stCondLst>
                                         </p:cTn>
                                         <p:tgtEl>
-                                          <p:spTgt spid="200"/>
+                                          <p:spTgt spid="202"/>
                                         </p:tgtEl>
                                         <p:attrNameLst>
                                           <p:attrName>style.visibility</p:attrName>
@@ -19420,104 +19939,7 @@
                                       <p:cBhvr>
                                         <p:cTn dur="1000"/>
                                         <p:tgtEl>
-                                          <p:spTgt spid="200"/>
-                                        </p:tgtEl>
-                                      </p:cBhvr>
-                                    </p:animEffect>
-                                  </p:childTnLst>
-                                </p:cTn>
-                              </p:par>
-                            </p:childTnLst>
-                          </p:cTn>
-                        </p:par>
-                      </p:childTnLst>
-                    </p:cTn>
-                  </p:par>
-                  <p:par>
-                    <p:cTn fill="hold">
-                      <p:stCondLst>
-                        <p:cond delay="indefinite"/>
-                      </p:stCondLst>
-                      <p:childTnLst>
-                        <p:par>
-                          <p:cTn fill="hold">
-                            <p:stCondLst>
-                              <p:cond delay="0"/>
-                            </p:stCondLst>
-                            <p:childTnLst>
-                              <p:par>
-                                <p:cTn fill="hold" nodeType="clickEffect" presetClass="entr" presetID="10" presetSubtype="0">
-                                  <p:stCondLst>
-                                    <p:cond delay="0"/>
-                                  </p:stCondLst>
-                                  <p:childTnLst>
-                                    <p:set>
-                                      <p:cBhvr>
-                                        <p:cTn dur="1" fill="hold">
-                                          <p:stCondLst>
-                                            <p:cond delay="0"/>
-                                          </p:stCondLst>
-                                        </p:cTn>
-                                        <p:tgtEl>
-                                          <p:spTgt spid="199"/>
-                                        </p:tgtEl>
-                                        <p:attrNameLst>
-                                          <p:attrName>style.visibility</p:attrName>
-                                        </p:attrNameLst>
-                                      </p:cBhvr>
-                                      <p:to>
-                                        <p:strVal val="visible"/>
-                                      </p:to>
-                                    </p:set>
-                                    <p:animEffect filter="fade" transition="in">
-                                      <p:cBhvr>
-                                        <p:cTn dur="1000"/>
-                                        <p:tgtEl>
-                                          <p:spTgt spid="199"/>
-                                        </p:tgtEl>
-                                      </p:cBhvr>
-                                    </p:animEffect>
-                                  </p:childTnLst>
-                                </p:cTn>
-                              </p:par>
-                            </p:childTnLst>
-                          </p:cTn>
-                        </p:par>
-                        <p:par>
-                          <p:cTn fill="hold">
-                            <p:stCondLst>
-                              <p:cond delay="1000"/>
-                            </p:stCondLst>
-                            <p:childTnLst>
-                              <p:par>
-                                <p:cTn fill="hold" nodeType="afterEffect" presetClass="entr" presetID="10" presetSubtype="0">
-                                  <p:stCondLst>
-                                    <p:cond delay="0"/>
-                                  </p:stCondLst>
-                                  <p:childTnLst>
-                                    <p:set>
-                                      <p:cBhvr>
-                                        <p:cTn dur="1" fill="hold">
-                                          <p:stCondLst>
-                                            <p:cond delay="0"/>
-                                          </p:stCondLst>
-                                        </p:cTn>
-                                        <p:tgtEl>
-                                          <p:spTgt spid="196"/>
-                                        </p:tgtEl>
-                                        <p:attrNameLst>
-                                          <p:attrName>style.visibility</p:attrName>
-                                        </p:attrNameLst>
-                                      </p:cBhvr>
-                                      <p:to>
-                                        <p:strVal val="visible"/>
-                                      </p:to>
-                                    </p:set>
-                                    <p:animEffect filter="fade" transition="in">
-                                      <p:cBhvr>
-                                        <p:cTn dur="1000"/>
-                                        <p:tgtEl>
-                                          <p:spTgt spid="196"/>
+                                          <p:spTgt spid="202"/>
                                         </p:tgtEl>
                                       </p:cBhvr>
                                     </p:animEffect>
@@ -19577,8 +19999,17 @@
                                   </p:childTnLst>
                                 </p:cTn>
                               </p:par>
+                            </p:childTnLst>
+                          </p:cTn>
+                        </p:par>
+                        <p:par>
+                          <p:cTn fill="hold">
+                            <p:stCondLst>
+                              <p:cond delay="1000"/>
+                            </p:stCondLst>
+                            <p:childTnLst>
                               <p:par>
-                                <p:cTn fill="hold" nodeType="withEffect" presetClass="entr" presetID="10" presetSubtype="0">
+                                <p:cTn fill="hold" nodeType="afterEffect" presetClass="entr" presetID="10" presetSubtype="0">
                                   <p:stCondLst>
                                     <p:cond delay="0"/>
                                   </p:stCondLst>
@@ -19591,7 +20022,7 @@
                                           </p:stCondLst>
                                         </p:cTn>
                                         <p:tgtEl>
-                                          <p:spTgt spid="202"/>
+                                          <p:spTgt spid="198"/>
                                         </p:tgtEl>
                                         <p:attrNameLst>
                                           <p:attrName>style.visibility</p:attrName>
@@ -19605,42 +20036,7 @@
                                       <p:cBhvr>
                                         <p:cTn dur="1000"/>
                                         <p:tgtEl>
-                                          <p:spTgt spid="202"/>
-                                        </p:tgtEl>
-                                      </p:cBhvr>
-                                    </p:animEffect>
-                                  </p:childTnLst>
-                                </p:cTn>
-                              </p:par>
-                              <p:par>
-                                <p:cTn fill="hold" nodeType="withEffect" presetClass="entr" presetID="10" presetSubtype="0">
-                                  <p:stCondLst>
-                                    <p:cond delay="0"/>
-                                  </p:stCondLst>
-                                  <p:childTnLst>
-                                    <p:set>
-                                      <p:cBhvr>
-                                        <p:cTn dur="1" fill="hold">
-                                          <p:stCondLst>
-                                            <p:cond delay="0"/>
-                                          </p:stCondLst>
-                                        </p:cTn>
-                                        <p:tgtEl>
-                                          <p:spTgt spid="195"/>
-                                        </p:tgtEl>
-                                        <p:attrNameLst>
-                                          <p:attrName>style.visibility</p:attrName>
-                                        </p:attrNameLst>
-                                      </p:cBhvr>
-                                      <p:to>
-                                        <p:strVal val="visible"/>
-                                      </p:to>
-                                    </p:set>
-                                    <p:animEffect filter="fade" transition="in">
-                                      <p:cBhvr>
-                                        <p:cTn dur="1000"/>
-                                        <p:tgtEl>
-                                          <p:spTgt spid="195"/>
+                                          <p:spTgt spid="198"/>
                                         </p:tgtEl>
                                       </p:cBhvr>
                                     </p:animEffect>
@@ -19667,111 +20063,6 @@
                             <p:childTnLst>
                               <p:par>
                                 <p:cTn fill="hold" nodeType="clickEffect" presetClass="entr" presetID="10" presetSubtype="0">
-                                  <p:stCondLst>
-                                    <p:cond delay="0"/>
-                                  </p:stCondLst>
-                                  <p:childTnLst>
-                                    <p:set>
-                                      <p:cBhvr>
-                                        <p:cTn dur="1" fill="hold">
-                                          <p:stCondLst>
-                                            <p:cond delay="0"/>
-                                          </p:stCondLst>
-                                        </p:cTn>
-                                        <p:tgtEl>
-                                          <p:spTgt spid="192"/>
-                                        </p:tgtEl>
-                                        <p:attrNameLst>
-                                          <p:attrName>style.visibility</p:attrName>
-                                        </p:attrNameLst>
-                                      </p:cBhvr>
-                                      <p:to>
-                                        <p:strVal val="visible"/>
-                                      </p:to>
-                                    </p:set>
-                                    <p:animEffect filter="fade" transition="in">
-                                      <p:cBhvr>
-                                        <p:cTn dur="1000"/>
-                                        <p:tgtEl>
-                                          <p:spTgt spid="192"/>
-                                        </p:tgtEl>
-                                      </p:cBhvr>
-                                    </p:animEffect>
-                                  </p:childTnLst>
-                                </p:cTn>
-                              </p:par>
-                              <p:par>
-                                <p:cTn fill="hold" nodeType="withEffect" presetClass="entr" presetID="10" presetSubtype="0">
-                                  <p:stCondLst>
-                                    <p:cond delay="0"/>
-                                  </p:stCondLst>
-                                  <p:childTnLst>
-                                    <p:set>
-                                      <p:cBhvr>
-                                        <p:cTn dur="1" fill="hold">
-                                          <p:stCondLst>
-                                            <p:cond delay="0"/>
-                                          </p:stCondLst>
-                                        </p:cTn>
-                                        <p:tgtEl>
-                                          <p:spTgt spid="193"/>
-                                        </p:tgtEl>
-                                        <p:attrNameLst>
-                                          <p:attrName>style.visibility</p:attrName>
-                                        </p:attrNameLst>
-                                      </p:cBhvr>
-                                      <p:to>
-                                        <p:strVal val="visible"/>
-                                      </p:to>
-                                    </p:set>
-                                    <p:animEffect filter="fade" transition="in">
-                                      <p:cBhvr>
-                                        <p:cTn dur="1000"/>
-                                        <p:tgtEl>
-                                          <p:spTgt spid="193"/>
-                                        </p:tgtEl>
-                                      </p:cBhvr>
-                                    </p:animEffect>
-                                  </p:childTnLst>
-                                </p:cTn>
-                              </p:par>
-                              <p:par>
-                                <p:cTn fill="hold" nodeType="withEffect" presetClass="entr" presetID="10" presetSubtype="0">
-                                  <p:stCondLst>
-                                    <p:cond delay="0"/>
-                                  </p:stCondLst>
-                                  <p:childTnLst>
-                                    <p:set>
-                                      <p:cBhvr>
-                                        <p:cTn dur="1" fill="hold">
-                                          <p:stCondLst>
-                                            <p:cond delay="0"/>
-                                          </p:stCondLst>
-                                        </p:cTn>
-                                        <p:tgtEl>
-                                          <p:spTgt spid="194"/>
-                                        </p:tgtEl>
-                                        <p:attrNameLst>
-                                          <p:attrName>style.visibility</p:attrName>
-                                        </p:attrNameLst>
-                                      </p:cBhvr>
-                                      <p:to>
-                                        <p:strVal val="visible"/>
-                                      </p:to>
-                                    </p:set>
-                                    <p:animEffect filter="fade" transition="in">
-                                      <p:cBhvr>
-                                        <p:cTn dur="1000"/>
-                                        <p:tgtEl>
-                                          <p:spTgt spid="194"/>
-                                        </p:tgtEl>
-                                      </p:cBhvr>
-                                    </p:animEffect>
-                                  </p:childTnLst>
-                                </p:cTn>
-                              </p:par>
-                              <p:par>
-                                <p:cTn fill="hold" nodeType="withEffect" presetClass="entr" presetID="10" presetSubtype="0">
                                   <p:stCondLst>
                                     <p:cond delay="0"/>
                                   </p:stCondLst>
@@ -19854,7 +20145,7 @@
                                           </p:stCondLst>
                                         </p:cTn>
                                         <p:tgtEl>
-                                          <p:spTgt spid="207"/>
+                                          <p:spTgt spid="197"/>
                                         </p:tgtEl>
                                         <p:attrNameLst>
                                           <p:attrName>style.visibility</p:attrName>
@@ -19868,7 +20159,60 @@
                                       <p:cBhvr>
                                         <p:cTn dur="1000"/>
                                         <p:tgtEl>
-                                          <p:spTgt spid="207"/>
+                                          <p:spTgt spid="197"/>
+                                        </p:tgtEl>
+                                      </p:cBhvr>
+                                    </p:animEffect>
+                                  </p:childTnLst>
+                                </p:cTn>
+                              </p:par>
+                            </p:childTnLst>
+                          </p:cTn>
+                        </p:par>
+                      </p:childTnLst>
+                    </p:cTn>
+                  </p:par>
+                  <p:par>
+                    <p:cTn fill="hold">
+                      <p:stCondLst>
+                        <p:cond delay="indefinite"/>
+                      </p:stCondLst>
+                      <p:childTnLst>
+                        <p:par>
+                          <p:cTn fill="hold">
+                            <p:stCondLst>
+                              <p:cond delay="0"/>
+                            </p:stCondLst>
+                            <p:childTnLst>
+                              <p:par>
+                                <p:cTn fill="hold" nodeType="clickEffect" presetClass="entr" presetID="10" presetSubtype="0">
+                                  <p:stCondLst>
+                                    <p:cond delay="0"/>
+                                  </p:stCondLst>
+                                  <p:childTnLst>
+                                    <p:set>
+                                      <p:cBhvr>
+                                        <p:cTn dur="1" fill="hold">
+                                          <p:stCondLst>
+                                            <p:cond delay="0"/>
+                                          </p:stCondLst>
+                                        </p:cTn>
+                                        <p:tgtEl>
+                                          <p:spTgt spid="194"/>
+                                        </p:tgtEl>
+                                        <p:attrNameLst>
+                                          <p:attrName>style.visibility</p:attrName>
+                                        </p:attrNameLst>
+                                      </p:cBhvr>
+                                      <p:to>
+                                        <p:strVal val="visible"/>
+                                      </p:to>
+                                    </p:set>
+                                    <p:animEffect filter="fade" transition="in">
+                                      <p:cBhvr>
+                                        <p:cTn dur="1000"/>
+                                        <p:tgtEl>
+                                          <p:spTgt spid="194"/>
                                         </p:tgtEl>
                                       </p:cBhvr>
                                     </p:animEffect>
@@ -19889,7 +20233,7 @@
                                           </p:stCondLst>
                                         </p:cTn>
                                         <p:tgtEl>
-                                          <p:spTgt spid="208"/>
+                                          <p:spTgt spid="195"/>
                                         </p:tgtEl>
                                         <p:attrNameLst>
                                           <p:attrName>style.visibility</p:attrName>
@@ -19903,7 +20247,112 @@
                                       <p:cBhvr>
                                         <p:cTn dur="1000"/>
                                         <p:tgtEl>
-                                          <p:spTgt spid="208"/>
+                                          <p:spTgt spid="195"/>
+                                        </p:tgtEl>
+                                      </p:cBhvr>
+                                    </p:animEffect>
+                                  </p:childTnLst>
+                                </p:cTn>
+                              </p:par>
+                              <p:par>
+                                <p:cTn fill="hold" nodeType="withEffect" presetClass="entr" presetID="10" presetSubtype="0">
+                                  <p:stCondLst>
+                                    <p:cond delay="0"/>
+                                  </p:stCondLst>
+                                  <p:childTnLst>
+                                    <p:set>
+                                      <p:cBhvr>
+                                        <p:cTn dur="1" fill="hold">
+                                          <p:stCondLst>
+                                            <p:cond delay="0"/>
+                                          </p:stCondLst>
+                                        </p:cTn>
+                                        <p:tgtEl>
+                                          <p:spTgt spid="196"/>
+                                        </p:tgtEl>
+                                        <p:attrNameLst>
+                                          <p:attrName>style.visibility</p:attrName>
+                                        </p:attrNameLst>
+                                      </p:cBhvr>
+                                      <p:to>
+                                        <p:strVal val="visible"/>
+                                      </p:to>
+                                    </p:set>
+                                    <p:animEffect filter="fade" transition="in">
+                                      <p:cBhvr>
+                                        <p:cTn dur="1000"/>
+                                        <p:tgtEl>
+                                          <p:spTgt spid="196"/>
+                                        </p:tgtEl>
+                                      </p:cBhvr>
+                                    </p:animEffect>
+                                  </p:childTnLst>
+                                </p:cTn>
+                              </p:par>
+                              <p:par>
+                                <p:cTn fill="hold" nodeType="withEffect" presetClass="entr" presetID="10" presetSubtype="0">
+                                  <p:stCondLst>
+                                    <p:cond delay="0"/>
+                                  </p:stCondLst>
+                                  <p:childTnLst>
+                                    <p:set>
+                                      <p:cBhvr>
+                                        <p:cTn dur="1" fill="hold">
+                                          <p:stCondLst>
+                                            <p:cond delay="0"/>
+                                          </p:stCondLst>
+                                        </p:cTn>
+                                        <p:tgtEl>
+                                          <p:spTgt spid="205"/>
+                                        </p:tgtEl>
+                                        <p:attrNameLst>
+                                          <p:attrName>style.visibility</p:attrName>
+                                        </p:attrNameLst>
+                                      </p:cBhvr>
+                                      <p:to>
+                                        <p:strVal val="visible"/>
+                                      </p:to>
+                                    </p:set>
+                                    <p:animEffect filter="fade" transition="in">
+                                      <p:cBhvr>
+                                        <p:cTn dur="1000"/>
+                                        <p:tgtEl>
+                                          <p:spTgt spid="205"/>
+                                        </p:tgtEl>
+                                      </p:cBhvr>
+                                    </p:animEffect>
+                                  </p:childTnLst>
+                                </p:cTn>
+                              </p:par>
+                              <p:par>
+                                <p:cTn fill="hold" nodeType="withEffect" presetClass="entr" presetID="10" presetSubtype="0">
+                                  <p:stCondLst>
+                                    <p:cond delay="0"/>
+                                  </p:stCondLst>
+                                  <p:childTnLst>
+                                    <p:set>
+                                      <p:cBhvr>
+                                        <p:cTn dur="1" fill="hold">
+                                          <p:stCondLst>
+                                            <p:cond delay="0"/>
+                                          </p:stCondLst>
+                                        </p:cTn>
+                                        <p:tgtEl>
+                                          <p:spTgt spid="206"/>
+                                        </p:tgtEl>
+                                        <p:attrNameLst>
+                                          <p:attrName>style.visibility</p:attrName>
+                                        </p:attrNameLst>
+                                      </p:cBhvr>
+                                      <p:to>
+                                        <p:strVal val="visible"/>
+                                      </p:to>
+                                    </p:set>
+                                    <p:animEffect filter="fade" transition="in">
+                                      <p:cBhvr>
+                                        <p:cTn dur="1000"/>
+                                        <p:tgtEl>
+                                          <p:spTgt spid="206"/>
                                         </p:tgtEl>
                                       </p:cBhvr>
                                     </p:animEffect>
@@ -19959,7 +20408,7 @@
                                           </p:stCondLst>
                                         </p:cTn>
                                         <p:tgtEl>
-                                          <p:spTgt spid="205"/>
+                                          <p:spTgt spid="210"/>
                                         </p:tgtEl>
                                         <p:attrNameLst>
                                           <p:attrName>style.visibility</p:attrName>
@@ -19973,7 +20422,77 @@
                                       <p:cBhvr>
                                         <p:cTn dur="1000"/>
                                         <p:tgtEl>
-                                          <p:spTgt spid="205"/>
+                                          <p:spTgt spid="210"/>
+                                        </p:tgtEl>
+                                      </p:cBhvr>
+                                    </p:animEffect>
+                                  </p:childTnLst>
+                                </p:cTn>
+                              </p:par>
+                              <p:par>
+                                <p:cTn fill="hold" nodeType="withEffect" presetClass="entr" presetID="10" presetSubtype="0">
+                                  <p:stCondLst>
+                                    <p:cond delay="0"/>
+                                  </p:stCondLst>
+                                  <p:childTnLst>
+                                    <p:set>
+                                      <p:cBhvr>
+                                        <p:cTn dur="1" fill="hold">
+                                          <p:stCondLst>
+                                            <p:cond delay="0"/>
+                                          </p:stCondLst>
+                                        </p:cTn>
+                                        <p:tgtEl>
+                                          <p:spTgt spid="211"/>
+                                        </p:tgtEl>
+                                        <p:attrNameLst>
+                                          <p:attrName>style.visibility</p:attrName>
+                                        </p:attrNameLst>
+                                      </p:cBhvr>
+                                      <p:to>
+                                        <p:strVal val="visible"/>
+                                      </p:to>
+                                    </p:set>
+                                    <p:animEffect filter="fade" transition="in">
+                                      <p:cBhvr>
+                                        <p:cTn dur="1000"/>
+                                        <p:tgtEl>
+                                          <p:spTgt spid="211"/>
+                                        </p:tgtEl>
+                                      </p:cBhvr>
+                                    </p:animEffect>
+                                  </p:childTnLst>
+                                </p:cTn>
+                              </p:par>
+                              <p:par>
+                                <p:cTn fill="hold" nodeType="withEffect" presetClass="entr" presetID="10" presetSubtype="0">
+                                  <p:stCondLst>
+                                    <p:cond delay="0"/>
+                                  </p:stCondLst>
+                                  <p:childTnLst>
+                                    <p:set>
+                                      <p:cBhvr>
+                                        <p:cTn dur="1" fill="hold">
+                                          <p:stCondLst>
+                                            <p:cond delay="0"/>
+                                          </p:stCondLst>
+                                        </p:cTn>
+                                        <p:tgtEl>
+                                          <p:spTgt spid="207"/>
+                                        </p:tgtEl>
+                                        <p:attrNameLst>
+                                          <p:attrName>style.visibility</p:attrName>
+                                        </p:attrNameLst>
+                                      </p:cBhvr>
+                                      <p:to>
+                                        <p:strVal val="visible"/>
+                                      </p:to>
+                                    </p:set>
+                                    <p:animEffect filter="fade" transition="in">
+                                      <p:cBhvr>
+                                        <p:cTn dur="1000"/>
+                                        <p:tgtEl>
+                                          <p:spTgt spid="207"/>
                                         </p:tgtEl>
                                       </p:cBhvr>
                                     </p:animEffect>
@@ -20012,7 +20531,7 @@
                                           </p:stCondLst>
                                         </p:cTn>
                                         <p:tgtEl>
-                                          <p:spTgt spid="190"/>
+                                          <p:spTgt spid="192"/>
                                         </p:tgtEl>
                                         <p:attrNameLst>
                                           <p:attrName>style.visibility</p:attrName>
@@ -20026,7 +20545,7 @@
                                       <p:cBhvr>
                                         <p:cTn dur="1300"/>
                                         <p:tgtEl>
-                                          <p:spTgt spid="190"/>
+                                          <p:spTgt spid="192"/>
                                         </p:tgtEl>
                                       </p:cBhvr>
                                     </p:animEffect>
@@ -20065,7 +20584,7 @@
                                           </p:stCondLst>
                                         </p:cTn>
                                         <p:tgtEl>
-                                          <p:spTgt spid="206"/>
+                                          <p:spTgt spid="208"/>
                                         </p:tgtEl>
                                         <p:attrNameLst>
                                           <p:attrName>style.visibility</p:attrName>
@@ -20079,7 +20598,7 @@
                                       <p:cBhvr>
                                         <p:cTn dur="1000"/>
                                         <p:tgtEl>
-                                          <p:spTgt spid="206"/>
+                                          <p:spTgt spid="208"/>
                                         </p:tgtEl>
                                       </p:cBhvr>
                                     </p:animEffect>
@@ -20118,7 +20637,7 @@
                                           </p:stCondLst>
                                         </p:cTn>
                                         <p:tgtEl>
-                                          <p:spTgt spid="210"/>
+                                          <p:spTgt spid="212"/>
                                         </p:tgtEl>
                                         <p:attrNameLst>
                                           <p:attrName>style.visibility</p:attrName>
@@ -20132,7 +20651,7 @@
                                       <p:cBhvr>
                                         <p:cTn dur="1000"/>
                                         <p:tgtEl>
-                                          <p:spTgt spid="210"/>
+                                          <p:spTgt spid="212"/>
                                         </p:tgtEl>
                                       </p:cBhvr>
                                     </p:animEffect>
@@ -20162,7 +20681,7 @@
                                           </p:stCondLst>
                                         </p:cTn>
                                         <p:tgtEl>
-                                          <p:spTgt spid="211"/>
+                                          <p:spTgt spid="213"/>
                                         </p:tgtEl>
                                         <p:attrNameLst>
                                           <p:attrName>style.visibility</p:attrName>
@@ -20176,7 +20695,7 @@
                                       <p:cBhvr>
                                         <p:cTn dur="1000"/>
                                         <p:tgtEl>
-                                          <p:spTgt spid="211"/>
+                                          <p:spTgt spid="213"/>
                                         </p:tgtEl>
                                       </p:cBhvr>
                                     </p:animEffect>
@@ -20206,7 +20725,7 @@
                                           </p:stCondLst>
                                         </p:cTn>
                                         <p:tgtEl>
-                                          <p:spTgt spid="191"/>
+                                          <p:spTgt spid="193"/>
                                         </p:tgtEl>
                                         <p:attrNameLst>
                                           <p:attrName>style.visibility</p:attrName>
@@ -20220,7 +20739,7 @@
                                       <p:cBhvr>
                                         <p:cTn dur="1000"/>
                                         <p:tgtEl>
-                                          <p:spTgt spid="191"/>
+                                          <p:spTgt spid="193"/>
                                         </p:tgtEl>
                                       </p:cBhvr>
                                     </p:animEffect>
@@ -20263,7 +20782,7 @@
   <p:cSld>
     <p:spTree>
       <p:nvGrpSpPr>
-        <p:cNvPr id="216" name="Shape 216"/>
+        <p:cNvPr id="218" name="Shape 218"/>
         <p:cNvGrpSpPr/>
         <p:nvPr/>
       </p:nvGrpSpPr>
@@ -20277,7 +20796,7 @@
       </p:grpSpPr>
       <p:sp>
         <p:nvSpPr>
-          <p:cNvPr id="217" name="Google Shape;217;p20"/>
+          <p:cNvPr id="219" name="Google Shape;219;p20"/>
           <p:cNvSpPr txBox="1"/>
           <p:nvPr>
             <p:ph type="title"/>
@@ -20317,7 +20836,7 @@
       </p:sp>
       <p:sp>
         <p:nvSpPr>
-          <p:cNvPr id="218" name="Google Shape;218;p20"/>
+          <p:cNvPr id="220" name="Google Shape;220;p20"/>
           <p:cNvSpPr/>
           <p:nvPr/>
         </p:nvSpPr>
@@ -20370,7 +20889,7 @@
       </p:sp>
       <p:grpSp>
         <p:nvGrpSpPr>
-          <p:cNvPr id="219" name="Google Shape;219;p20"/>
+          <p:cNvPr id="221" name="Google Shape;221;p20"/>
           <p:cNvGrpSpPr/>
           <p:nvPr/>
         </p:nvGrpSpPr>
@@ -20384,7 +20903,7 @@
         </p:grpSpPr>
         <p:cxnSp>
           <p:nvCxnSpPr>
-            <p:cNvPr id="220" name="Google Shape;220;p20"/>
+            <p:cNvPr id="222" name="Google Shape;222;p20"/>
             <p:cNvCxnSpPr/>
             <p:nvPr/>
           </p:nvCxnSpPr>
@@ -20410,7 +20929,7 @@
         </p:cxnSp>
         <p:cxnSp>
           <p:nvCxnSpPr>
-            <p:cNvPr id="221" name="Google Shape;221;p20"/>
+            <p:cNvPr id="223" name="Google Shape;223;p20"/>
             <p:cNvCxnSpPr/>
             <p:nvPr/>
           </p:nvCxnSpPr>
@@ -20436,7 +20955,7 @@
         </p:cxnSp>
         <p:cxnSp>
           <p:nvCxnSpPr>
-            <p:cNvPr id="222" name="Google Shape;222;p20"/>
+            <p:cNvPr id="224" name="Google Shape;224;p20"/>
             <p:cNvCxnSpPr/>
             <p:nvPr/>
           </p:nvCxnSpPr>
@@ -20462,7 +20981,7 @@
         </p:cxnSp>
         <p:cxnSp>
           <p:nvCxnSpPr>
-            <p:cNvPr id="223" name="Google Shape;223;p20"/>
+            <p:cNvPr id="225" name="Google Shape;225;p20"/>
             <p:cNvCxnSpPr/>
             <p:nvPr/>
           </p:nvCxnSpPr>
@@ -20488,7 +21007,7 @@
         </p:cxnSp>
         <p:cxnSp>
           <p:nvCxnSpPr>
-            <p:cNvPr id="224" name="Google Shape;224;p20"/>
+            <p:cNvPr id="226" name="Google Shape;226;p20"/>
             <p:cNvCxnSpPr/>
             <p:nvPr/>
           </p:nvCxnSpPr>
@@ -20514,7 +21033,7 @@
         </p:cxnSp>
         <p:cxnSp>
           <p:nvCxnSpPr>
-            <p:cNvPr id="225" name="Google Shape;225;p20"/>
+            <p:cNvPr id="227" name="Google Shape;227;p20"/>
             <p:cNvCxnSpPr/>
             <p:nvPr/>
           </p:nvCxnSpPr>
@@ -20540,7 +21059,7 @@
         </p:cxnSp>
         <p:cxnSp>
           <p:nvCxnSpPr>
-            <p:cNvPr id="226" name="Google Shape;226;p20"/>
+            <p:cNvPr id="228" name="Google Shape;228;p20"/>
             <p:cNvCxnSpPr/>
             <p:nvPr/>
           </p:nvCxnSpPr>
@@ -20566,7 +21085,7 @@
         </p:cxnSp>
         <p:cxnSp>
           <p:nvCxnSpPr>
-            <p:cNvPr id="227" name="Google Shape;227;p20"/>
+            <p:cNvPr id="229" name="Google Shape;229;p20"/>
             <p:cNvCxnSpPr/>
             <p:nvPr/>
           </p:nvCxnSpPr>
@@ -20592,7 +21111,7 @@
         </p:cxnSp>
         <p:cxnSp>
           <p:nvCxnSpPr>
-            <p:cNvPr id="228" name="Google Shape;228;p20"/>
+            <p:cNvPr id="230" name="Google Shape;230;p20"/>
             <p:cNvCxnSpPr/>
             <p:nvPr/>
           </p:nvCxnSpPr>
@@ -20618,7 +21137,7 @@
         </p:cxnSp>
         <p:cxnSp>
           <p:nvCxnSpPr>
-            <p:cNvPr id="229" name="Google Shape;229;p20"/>
+            <p:cNvPr id="231" name="Google Shape;231;p20"/>
             <p:cNvCxnSpPr/>
             <p:nvPr/>
           </p:nvCxnSpPr>
@@ -20644,7 +21163,7 @@
         </p:cxnSp>
         <p:cxnSp>
           <p:nvCxnSpPr>
-            <p:cNvPr id="230" name="Google Shape;230;p20"/>
+            <p:cNvPr id="232" name="Google Shape;232;p20"/>
             <p:cNvCxnSpPr/>
             <p:nvPr/>
           </p:nvCxnSpPr>
@@ -20670,7 +21189,7 @@
         </p:cxnSp>
         <p:cxnSp>
           <p:nvCxnSpPr>
-            <p:cNvPr id="231" name="Google Shape;231;p20"/>
+            <p:cNvPr id="233" name="Google Shape;233;p20"/>
             <p:cNvCxnSpPr/>
             <p:nvPr/>
           </p:nvCxnSpPr>
@@ -20696,7 +21215,7 @@
         </p:cxnSp>
         <p:cxnSp>
           <p:nvCxnSpPr>
-            <p:cNvPr id="232" name="Google Shape;232;p20"/>
+            <p:cNvPr id="234" name="Google Shape;234;p20"/>
             <p:cNvCxnSpPr/>
             <p:nvPr/>
           </p:nvCxnSpPr>
@@ -20722,7 +21241,7 @@
         </p:cxnSp>
         <p:cxnSp>
           <p:nvCxnSpPr>
-            <p:cNvPr id="233" name="Google Shape;233;p20"/>
+            <p:cNvPr id="235" name="Google Shape;235;p20"/>
             <p:cNvCxnSpPr/>
             <p:nvPr/>
           </p:nvCxnSpPr>
@@ -20749,7 +21268,7 @@
       </p:grpSp>
       <p:grpSp>
         <p:nvGrpSpPr>
-          <p:cNvPr id="234" name="Google Shape;234;p20"/>
+          <p:cNvPr id="236" name="Google Shape;236;p20"/>
           <p:cNvGrpSpPr/>
           <p:nvPr/>
         </p:nvGrpSpPr>
@@ -20763,7 +21282,7 @@
         </p:grpSpPr>
         <p:sp>
           <p:nvSpPr>
-            <p:cNvPr id="235" name="Google Shape;235;p20"/>
+            <p:cNvPr id="237" name="Google Shape;237;p20"/>
             <p:cNvSpPr/>
             <p:nvPr/>
           </p:nvSpPr>
@@ -20813,7 +21332,7 @@
         </p:sp>
         <p:sp>
           <p:nvSpPr>
-            <p:cNvPr id="236" name="Google Shape;236;p20"/>
+            <p:cNvPr id="238" name="Google Shape;238;p20"/>
             <p:cNvSpPr txBox="1"/>
             <p:nvPr/>
           </p:nvSpPr>
@@ -20866,7 +21385,7 @@
       </p:grpSp>
       <p:grpSp>
         <p:nvGrpSpPr>
-          <p:cNvPr id="237" name="Google Shape;237;p20"/>
+          <p:cNvPr id="239" name="Google Shape;239;p20"/>
           <p:cNvGrpSpPr/>
           <p:nvPr/>
         </p:nvGrpSpPr>
@@ -20880,7 +21399,7 @@
         </p:grpSpPr>
         <p:sp>
           <p:nvSpPr>
-            <p:cNvPr id="238" name="Google Shape;238;p20"/>
+            <p:cNvPr id="240" name="Google Shape;240;p20"/>
             <p:cNvSpPr/>
             <p:nvPr/>
           </p:nvSpPr>
@@ -20929,7 +21448,7 @@
         </p:sp>
         <p:sp>
           <p:nvSpPr>
-            <p:cNvPr id="239" name="Google Shape;239;p20"/>
+            <p:cNvPr id="241" name="Google Shape;241;p20"/>
             <p:cNvSpPr/>
             <p:nvPr/>
           </p:nvSpPr>
@@ -20979,7 +21498,7 @@
       </p:grpSp>
       <p:grpSp>
         <p:nvGrpSpPr>
-          <p:cNvPr id="240" name="Google Shape;240;p20"/>
+          <p:cNvPr id="242" name="Google Shape;242;p20"/>
           <p:cNvGrpSpPr/>
           <p:nvPr/>
         </p:nvGrpSpPr>
@@ -20993,7 +21512,7 @@
         </p:grpSpPr>
         <p:sp>
           <p:nvSpPr>
-            <p:cNvPr id="241" name="Google Shape;241;p20"/>
+            <p:cNvPr id="243" name="Google Shape;243;p20"/>
             <p:cNvSpPr/>
             <p:nvPr/>
           </p:nvSpPr>
@@ -21042,7 +21561,7 @@
         </p:sp>
         <p:sp>
           <p:nvSpPr>
-            <p:cNvPr id="242" name="Google Shape;242;p20"/>
+            <p:cNvPr id="244" name="Google Shape;244;p20"/>
             <p:cNvSpPr/>
             <p:nvPr/>
           </p:nvSpPr>
@@ -21091,7 +21610,7 @@
         </p:sp>
         <p:sp>
           <p:nvSpPr>
-            <p:cNvPr id="243" name="Google Shape;243;p20"/>
+            <p:cNvPr id="245" name="Google Shape;245;p20"/>
             <p:cNvSpPr/>
             <p:nvPr/>
           </p:nvSpPr>
@@ -21140,7 +21659,7 @@
         </p:sp>
         <p:sp>
           <p:nvSpPr>
-            <p:cNvPr id="244" name="Google Shape;244;p20"/>
+            <p:cNvPr id="246" name="Google Shape;246;p20"/>
             <p:cNvSpPr/>
             <p:nvPr/>
           </p:nvSpPr>
@@ -21189,7 +21708,7 @@
         </p:sp>
         <p:sp>
           <p:nvSpPr>
-            <p:cNvPr id="245" name="Google Shape;245;p20"/>
+            <p:cNvPr id="247" name="Google Shape;247;p20"/>
             <p:cNvSpPr/>
             <p:nvPr/>
           </p:nvSpPr>
@@ -21238,7 +21757,7 @@
         </p:sp>
         <p:sp>
           <p:nvSpPr>
-            <p:cNvPr id="246" name="Google Shape;246;p20"/>
+            <p:cNvPr id="248" name="Google Shape;248;p20"/>
             <p:cNvSpPr/>
             <p:nvPr/>
           </p:nvSpPr>
@@ -21287,7 +21806,7 @@
         </p:sp>
         <p:sp>
           <p:nvSpPr>
-            <p:cNvPr id="247" name="Google Shape;247;p20"/>
+            <p:cNvPr id="249" name="Google Shape;249;p20"/>
             <p:cNvSpPr/>
             <p:nvPr/>
           </p:nvSpPr>
@@ -21336,7 +21855,7 @@
         </p:sp>
         <p:sp>
           <p:nvSpPr>
-            <p:cNvPr id="248" name="Google Shape;248;p20"/>
+            <p:cNvPr id="250" name="Google Shape;250;p20"/>
             <p:cNvSpPr/>
             <p:nvPr/>
           </p:nvSpPr>
@@ -21385,7 +21904,7 @@
         </p:sp>
         <p:sp>
           <p:nvSpPr>
-            <p:cNvPr id="249" name="Google Shape;249;p20"/>
+            <p:cNvPr id="251" name="Google Shape;251;p20"/>
             <p:cNvSpPr/>
             <p:nvPr/>
           </p:nvSpPr>
@@ -21434,7 +21953,7 @@
         </p:sp>
         <p:sp>
           <p:nvSpPr>
-            <p:cNvPr id="250" name="Google Shape;250;p20"/>
+            <p:cNvPr id="252" name="Google Shape;252;p20"/>
             <p:cNvSpPr/>
             <p:nvPr/>
           </p:nvSpPr>
@@ -21483,7 +22002,7 @@
         </p:sp>
         <p:sp>
           <p:nvSpPr>
-            <p:cNvPr id="251" name="Google Shape;251;p20"/>
+            <p:cNvPr id="253" name="Google Shape;253;p20"/>
             <p:cNvSpPr/>
             <p:nvPr/>
           </p:nvSpPr>
@@ -21532,7 +22051,7 @@
         </p:sp>
         <p:sp>
           <p:nvSpPr>
-            <p:cNvPr id="252" name="Google Shape;252;p20"/>
+            <p:cNvPr id="254" name="Google Shape;254;p20"/>
             <p:cNvSpPr/>
             <p:nvPr/>
           </p:nvSpPr>
@@ -21581,7 +22100,7 @@
         </p:sp>
         <p:sp>
           <p:nvSpPr>
-            <p:cNvPr id="253" name="Google Shape;253;p20"/>
+            <p:cNvPr id="255" name="Google Shape;255;p20"/>
             <p:cNvSpPr/>
             <p:nvPr/>
           </p:nvSpPr>
@@ -21630,7 +22149,7 @@
         </p:sp>
         <p:sp>
           <p:nvSpPr>
-            <p:cNvPr id="254" name="Google Shape;254;p20"/>
+            <p:cNvPr id="256" name="Google Shape;256;p20"/>
             <p:cNvSpPr/>
             <p:nvPr/>
           </p:nvSpPr>
@@ -21679,7 +22198,7 @@
         </p:sp>
         <p:sp>
           <p:nvSpPr>
-            <p:cNvPr id="255" name="Google Shape;255;p20"/>
+            <p:cNvPr id="257" name="Google Shape;257;p20"/>
             <p:cNvSpPr/>
             <p:nvPr/>
           </p:nvSpPr>
@@ -21728,7 +22247,7 @@
         </p:sp>
         <p:sp>
           <p:nvSpPr>
-            <p:cNvPr id="256" name="Google Shape;256;p20"/>
+            <p:cNvPr id="258" name="Google Shape;258;p20"/>
             <p:cNvSpPr/>
             <p:nvPr/>
           </p:nvSpPr>
@@ -21777,7 +22296,7 @@
         </p:sp>
         <p:sp>
           <p:nvSpPr>
-            <p:cNvPr id="257" name="Google Shape;257;p20"/>
+            <p:cNvPr id="259" name="Google Shape;259;p20"/>
             <p:cNvSpPr/>
             <p:nvPr/>
           </p:nvSpPr>
@@ -21826,7 +22345,7 @@
         </p:sp>
         <p:sp>
           <p:nvSpPr>
-            <p:cNvPr id="258" name="Google Shape;258;p20"/>
+            <p:cNvPr id="260" name="Google Shape;260;p20"/>
             <p:cNvSpPr/>
             <p:nvPr/>
           </p:nvSpPr>
@@ -21875,7 +22394,7 @@
         </p:sp>
         <p:sp>
           <p:nvSpPr>
-            <p:cNvPr id="259" name="Google Shape;259;p20"/>
+            <p:cNvPr id="261" name="Google Shape;261;p20"/>
             <p:cNvSpPr/>
             <p:nvPr/>
           </p:nvSpPr>
@@ -21924,7 +22443,7 @@
         </p:sp>
         <p:sp>
           <p:nvSpPr>
-            <p:cNvPr id="260" name="Google Shape;260;p20"/>
+            <p:cNvPr id="262" name="Google Shape;262;p20"/>
             <p:cNvSpPr/>
             <p:nvPr/>
           </p:nvSpPr>
@@ -21973,7 +22492,7 @@
         </p:sp>
         <p:sp>
           <p:nvSpPr>
-            <p:cNvPr id="261" name="Google Shape;261;p20"/>
+            <p:cNvPr id="263" name="Google Shape;263;p20"/>
             <p:cNvSpPr/>
             <p:nvPr/>
           </p:nvSpPr>
@@ -22023,7 +22542,7 @@
       </p:grpSp>
       <p:pic>
         <p:nvPicPr>
-          <p:cNvPr id="262" name="Google Shape;262;p20"/>
+          <p:cNvPr id="264" name="Google Shape;264;p20"/>
           <p:cNvPicPr preferRelativeResize="0"/>
           <p:nvPr/>
         </p:nvPicPr>
@@ -22091,7 +22610,7 @@
                                           </p:stCondLst>
                                         </p:cTn>
                                         <p:tgtEl>
-                                          <p:spTgt spid="234"/>
+                                          <p:spTgt spid="236"/>
                                         </p:tgtEl>
                                         <p:attrNameLst>
                                           <p:attrName>style.visibility</p:attrName>
@@ -22105,7 +22624,7 @@
                                       <p:cBhvr>
                                         <p:cTn dur="1000"/>
                                         <p:tgtEl>
-                                          <p:spTgt spid="234"/>
+                                          <p:spTgt spid="236"/>
                                         </p:tgtEl>
                                       </p:cBhvr>
                                     </p:animEffect>
@@ -22144,7 +22663,7 @@
                                           </p:stCondLst>
                                         </p:cTn>
                                         <p:tgtEl>
-                                          <p:spTgt spid="218"/>
+                                          <p:spTgt spid="220"/>
                                         </p:tgtEl>
                                         <p:attrNameLst>
                                           <p:attrName>style.visibility</p:attrName>
@@ -22158,7 +22677,7 @@
                                       <p:cBhvr>
                                         <p:cTn dur="1000"/>
                                         <p:tgtEl>
-                                          <p:spTgt spid="218"/>
+                                          <p:spTgt spid="220"/>
                                         </p:tgtEl>
                                       </p:cBhvr>
                                     </p:animEffect>
@@ -22179,7 +22698,7 @@
                                           </p:stCondLst>
                                         </p:cTn>
                                         <p:tgtEl>
-                                          <p:spTgt spid="219"/>
+                                          <p:spTgt spid="221"/>
                                         </p:tgtEl>
                                         <p:attrNameLst>
                                           <p:attrName>style.visibility</p:attrName>
@@ -22193,7 +22712,7 @@
                                       <p:cBhvr>
                                         <p:cTn dur="1000"/>
                                         <p:tgtEl>
-                                          <p:spTgt spid="219"/>
+                                          <p:spTgt spid="221"/>
                                         </p:tgtEl>
                                       </p:cBhvr>
                                     </p:animEffect>
@@ -22232,7 +22751,7 @@
                                           </p:stCondLst>
                                         </p:cTn>
                                         <p:tgtEl>
-                                          <p:spTgt spid="237"/>
+                                          <p:spTgt spid="239"/>
                                         </p:tgtEl>
                                         <p:attrNameLst>
                                           <p:attrName>style.visibility</p:attrName>
@@ -22246,7 +22765,7 @@
                                       <p:cBhvr>
                                         <p:cTn dur="1000"/>
                                         <p:tgtEl>
-                                          <p:spTgt spid="237"/>
+                                          <p:spTgt spid="239"/>
                                         </p:tgtEl>
                                       </p:cBhvr>
                                     </p:animEffect>
@@ -22285,7 +22804,7 @@
                                           </p:stCondLst>
                                         </p:cTn>
                                         <p:tgtEl>
-                                          <p:spTgt spid="240"/>
+                                          <p:spTgt spid="242"/>
                                         </p:tgtEl>
                                         <p:attrNameLst>
                                           <p:attrName>style.visibility</p:attrName>
@@ -22299,7 +22818,7 @@
                                       <p:cBhvr additive="base">
                                         <p:cTn dur="1000"/>
                                         <p:tgtEl>
-                                          <p:spTgt spid="240"/>
+                                          <p:spTgt spid="242"/>
                                         </p:tgtEl>
                                         <p:attrNameLst>
                                           <p:attrName>ppt_w</p:attrName>
@@ -22322,7 +22841,7 @@
                                       <p:cBhvr additive="base">
                                         <p:cTn dur="1000"/>
                                         <p:tgtEl>
-                                          <p:spTgt spid="240"/>
+                                          <p:spTgt spid="242"/>
                                         </p:tgtEl>
                                         <p:attrNameLst>
                                           <p:attrName>ppt_h</p:attrName>
@@ -22376,7 +22895,7 @@
                                           </p:stCondLst>
                                         </p:cTn>
                                         <p:tgtEl>
-                                          <p:spTgt spid="262"/>
+                                          <p:spTgt spid="264"/>
                                         </p:tgtEl>
                                         <p:attrNameLst>
                                           <p:attrName>style.visibility</p:attrName>
@@ -22390,7 +22909,7 @@
                                       <p:cBhvr additive="base">
                                         <p:cTn dur="1700"/>
                                         <p:tgtEl>
-                                          <p:spTgt spid="262"/>
+                                          <p:spTgt spid="264"/>
                                         </p:tgtEl>
                                         <p:attrNameLst>
                                           <p:attrName>ppt_y</p:attrName>
@@ -22422,7 +22941,7 @@
                                       <p:cBhvr>
                                         <p:cTn dur="1000"/>
                                         <p:tgtEl>
-                                          <p:spTgt spid="262"/>
+                                          <p:spTgt spid="264"/>
                                         </p:tgtEl>
                                       </p:cBhvr>
                                     </p:animEffect>
@@ -22434,7 +22953,7 @@
                                           </p:stCondLst>
                                         </p:cTn>
                                         <p:tgtEl>
-                                          <p:spTgt spid="262"/>
+                                          <p:spTgt spid="264"/>
                                         </p:tgtEl>
                                         <p:attrNameLst>
                                           <p:attrName>style.visibility</p:attrName>
@@ -22483,7 +23002,7 @@
   <p:cSld>
     <p:spTree>
       <p:nvGrpSpPr>
-        <p:cNvPr id="266" name="Shape 266"/>
+        <p:cNvPr id="268" name="Shape 268"/>
         <p:cNvGrpSpPr/>
         <p:nvPr/>
       </p:nvGrpSpPr>
@@ -22497,7 +23016,7 @@
       </p:grpSpPr>
       <p:pic>
         <p:nvPicPr>
-          <p:cNvPr id="267" name="Google Shape;267;p21"/>
+          <p:cNvPr id="269" name="Google Shape;269;p21"/>
           <p:cNvPicPr preferRelativeResize="0"/>
           <p:nvPr/>
         </p:nvPicPr>
@@ -22525,7 +23044,7 @@
       </p:pic>
       <p:pic>
         <p:nvPicPr>
-          <p:cNvPr id="268" name="Google Shape;268;p21"/>
+          <p:cNvPr id="270" name="Google Shape;270;p21"/>
           <p:cNvPicPr preferRelativeResize="0"/>
           <p:nvPr/>
         </p:nvPicPr>
@@ -22553,7 +23072,7 @@
       </p:pic>
       <p:sp>
         <p:nvSpPr>
-          <p:cNvPr id="269" name="Google Shape;269;p21"/>
+          <p:cNvPr id="271" name="Google Shape;271;p21"/>
           <p:cNvSpPr txBox="1"/>
           <p:nvPr>
             <p:ph type="title"/>
@@ -22593,7 +23112,7 @@
       </p:sp>
       <p:grpSp>
         <p:nvGrpSpPr>
-          <p:cNvPr id="270" name="Google Shape;270;p21"/>
+          <p:cNvPr id="272" name="Google Shape;272;p21"/>
           <p:cNvGrpSpPr/>
           <p:nvPr/>
         </p:nvGrpSpPr>
@@ -22607,7 +23126,7 @@
         </p:grpSpPr>
         <p:sp>
           <p:nvSpPr>
-            <p:cNvPr id="271" name="Google Shape;271;p21"/>
+            <p:cNvPr id="273" name="Google Shape;273;p21"/>
             <p:cNvSpPr/>
             <p:nvPr/>
           </p:nvSpPr>
@@ -22654,7 +23173,7 @@
         </p:sp>
         <p:sp>
           <p:nvSpPr>
-            <p:cNvPr id="272" name="Google Shape;272;p21"/>
+            <p:cNvPr id="274" name="Google Shape;274;p21"/>
             <p:cNvSpPr/>
             <p:nvPr/>
           </p:nvSpPr>
@@ -22702,7 +23221,7 @@
       </p:grpSp>
       <p:sp>
         <p:nvSpPr>
-          <p:cNvPr id="273" name="Google Shape;273;p21"/>
+          <p:cNvPr id="275" name="Google Shape;275;p21"/>
           <p:cNvSpPr/>
           <p:nvPr/>
         </p:nvSpPr>
@@ -22751,7 +23270,7 @@
       </p:sp>
       <p:sp>
         <p:nvSpPr>
-          <p:cNvPr id="274" name="Google Shape;274;p21"/>
+          <p:cNvPr id="276" name="Google Shape;276;p21"/>
           <p:cNvSpPr/>
           <p:nvPr/>
         </p:nvSpPr>
@@ -22800,7 +23319,7 @@
       </p:sp>
       <p:sp>
         <p:nvSpPr>
-          <p:cNvPr id="275" name="Google Shape;275;p21"/>
+          <p:cNvPr id="277" name="Google Shape;277;p21"/>
           <p:cNvSpPr txBox="1"/>
           <p:nvPr/>
         </p:nvSpPr>
@@ -22898,7 +23417,7 @@
                                           </p:stCondLst>
                                         </p:cTn>
                                         <p:tgtEl>
-                                          <p:spTgt spid="268"/>
+                                          <p:spTgt spid="270"/>
                                         </p:tgtEl>
                                         <p:attrNameLst>
                                           <p:attrName>style.visibility</p:attrName>
@@ -22912,7 +23431,7 @@
                                       <p:cBhvr>
                                         <p:cTn dur="3500"/>
                                         <p:tgtEl>
-                                          <p:spTgt spid="268"/>
+                                          <p:spTgt spid="270"/>
                                         </p:tgtEl>
                                       </p:cBhvr>
                                     </p:animEffect>
@@ -22951,7 +23470,7 @@
                                           </p:stCondLst>
                                         </p:cTn>
                                         <p:tgtEl>
-                                          <p:spTgt spid="270"/>
+                                          <p:spTgt spid="272"/>
                                         </p:tgtEl>
                                         <p:attrNameLst>
                                           <p:attrName>style.visibility</p:attrName>
@@ -22965,7 +23484,7 @@
                                       <p:cBhvr>
                                         <p:cTn dur="1000"/>
                                         <p:tgtEl>
-                                          <p:spTgt spid="270"/>
+                                          <p:spTgt spid="272"/>
                                         </p:tgtEl>
                                       </p:cBhvr>
                                     </p:animEffect>
@@ -23000,7 +23519,7 @@
                                       <p:cBhvr>
                                         <p:cTn dur="1000"/>
                                         <p:tgtEl>
-                                          <p:spTgt spid="268"/>
+                                          <p:spTgt spid="270"/>
                                         </p:tgtEl>
                                       </p:cBhvr>
                                     </p:animEffect>
@@ -23012,7 +23531,7 @@
                                           </p:stCondLst>
                                         </p:cTn>
                                         <p:tgtEl>
-                                          <p:spTgt spid="268"/>
+                                          <p:spTgt spid="270"/>
                                         </p:tgtEl>
                                         <p:attrNameLst>
                                           <p:attrName>style.visibility</p:attrName>
@@ -23035,7 +23554,7 @@
                                       <p:cBhvr>
                                         <p:cTn dur="1000"/>
                                         <p:tgtEl>
-                                          <p:spTgt spid="270"/>
+                                          <p:spTgt spid="272"/>
                                         </p:tgtEl>
                                       </p:cBhvr>
                                     </p:animEffect>
@@ -23047,7 +23566,7 @@
                                           </p:stCondLst>
                                         </p:cTn>
                                         <p:tgtEl>
-                                          <p:spTgt spid="270"/>
+                                          <p:spTgt spid="272"/>
                                         </p:tgtEl>
                                         <p:attrNameLst>
                                           <p:attrName>style.visibility</p:attrName>
@@ -23083,7 +23602,7 @@
                                           </p:stCondLst>
                                         </p:cTn>
                                         <p:tgtEl>
-                                          <p:spTgt spid="267"/>
+                                          <p:spTgt spid="269"/>
                                         </p:tgtEl>
                                         <p:attrNameLst>
                                           <p:attrName>style.visibility</p:attrName>
@@ -23097,7 +23616,7 @@
                                       <p:cBhvr>
                                         <p:cTn dur="1000"/>
                                         <p:tgtEl>
-                                          <p:spTgt spid="267"/>
+                                          <p:spTgt spid="269"/>
                                         </p:tgtEl>
                                       </p:cBhvr>
                                     </p:animEffect>
@@ -23136,6 +23655,285 @@
 </file>
 
 <file path=ppt/theme/theme1.xml><?xml version="1.0" encoding="utf-8"?>
+<a:theme xmlns:a="http://schemas.openxmlformats.org/drawingml/2006/main" xmlns:r="http://schemas.openxmlformats.org/officeDocument/2006/relationships" name="Shift">
+  <a:themeElements>
+    <a:clrScheme name="Shift">
+      <a:dk1>
+        <a:srgbClr val="FFFFFF"/>
+      </a:dk1>
+      <a:lt1>
+        <a:srgbClr val="AF7B51"/>
+      </a:lt1>
+      <a:dk2>
+        <a:srgbClr val="233A44"/>
+      </a:dk2>
+      <a:lt2>
+        <a:srgbClr val="D9D9D9"/>
+      </a:lt2>
+      <a:accent1>
+        <a:srgbClr val="00796B"/>
+      </a:accent1>
+      <a:accent2>
+        <a:srgbClr val="D9563F"/>
+      </a:accent2>
+      <a:accent3>
+        <a:srgbClr val="C4A15A"/>
+      </a:accent3>
+      <a:accent4>
+        <a:srgbClr val="14F597"/>
+      </a:accent4>
+      <a:accent5>
+        <a:srgbClr val="3D4594"/>
+      </a:accent5>
+      <a:accent6>
+        <a:srgbClr val="163EF5"/>
+      </a:accent6>
+      <a:hlink>
+        <a:srgbClr val="3D4594"/>
+      </a:hlink>
+      <a:folHlink>
+        <a:srgbClr val="3D4594"/>
+      </a:folHlink>
+    </a:clrScheme>
+    <a:fontScheme name="Office">
+      <a:majorFont>
+        <a:latin typeface="Arial"/>
+        <a:ea typeface=""/>
+        <a:cs typeface=""/>
+        <a:font script="Jpan" typeface="ＭＳ Ｐゴシック"/>
+        <a:font script="Hang" typeface="맑은 고딕"/>
+        <a:font script="Hans" typeface="宋体"/>
+        <a:font script="Hant" typeface="新細明體"/>
+        <a:font script="Arab" typeface="Times New Roman"/>
+        <a:font script="Hebr" typeface="Times New Roman"/>
+        <a:font script="Thai" typeface="Angsana New"/>
+        <a:font script="Ethi" typeface="Nyala"/>
+        <a:font script="Beng" typeface="Vrinda"/>
+        <a:font script="Gujr" typeface="Shruti"/>
+        <a:font script="Khmr" typeface="MoolBoran"/>
+        <a:font script="Knda" typeface="Tunga"/>
+        <a:font script="Guru" typeface="Raavi"/>
+        <a:font script="Cans" typeface="Euphemia"/>
+        <a:font script="Cher" typeface="Plantagenet Cherokee"/>
+        <a:font script="Yiii" typeface="Microsoft Yi Baiti"/>
+        <a:font script="Tibt" typeface="Microsoft Himalaya"/>
+        <a:font script="Thaa" typeface="MV Boli"/>
+        <a:font script="Deva" typeface="Mangal"/>
+        <a:font script="Telu" typeface="Gautami"/>
+        <a:font script="Taml" typeface="Latha"/>
+        <a:font script="Syrc" typeface="Estrangelo Edessa"/>
+        <a:font script="Orya" typeface="Kalinga"/>
+        <a:font script="Mlym" typeface="Kartika"/>
+        <a:font script="Laoo" typeface="DokChampa"/>
+        <a:font script="Sinh" typeface="Iskoola Pota"/>
+        <a:font script="Mong" typeface="Mongolian Baiti"/>
+        <a:font script="Viet" typeface="Times New Roman"/>
+        <a:font script="Uigh" typeface="Microsoft Uighur"/>
+        <a:font script="Geor" typeface="Sylfaen"/>
+      </a:majorFont>
+      <a:minorFont>
+        <a:latin typeface="Arial"/>
+        <a:ea typeface=""/>
+        <a:cs typeface=""/>
+        <a:font script="Jpan" typeface="ＭＳ Ｐゴシック"/>
+        <a:font script="Hang" typeface="맑은 고딕"/>
+        <a:font script="Hans" typeface="宋体"/>
+        <a:font script="Hant" typeface="新細明體"/>
+        <a:font script="Arab" typeface="Arial"/>
+        <a:font script="Hebr" typeface="Arial"/>
+        <a:font script="Thai" typeface="Cordia New"/>
+        <a:font script="Ethi" typeface="Nyala"/>
+        <a:font script="Beng" typeface="Vrinda"/>
+        <a:font script="Gujr" typeface="Shruti"/>
+        <a:font script="Khmr" typeface="DaunPenh"/>
+        <a:font script="Knda" typeface="Tunga"/>
+        <a:font script="Guru" typeface="Raavi"/>
+        <a:font script="Cans" typeface="Euphemia"/>
+        <a:font script="Cher" typeface="Plantagenet Cherokee"/>
+        <a:font script="Yiii" typeface="Microsoft Yi Baiti"/>
+        <a:font script="Tibt" typeface="Microsoft Himalaya"/>
+        <a:font script="Thaa" typeface="MV Boli"/>
+        <a:font script="Deva" typeface="Mangal"/>
+        <a:font script="Telu" typeface="Gautami"/>
+        <a:font script="Taml" typeface="Latha"/>
+        <a:font script="Syrc" typeface="Estrangelo Edessa"/>
+        <a:font script="Orya" typeface="Kalinga"/>
+        <a:font script="Mlym" typeface="Kartika"/>
+        <a:font script="Laoo" typeface="DokChampa"/>
+        <a:font script="Sinh" typeface="Iskoola Pota"/>
+        <a:font script="Mong" typeface="Mongolian Baiti"/>
+        <a:font script="Viet" typeface="Arial"/>
+        <a:font script="Uigh" typeface="Microsoft Uighur"/>
+        <a:font script="Geor" typeface="Sylfaen"/>
+      </a:minorFont>
+    </a:fontScheme>
+    <a:fmtScheme name="Office">
+      <a:fillStyleLst>
+        <a:solidFill>
+          <a:schemeClr val="phClr"/>
+        </a:solidFill>
+        <a:gradFill rotWithShape="1">
+          <a:gsLst>
+            <a:gs pos="0">
+              <a:schemeClr val="phClr">
+                <a:tint val="50000"/>
+                <a:satMod val="300000"/>
+              </a:schemeClr>
+            </a:gs>
+            <a:gs pos="35000">
+              <a:schemeClr val="phClr">
+                <a:tint val="37000"/>
+                <a:satMod val="300000"/>
+              </a:schemeClr>
+            </a:gs>
+            <a:gs pos="100000">
+              <a:schemeClr val="phClr">
+                <a:tint val="15000"/>
+                <a:satMod val="350000"/>
+              </a:schemeClr>
+            </a:gs>
+          </a:gsLst>
+          <a:lin ang="16200000" scaled="1"/>
+        </a:gradFill>
+        <a:gradFill rotWithShape="1">
+          <a:gsLst>
+            <a:gs pos="0">
+              <a:schemeClr val="phClr">
+                <a:tint val="100000"/>
+                <a:shade val="100000"/>
+                <a:satMod val="130000"/>
+              </a:schemeClr>
+            </a:gs>
+            <a:gs pos="100000">
+              <a:schemeClr val="phClr">
+                <a:tint val="50000"/>
+                <a:shade val="100000"/>
+                <a:satMod val="350000"/>
+              </a:schemeClr>
+            </a:gs>
+          </a:gsLst>
+          <a:lin ang="16200000" scaled="0"/>
+        </a:gradFill>
+      </a:fillStyleLst>
+      <a:lnStyleLst>
+        <a:ln w="9525" cap="flat" cmpd="sng" algn="ctr">
+          <a:solidFill>
+            <a:schemeClr val="phClr">
+              <a:shade val="95000"/>
+              <a:satMod val="105000"/>
+            </a:schemeClr>
+          </a:solidFill>
+          <a:prstDash val="solid"/>
+        </a:ln>
+        <a:ln w="25400" cap="flat" cmpd="sng" algn="ctr">
+          <a:solidFill>
+            <a:schemeClr val="phClr"/>
+          </a:solidFill>
+          <a:prstDash val="solid"/>
+        </a:ln>
+        <a:ln w="38100" cap="flat" cmpd="sng" algn="ctr">
+          <a:solidFill>
+            <a:schemeClr val="phClr"/>
+          </a:solidFill>
+          <a:prstDash val="solid"/>
+        </a:ln>
+      </a:lnStyleLst>
+      <a:effectStyleLst>
+        <a:effectStyle>
+          <a:effectLst>
+            <a:outerShdw blurRad="40000" dist="20000" dir="5400000" rotWithShape="0">
+              <a:srgbClr val="000000">
+                <a:alpha val="38000"/>
+              </a:srgbClr>
+            </a:outerShdw>
+          </a:effectLst>
+        </a:effectStyle>
+        <a:effectStyle>
+          <a:effectLst>
+            <a:outerShdw blurRad="40000" dist="23000" dir="5400000" rotWithShape="0">
+              <a:srgbClr val="000000">
+                <a:alpha val="35000"/>
+              </a:srgbClr>
+            </a:outerShdw>
+          </a:effectLst>
+        </a:effectStyle>
+        <a:effectStyle>
+          <a:effectLst>
+            <a:outerShdw blurRad="40000" dist="23000" dir="5400000" rotWithShape="0">
+              <a:srgbClr val="000000">
+                <a:alpha val="35000"/>
+              </a:srgbClr>
+            </a:outerShdw>
+          </a:effectLst>
+          <a:scene3d>
+            <a:camera prst="orthographicFront">
+              <a:rot lat="0" lon="0" rev="0"/>
+            </a:camera>
+            <a:lightRig rig="threePt" dir="t">
+              <a:rot lat="0" lon="0" rev="1200000"/>
+            </a:lightRig>
+          </a:scene3d>
+          <a:sp3d>
+            <a:bevelT w="63500" h="25400"/>
+          </a:sp3d>
+        </a:effectStyle>
+      </a:effectStyleLst>
+      <a:bgFillStyleLst>
+        <a:solidFill>
+          <a:schemeClr val="phClr"/>
+        </a:solidFill>
+        <a:gradFill rotWithShape="1">
+          <a:gsLst>
+            <a:gs pos="0">
+              <a:schemeClr val="phClr">
+                <a:tint val="40000"/>
+                <a:satMod val="350000"/>
+              </a:schemeClr>
+            </a:gs>
+            <a:gs pos="40000">
+              <a:schemeClr val="phClr">
+                <a:tint val="45000"/>
+                <a:shade val="99000"/>
+                <a:satMod val="350000"/>
+              </a:schemeClr>
+            </a:gs>
+            <a:gs pos="100000">
+              <a:schemeClr val="phClr">
+                <a:shade val="20000"/>
+                <a:satMod val="255000"/>
+              </a:schemeClr>
+            </a:gs>
+          </a:gsLst>
+          <a:path path="circle">
+            <a:fillToRect l="50000" t="-80000" r="50000" b="180000"/>
+          </a:path>
+        </a:gradFill>
+        <a:gradFill rotWithShape="1">
+          <a:gsLst>
+            <a:gs pos="0">
+              <a:schemeClr val="phClr">
+                <a:tint val="80000"/>
+                <a:satMod val="300000"/>
+              </a:schemeClr>
+            </a:gs>
+            <a:gs pos="100000">
+              <a:schemeClr val="phClr">
+                <a:shade val="30000"/>
+                <a:satMod val="200000"/>
+              </a:schemeClr>
+            </a:gs>
+          </a:gsLst>
+          <a:path path="circle">
+            <a:fillToRect l="50000" t="50000" r="50000" b="50000"/>
+          </a:path>
+        </a:gradFill>
+      </a:bgFillStyleLst>
+    </a:fmtScheme>
+  </a:themeElements>
+</a:theme>
+</file>
+
+<file path=ppt/theme/theme2.xml><?xml version="1.0" encoding="utf-8"?>
 <a:theme xmlns:a="http://schemas.openxmlformats.org/drawingml/2006/main" xmlns:r="http://schemas.openxmlformats.org/officeDocument/2006/relationships">
   <a:themeElements>
     <a:clrScheme name="Default">
@@ -23412,283 +24210,4 @@
     </a:fmtScheme>
   </a:themeElements>
 </a:theme>
-</file>
-
-<file path=ppt/theme/theme2.xml><?xml version="1.0" encoding="utf-8"?>
-<a:theme xmlns:a="http://schemas.openxmlformats.org/drawingml/2006/main" xmlns:r="http://schemas.openxmlformats.org/officeDocument/2006/relationships" name="Shift">
-  <a:themeElements>
-    <a:clrScheme name="Shift">
-      <a:dk1>
-        <a:srgbClr val="FFFFFF"/>
-      </a:dk1>
-      <a:lt1>
-        <a:srgbClr val="AF7B51"/>
-      </a:lt1>
-      <a:dk2>
-        <a:srgbClr val="233A44"/>
-      </a:dk2>
-      <a:lt2>
-        <a:srgbClr val="D9D9D9"/>
-      </a:lt2>
-      <a:accent1>
-        <a:srgbClr val="00796B"/>
-      </a:accent1>
-      <a:accent2>
-        <a:srgbClr val="D9563F"/>
-      </a:accent2>
-      <a:accent3>
-        <a:srgbClr val="C4A15A"/>
-      </a:accent3>
-      <a:accent4>
-        <a:srgbClr val="14F597"/>
-      </a:accent4>
-      <a:accent5>
-        <a:srgbClr val="3D4594"/>
-      </a:accent5>
-      <a:accent6>
-        <a:srgbClr val="163EF5"/>
-      </a:accent6>
-      <a:hlink>
-        <a:srgbClr val="3D4594"/>
-      </a:hlink>
-      <a:folHlink>
-        <a:srgbClr val="3D4594"/>
-      </a:folHlink>
-    </a:clrScheme>
-    <a:fontScheme name="Office">
-      <a:majorFont>
-        <a:latin typeface="Arial"/>
-        <a:ea typeface=""/>
-        <a:cs typeface=""/>
-        <a:font script="Jpan" typeface="ＭＳ Ｐゴシック"/>
-        <a:font script="Hang" typeface="맑은 고딕"/>
-        <a:font script="Hans" typeface="宋体"/>
-        <a:font script="Hant" typeface="新細明體"/>
-        <a:font script="Arab" typeface="Times New Roman"/>
-        <a:font script="Hebr" typeface="Times New Roman"/>
-        <a:font script="Thai" typeface="Angsana New"/>
-        <a:font script="Ethi" typeface="Nyala"/>
-        <a:font script="Beng" typeface="Vrinda"/>
-        <a:font script="Gujr" typeface="Shruti"/>
-        <a:font script="Khmr" typeface="MoolBoran"/>
-        <a:font script="Knda" typeface="Tunga"/>
-        <a:font script="Guru" typeface="Raavi"/>
-        <a:font script="Cans" typeface="Euphemia"/>
-        <a:font script="Cher" typeface="Plantagenet Cherokee"/>
-        <a:font script="Yiii" typeface="Microsoft Yi Baiti"/>
-        <a:font script="Tibt" typeface="Microsoft Himalaya"/>
-        <a:font script="Thaa" typeface="MV Boli"/>
-        <a:font script="Deva" typeface="Mangal"/>
-        <a:font script="Telu" typeface="Gautami"/>
-        <a:font script="Taml" typeface="Latha"/>
-        <a:font script="Syrc" typeface="Estrangelo Edessa"/>
-        <a:font script="Orya" typeface="Kalinga"/>
-        <a:font script="Mlym" typeface="Kartika"/>
-        <a:font script="Laoo" typeface="DokChampa"/>
-        <a:font script="Sinh" typeface="Iskoola Pota"/>
-        <a:font script="Mong" typeface="Mongolian Baiti"/>
-        <a:font script="Viet" typeface="Times New Roman"/>
-        <a:font script="Uigh" typeface="Microsoft Uighur"/>
-        <a:font script="Geor" typeface="Sylfaen"/>
-      </a:majorFont>
-      <a:minorFont>
-        <a:latin typeface="Arial"/>
-        <a:ea typeface=""/>
-        <a:cs typeface=""/>
-        <a:font script="Jpan" typeface="ＭＳ Ｐゴシック"/>
-        <a:font script="Hang" typeface="맑은 고딕"/>
-        <a:font script="Hans" typeface="宋体"/>
-        <a:font script="Hant" typeface="新細明體"/>
-        <a:font script="Arab" typeface="Arial"/>
-        <a:font script="Hebr" typeface="Arial"/>
-        <a:font script="Thai" typeface="Cordia New"/>
-        <a:font script="Ethi" typeface="Nyala"/>
-        <a:font script="Beng" typeface="Vrinda"/>
-        <a:font script="Gujr" typeface="Shruti"/>
-        <a:font script="Khmr" typeface="DaunPenh"/>
-        <a:font script="Knda" typeface="Tunga"/>
-        <a:font script="Guru" typeface="Raavi"/>
-        <a:font script="Cans" typeface="Euphemia"/>
-        <a:font script="Cher" typeface="Plantagenet Cherokee"/>
-        <a:font script="Yiii" typeface="Microsoft Yi Baiti"/>
-        <a:font script="Tibt" typeface="Microsoft Himalaya"/>
-        <a:font script="Thaa" typeface="MV Boli"/>
-        <a:font script="Deva" typeface="Mangal"/>
-        <a:font script="Telu" typeface="Gautami"/>
-        <a:font script="Taml" typeface="Latha"/>
-        <a:font script="Syrc" typeface="Estrangelo Edessa"/>
-        <a:font script="Orya" typeface="Kalinga"/>
-        <a:font script="Mlym" typeface="Kartika"/>
-        <a:font script="Laoo" typeface="DokChampa"/>
-        <a:font script="Sinh" typeface="Iskoola Pota"/>
-        <a:font script="Mong" typeface="Mongolian Baiti"/>
-        <a:font script="Viet" typeface="Arial"/>
-        <a:font script="Uigh" typeface="Microsoft Uighur"/>
-        <a:font script="Geor" typeface="Sylfaen"/>
-      </a:minorFont>
-    </a:fontScheme>
-    <a:fmtScheme name="Office">
-      <a:fillStyleLst>
-        <a:solidFill>
-          <a:schemeClr val="phClr"/>
-        </a:solidFill>
-        <a:gradFill rotWithShape="1">
-          <a:gsLst>
-            <a:gs pos="0">
-              <a:schemeClr val="phClr">
-                <a:tint val="50000"/>
-                <a:satMod val="300000"/>
-              </a:schemeClr>
-            </a:gs>
-            <a:gs pos="35000">
-              <a:schemeClr val="phClr">
-                <a:tint val="37000"/>
-                <a:satMod val="300000"/>
-              </a:schemeClr>
-            </a:gs>
-            <a:gs pos="100000">
-              <a:schemeClr val="phClr">
-                <a:tint val="15000"/>
-                <a:satMod val="350000"/>
-              </a:schemeClr>
-            </a:gs>
-          </a:gsLst>
-          <a:lin ang="16200000" scaled="1"/>
-        </a:gradFill>
-        <a:gradFill rotWithShape="1">
-          <a:gsLst>
-            <a:gs pos="0">
-              <a:schemeClr val="phClr">
-                <a:tint val="100000"/>
-                <a:shade val="100000"/>
-                <a:satMod val="130000"/>
-              </a:schemeClr>
-            </a:gs>
-            <a:gs pos="100000">
-              <a:schemeClr val="phClr">
-                <a:tint val="50000"/>
-                <a:shade val="100000"/>
-                <a:satMod val="350000"/>
-              </a:schemeClr>
-            </a:gs>
-          </a:gsLst>
-          <a:lin ang="16200000" scaled="0"/>
-        </a:gradFill>
-      </a:fillStyleLst>
-      <a:lnStyleLst>
-        <a:ln w="9525" cap="flat" cmpd="sng" algn="ctr">
-          <a:solidFill>
-            <a:schemeClr val="phClr">
-              <a:shade val="95000"/>
-              <a:satMod val="105000"/>
-            </a:schemeClr>
-          </a:solidFill>
-          <a:prstDash val="solid"/>
-        </a:ln>
-        <a:ln w="25400" cap="flat" cmpd="sng" algn="ctr">
-          <a:solidFill>
-            <a:schemeClr val="phClr"/>
-          </a:solidFill>
-          <a:prstDash val="solid"/>
-        </a:ln>
-        <a:ln w="38100" cap="flat" cmpd="sng" algn="ctr">
-          <a:solidFill>
-            <a:schemeClr val="phClr"/>
-          </a:solidFill>
-          <a:prstDash val="solid"/>
-        </a:ln>
-      </a:lnStyleLst>
-      <a:effectStyleLst>
-        <a:effectStyle>
-          <a:effectLst>
-            <a:outerShdw blurRad="40000" dist="20000" dir="5400000" rotWithShape="0">
-              <a:srgbClr val="000000">
-                <a:alpha val="38000"/>
-              </a:srgbClr>
-            </a:outerShdw>
-          </a:effectLst>
-        </a:effectStyle>
-        <a:effectStyle>
-          <a:effectLst>
-            <a:outerShdw blurRad="40000" dist="23000" dir="5400000" rotWithShape="0">
-              <a:srgbClr val="000000">
-                <a:alpha val="35000"/>
-              </a:srgbClr>
-            </a:outerShdw>
-          </a:effectLst>
-        </a:effectStyle>
-        <a:effectStyle>
-          <a:effectLst>
-            <a:outerShdw blurRad="40000" dist="23000" dir="5400000" rotWithShape="0">
-              <a:srgbClr val="000000">
-                <a:alpha val="35000"/>
-              </a:srgbClr>
-            </a:outerShdw>
-          </a:effectLst>
-          <a:scene3d>
-            <a:camera prst="orthographicFront">
-              <a:rot lat="0" lon="0" rev="0"/>
-            </a:camera>
-            <a:lightRig rig="threePt" dir="t">
-              <a:rot lat="0" lon="0" rev="1200000"/>
-            </a:lightRig>
-          </a:scene3d>
-          <a:sp3d>
-            <a:bevelT w="63500" h="25400"/>
-          </a:sp3d>
-        </a:effectStyle>
-      </a:effectStyleLst>
-      <a:bgFillStyleLst>
-        <a:solidFill>
-          <a:schemeClr val="phClr"/>
-        </a:solidFill>
-        <a:gradFill rotWithShape="1">
-          <a:gsLst>
-            <a:gs pos="0">
-              <a:schemeClr val="phClr">
-                <a:tint val="40000"/>
-                <a:satMod val="350000"/>
-              </a:schemeClr>
-            </a:gs>
-            <a:gs pos="40000">
-              <a:schemeClr val="phClr">
-                <a:tint val="45000"/>
-                <a:shade val="99000"/>
-                <a:satMod val="350000"/>
-              </a:schemeClr>
-            </a:gs>
-            <a:gs pos="100000">
-              <a:schemeClr val="phClr">
-                <a:shade val="20000"/>
-                <a:satMod val="255000"/>
-              </a:schemeClr>
-            </a:gs>
-          </a:gsLst>
-          <a:path path="circle">
-            <a:fillToRect l="50000" t="-80000" r="50000" b="180000"/>
-          </a:path>
-        </a:gradFill>
-        <a:gradFill rotWithShape="1">
-          <a:gsLst>
-            <a:gs pos="0">
-              <a:schemeClr val="phClr">
-                <a:tint val="80000"/>
-                <a:satMod val="300000"/>
-              </a:schemeClr>
-            </a:gs>
-            <a:gs pos="100000">
-              <a:schemeClr val="phClr">
-                <a:shade val="30000"/>
-                <a:satMod val="200000"/>
-              </a:schemeClr>
-            </a:gs>
-          </a:gsLst>
-          <a:path path="circle">
-            <a:fillToRect l="50000" t="50000" r="50000" b="50000"/>
-          </a:path>
-        </a:gradFill>
-      </a:bgFillStyleLst>
-    </a:fmtScheme>
-  </a:themeElements>
-</a:theme>
 </file>
--- a/Presentation/Project 1.pptx
+++ b/Presentation/Project 1.pptx
@@ -23,16 +23,17 @@
     <p:sldId id="268" r:id="rId18"/>
     <p:sldId id="269" r:id="rId19"/>
     <p:sldId id="270" r:id="rId20"/>
+    <p:sldId id="271" r:id="rId21"/>
   </p:sldIdLst>
   <p:sldSz cy="5143500" cx="9144000"/>
   <p:notesSz cx="6858000" cy="9144000"/>
   <p:embeddedFontLst>
     <p:embeddedFont>
       <p:font typeface="Nunito"/>
-      <p:regular r:id="rId21"/>
-      <p:bold r:id="rId22"/>
-      <p:italic r:id="rId23"/>
-      <p:boldItalic r:id="rId24"/>
+      <p:regular r:id="rId22"/>
+      <p:bold r:id="rId23"/>
+      <p:italic r:id="rId24"/>
+      <p:boldItalic r:id="rId25"/>
     </p:embeddedFont>
   </p:embeddedFontLst>
   <p:defaultTextStyle>
@@ -869,7 +870,7 @@
   <p:cSld>
     <p:spTree>
       <p:nvGrpSpPr>
-        <p:cNvPr id="278" name="Shape 278"/>
+        <p:cNvPr id="277" name="Shape 277"/>
         <p:cNvGrpSpPr/>
         <p:nvPr/>
       </p:nvGrpSpPr>
@@ -883,7 +884,7 @@
       </p:grpSpPr>
       <p:sp>
         <p:nvSpPr>
-          <p:cNvPr id="279" name="Google Shape;279;g123bd5c0c69_0_5:notes"/>
+          <p:cNvPr id="278" name="Google Shape;278;g123bd5c0c69_0_5:notes"/>
           <p:cNvSpPr/>
           <p:nvPr>
             <p:ph idx="2" type="sldImg"/>
@@ -918,7 +919,7 @@
       </p:sp>
       <p:sp>
         <p:nvSpPr>
-          <p:cNvPr id="280" name="Google Shape;280;g123bd5c0c69_0_5:notes"/>
+          <p:cNvPr id="279" name="Google Shape;279;g123bd5c0c69_0_5:notes"/>
           <p:cNvSpPr txBox="1"/>
           <p:nvPr>
             <p:ph idx="1" type="body"/>
@@ -981,7 +982,55 @@
             </a:pPr>
             <a:r>
               <a:rPr lang="en"/>
-              <a:t>Modified the peaks found using a Peak finder we filtered these down using Laramie’s </a:t>
+              <a:t>Here shows all the peaks in the VIX, this is far too much noise and unusable so we </a:t>
+            </a:r>
+            <a:r>
+              <a:rPr lang="en"/>
+              <a:t>filtered </a:t>
+            </a:r>
+            <a:endParaRPr>
+              <a:solidFill>
+                <a:schemeClr val="dk1"/>
+              </a:solidFill>
+            </a:endParaRPr>
+          </a:p>
+          <a:p>
+            <a:pPr indent="0" lvl="0" marL="0" rtl="0" algn="l">
+              <a:spcBef>
+                <a:spcPts val="0"/>
+              </a:spcBef>
+              <a:spcAft>
+                <a:spcPts val="0"/>
+              </a:spcAft>
+              <a:buNone/>
+            </a:pPr>
+            <a:r>
+              <a:rPr lang="en">
+                <a:solidFill>
+                  <a:schemeClr val="dk1"/>
+                </a:solidFill>
+              </a:rPr>
+              <a:t>* </a:t>
+            </a:r>
+            <a:endParaRPr>
+              <a:solidFill>
+                <a:schemeClr val="dk1"/>
+              </a:solidFill>
+            </a:endParaRPr>
+          </a:p>
+          <a:p>
+            <a:pPr indent="0" lvl="0" marL="0" rtl="0" algn="l">
+              <a:spcBef>
+                <a:spcPts val="0"/>
+              </a:spcBef>
+              <a:spcAft>
+                <a:spcPts val="0"/>
+              </a:spcAft>
+              <a:buNone/>
+            </a:pPr>
+            <a:r>
+              <a:rPr lang="en"/>
+              <a:t>the peaks down using Laramie’s </a:t>
             </a:r>
             <a:r>
               <a:rPr lang="en"/>
@@ -989,7 +1038,7 @@
             </a:r>
             <a:r>
               <a:rPr lang="en"/>
-              <a:t> noise as well as using rolling mean and standard deviation we were able to better capture the significant peaks of the VIX</a:t>
+              <a:t> noise as well as using rolling mean and standard deviation. Using these techniques we were able to better capture the significant peaks of the VIX</a:t>
             </a:r>
             <a:endParaRPr/>
           </a:p>
@@ -1008,7 +1057,7 @@
   <p:cSld>
     <p:spTree>
       <p:nvGrpSpPr>
-        <p:cNvPr id="300" name="Shape 300"/>
+        <p:cNvPr id="299" name="Shape 299"/>
         <p:cNvGrpSpPr/>
         <p:nvPr/>
       </p:nvGrpSpPr>
@@ -1022,7 +1071,7 @@
       </p:grpSpPr>
       <p:sp>
         <p:nvSpPr>
-          <p:cNvPr id="301" name="Google Shape;301;g1231efbba45_0_61:notes"/>
+          <p:cNvPr id="300" name="Google Shape;300;g1231efbba45_0_61:notes"/>
           <p:cNvSpPr/>
           <p:nvPr>
             <p:ph idx="2" type="sldImg"/>
@@ -1057,7 +1106,7 @@
       </p:sp>
       <p:sp>
         <p:nvSpPr>
-          <p:cNvPr id="302" name="Google Shape;302;g1231efbba45_0_61:notes"/>
+          <p:cNvPr id="301" name="Google Shape;301;g1231efbba45_0_61:notes"/>
           <p:cNvSpPr txBox="1"/>
           <p:nvPr>
             <p:ph idx="1" type="body"/>
@@ -1246,6 +1295,83 @@
               <a:buNone/>
             </a:pPr>
             <a:r>
+              <a:t/>
+            </a:r>
+            <a:endParaRPr>
+              <a:solidFill>
+                <a:schemeClr val="dk1"/>
+              </a:solidFill>
+            </a:endParaRPr>
+          </a:p>
+          <a:p>
+            <a:pPr indent="0" lvl="0" marL="0" rtl="0" algn="l">
+              <a:spcBef>
+                <a:spcPts val="0"/>
+              </a:spcBef>
+              <a:spcAft>
+                <a:spcPts val="0"/>
+              </a:spcAft>
+              <a:buClr>
+                <a:schemeClr val="dk1"/>
+              </a:buClr>
+              <a:buSzPts val="1100"/>
+              <a:buFont typeface="Arial"/>
+              <a:buNone/>
+            </a:pPr>
+            <a:r>
+              <a:rPr lang="en">
+                <a:solidFill>
+                  <a:schemeClr val="dk1"/>
+                </a:solidFill>
+              </a:rPr>
+              <a:t>So if I go to the far left of this graph, waiting a minimal time until till I see a peak. Of course, when you immediately find yourself seeing a spike in the VIX, the fall in the S&amp;P will be your best price. As you expand the window you have waited until you see a VIX peak - the odds of the next VIX peak being significant enough to be a better investment than an earlier one decreases. So as you get to an expanded window of, say, a year, you need a VIX spike like the pandemic to make the time you waited worth it.</a:t>
+            </a:r>
+            <a:endParaRPr>
+              <a:solidFill>
+                <a:schemeClr val="dk1"/>
+              </a:solidFill>
+            </a:endParaRPr>
+          </a:p>
+          <a:p>
+            <a:pPr indent="0" lvl="0" marL="0" rtl="0" algn="l">
+              <a:spcBef>
+                <a:spcPts val="0"/>
+              </a:spcBef>
+              <a:spcAft>
+                <a:spcPts val="0"/>
+              </a:spcAft>
+              <a:buClr>
+                <a:schemeClr val="dk1"/>
+              </a:buClr>
+              <a:buSzPts val="1100"/>
+              <a:buFont typeface="Arial"/>
+              <a:buNone/>
+            </a:pPr>
+            <a:r>
+              <a:t/>
+            </a:r>
+            <a:endParaRPr>
+              <a:solidFill>
+                <a:schemeClr val="dk1"/>
+              </a:solidFill>
+            </a:endParaRPr>
+          </a:p>
+          <a:p>
+            <a:pPr indent="0" lvl="0" marL="0" rtl="0" algn="l">
+              <a:spcBef>
+                <a:spcPts val="0"/>
+              </a:spcBef>
+              <a:spcAft>
+                <a:spcPts val="0"/>
+              </a:spcAft>
+              <a:buClr>
+                <a:schemeClr val="dk1"/>
+              </a:buClr>
+              <a:buSzPts val="1100"/>
+              <a:buFont typeface="Arial"/>
+              <a:buNone/>
+            </a:pPr>
+            <a:r>
               <a:rPr lang="en">
                 <a:solidFill>
                   <a:schemeClr val="dk1"/>
@@ -1309,7 +1435,7 @@
                   <a:schemeClr val="dk1"/>
                 </a:solidFill>
               </a:rPr>
-              <a:t>*With the critical turning point  around a month</a:t>
+              <a:t>*With the critical drop right around the end of a month</a:t>
             </a:r>
             <a:endParaRPr>
               <a:solidFill>
@@ -1342,7 +1468,7 @@
                 <a:cs typeface="Calibri"/>
                 <a:sym typeface="Calibri"/>
               </a:rPr>
-              <a:t>Since you can expect the next peak to happen within 35 calendar days of the last,</a:t>
+              <a:t>Since you can expect the next peak to happen within 35 calendar days of the last, long term investors should</a:t>
             </a:r>
             <a:endParaRPr sz="1400">
               <a:solidFill>
@@ -1379,7 +1505,7 @@
                 <a:cs typeface="Calibri"/>
                 <a:sym typeface="Calibri"/>
               </a:rPr>
-              <a:t>* waiting 30 trading sessions maximizes your odds of buying the best price for the S&amp;P inside of a VIX spike</a:t>
+              <a:t>* wait 30 trading sessions from the last peak maximizes your odds of buying the best price given the natural rise of the S&amp;P</a:t>
             </a:r>
             <a:endParaRPr>
               <a:solidFill>
@@ -1402,7 +1528,7 @@
   <p:cSld>
     <p:spTree>
       <p:nvGrpSpPr>
-        <p:cNvPr id="313" name="Shape 313"/>
+        <p:cNvPr id="312" name="Shape 312"/>
         <p:cNvGrpSpPr/>
         <p:nvPr/>
       </p:nvGrpSpPr>
@@ -1416,7 +1542,7 @@
       </p:grpSpPr>
       <p:sp>
         <p:nvSpPr>
-          <p:cNvPr id="314" name="Google Shape;314;g121a0b03b78_3_4:notes"/>
+          <p:cNvPr id="313" name="Google Shape;313;g121a0b03b78_3_4:notes"/>
           <p:cNvSpPr/>
           <p:nvPr>
             <p:ph idx="2" type="sldImg"/>
@@ -1451,7 +1577,7 @@
       </p:sp>
       <p:sp>
         <p:nvSpPr>
-          <p:cNvPr id="315" name="Google Shape;315;g121a0b03b78_3_4:notes"/>
+          <p:cNvPr id="314" name="Google Shape;314;g121a0b03b78_3_4:notes"/>
           <p:cNvSpPr txBox="1"/>
           <p:nvPr>
             <p:ph idx="1" type="body"/>
@@ -1501,7 +1627,7 @@
   <p:cSld>
     <p:spTree>
       <p:nvGrpSpPr>
-        <p:cNvPr id="323" name="Shape 323"/>
+        <p:cNvPr id="322" name="Shape 322"/>
         <p:cNvGrpSpPr/>
         <p:nvPr/>
       </p:nvGrpSpPr>
@@ -1515,7 +1641,7 @@
       </p:grpSpPr>
       <p:sp>
         <p:nvSpPr>
-          <p:cNvPr id="324" name="Google Shape;324;g121a0b03b78_7_9:notes"/>
+          <p:cNvPr id="323" name="Google Shape;323;g121a0b03b78_7_9:notes"/>
           <p:cNvSpPr/>
           <p:nvPr>
             <p:ph idx="2" type="sldImg"/>
@@ -1550,7 +1676,7 @@
       </p:sp>
       <p:sp>
         <p:nvSpPr>
-          <p:cNvPr id="325" name="Google Shape;325;g121a0b03b78_7_9:notes"/>
+          <p:cNvPr id="324" name="Google Shape;324;g121a0b03b78_7_9:notes"/>
           <p:cNvSpPr txBox="1"/>
           <p:nvPr>
             <p:ph idx="1" type="body"/>
@@ -1600,7 +1726,7 @@
   <p:cSld>
     <p:spTree>
       <p:nvGrpSpPr>
-        <p:cNvPr id="339" name="Shape 339"/>
+        <p:cNvPr id="338" name="Shape 338"/>
         <p:cNvGrpSpPr/>
         <p:nvPr/>
       </p:nvGrpSpPr>
@@ -1614,7 +1740,7 @@
       </p:grpSpPr>
       <p:sp>
         <p:nvSpPr>
-          <p:cNvPr id="340" name="Google Shape;340;g121a0b03b78_7_28:notes"/>
+          <p:cNvPr id="339" name="Google Shape;339;g121a0b03b78_7_28:notes"/>
           <p:cNvSpPr/>
           <p:nvPr>
             <p:ph idx="2" type="sldImg"/>
@@ -1649,7 +1775,7 @@
       </p:sp>
       <p:sp>
         <p:nvSpPr>
-          <p:cNvPr id="341" name="Google Shape;341;g121a0b03b78_7_28:notes"/>
+          <p:cNvPr id="340" name="Google Shape;340;g121a0b03b78_7_28:notes"/>
           <p:cNvSpPr txBox="1"/>
           <p:nvPr>
             <p:ph idx="1" type="body"/>
@@ -1699,7 +1825,7 @@
   <p:cSld>
     <p:spTree>
       <p:nvGrpSpPr>
-        <p:cNvPr id="348" name="Shape 348"/>
+        <p:cNvPr id="347" name="Shape 347"/>
         <p:cNvGrpSpPr/>
         <p:nvPr/>
       </p:nvGrpSpPr>
@@ -1713,7 +1839,7 @@
       </p:grpSpPr>
       <p:sp>
         <p:nvSpPr>
-          <p:cNvPr id="349" name="Google Shape;349;g123bd5c0c69_0_45:notes"/>
+          <p:cNvPr id="348" name="Google Shape;348;g121a0b03b78_7_46:notes"/>
           <p:cNvSpPr/>
           <p:nvPr>
             <p:ph idx="2" type="sldImg"/>
@@ -1748,7 +1874,106 @@
       </p:sp>
       <p:sp>
         <p:nvSpPr>
-          <p:cNvPr id="350" name="Google Shape;350;g123bd5c0c69_0_45:notes"/>
+          <p:cNvPr id="349" name="Google Shape;349;g121a0b03b78_7_46:notes"/>
+          <p:cNvSpPr txBox="1"/>
+          <p:nvPr>
+            <p:ph idx="1" type="body"/>
+          </p:nvPr>
+        </p:nvSpPr>
+        <p:spPr>
+          <a:xfrm>
+            <a:off x="685800" y="4343400"/>
+            <a:ext cx="5486400" cy="4114800"/>
+          </a:xfrm>
+          <a:prstGeom prst="rect">
+            <a:avLst/>
+          </a:prstGeom>
+        </p:spPr>
+        <p:txBody>
+          <a:bodyPr anchorCtr="0" anchor="t" bIns="91425" lIns="91425" spcFirstLastPara="1" rIns="91425" wrap="square" tIns="91425">
+            <a:noAutofit/>
+          </a:bodyPr>
+          <a:lstStyle/>
+          <a:p>
+            <a:pPr indent="0" lvl="0" marL="0" rtl="0" algn="l">
+              <a:spcBef>
+                <a:spcPts val="0"/>
+              </a:spcBef>
+              <a:spcAft>
+                <a:spcPts val="0"/>
+              </a:spcAft>
+              <a:buNone/>
+            </a:pPr>
+            <a:r>
+              <a:t/>
+            </a:r>
+            <a:endParaRPr/>
+          </a:p>
+        </p:txBody>
+      </p:sp>
+    </p:spTree>
+  </p:cSld>
+  <p:clrMapOvr>
+    <a:masterClrMapping/>
+  </p:clrMapOvr>
+</p:notes>
+</file>
+
+<file path=ppt/notesSlides/notesSlide16.xml><?xml version="1.0" encoding="utf-8"?>
+<p:notes xmlns:a="http://schemas.openxmlformats.org/drawingml/2006/main" xmlns:r="http://schemas.openxmlformats.org/officeDocument/2006/relationships" xmlns:mc="http://schemas.openxmlformats.org/markup-compatibility/2006" xmlns:mv="urn:schemas-microsoft-com:mac:vml" xmlns:p="http://schemas.openxmlformats.org/presentationml/2006/main" xmlns:c="http://schemas.openxmlformats.org/drawingml/2006/chart" xmlns:dgm="http://schemas.openxmlformats.org/drawingml/2006/diagram" xmlns:o="urn:schemas-microsoft-com:office:office" xmlns:v="urn:schemas-microsoft-com:vml" xmlns:pvml="urn:schemas-microsoft-com:office:powerpoint" xmlns:com="http://schemas.openxmlformats.org/drawingml/2006/compatibility" xmlns:p14="http://schemas.microsoft.com/office/powerpoint/2010/main" xmlns:p15="http://schemas.microsoft.com/office/powerpoint/2012/main" xmlns:ahyp="http://schemas.microsoft.com/office/drawing/2018/hyperlinkcolor" showMasterPhAnim="0" showMasterSp="0">
+  <p:cSld>
+    <p:spTree>
+      <p:nvGrpSpPr>
+        <p:cNvPr id="355" name="Shape 355"/>
+        <p:cNvGrpSpPr/>
+        <p:nvPr/>
+      </p:nvGrpSpPr>
+      <p:grpSpPr>
+        <a:xfrm>
+          <a:off x="0" y="0"/>
+          <a:ext cx="0" cy="0"/>
+          <a:chOff x="0" y="0"/>
+          <a:chExt cx="0" cy="0"/>
+        </a:xfrm>
+      </p:grpSpPr>
+      <p:sp>
+        <p:nvSpPr>
+          <p:cNvPr id="356" name="Google Shape;356;g123bd5c0c69_0_45:notes"/>
+          <p:cNvSpPr/>
+          <p:nvPr>
+            <p:ph idx="2" type="sldImg"/>
+          </p:nvPr>
+        </p:nvSpPr>
+        <p:spPr>
+          <a:xfrm>
+            <a:off x="381300" y="685800"/>
+            <a:ext cx="6096000" cy="3429000"/>
+          </a:xfrm>
+          <a:custGeom>
+            <a:rect b="b" l="l" r="r" t="t"/>
+            <a:pathLst>
+              <a:path extrusionOk="0" h="120000" w="120000">
+                <a:moveTo>
+                  <a:pt x="0" y="0"/>
+                </a:moveTo>
+                <a:lnTo>
+                  <a:pt x="120000" y="0"/>
+                </a:lnTo>
+                <a:lnTo>
+                  <a:pt x="120000" y="120000"/>
+                </a:lnTo>
+                <a:lnTo>
+                  <a:pt x="0" y="120000"/>
+                </a:lnTo>
+                <a:close/>
+              </a:path>
+            </a:pathLst>
+          </a:custGeom>
+        </p:spPr>
+      </p:sp>
+      <p:sp>
+        <p:nvSpPr>
+          <p:cNvPr id="357" name="Google Shape;357;g123bd5c0c69_0_45:notes"/>
           <p:cNvSpPr txBox="1"/>
           <p:nvPr>
             <p:ph idx="1" type="body"/>
@@ -2502,7 +2727,7 @@
             </a:r>
             <a:r>
               <a:rPr lang="en"/>
-              <a:t> at the beginning or end of a bear trend, buying at the beginning of a bear trend would have less returns then buying at the end of a bear trend</a:t>
+              <a:t> at the beginning or end of a bear trend, buying at the beginning of a bear trend would have less returns then buying at the end of a bear trend. Since spikes occur rapidly this causes this bimodal behavior</a:t>
             </a:r>
             <a:endParaRPr/>
           </a:p>
@@ -11100,7 +11325,7 @@
   <p:cSld>
     <p:spTree>
       <p:nvGrpSpPr>
-        <p:cNvPr id="281" name="Shape 281"/>
+        <p:cNvPr id="280" name="Shape 280"/>
         <p:cNvGrpSpPr/>
         <p:nvPr/>
       </p:nvGrpSpPr>
@@ -11114,7 +11339,7 @@
       </p:grpSpPr>
       <p:pic>
         <p:nvPicPr>
-          <p:cNvPr id="282" name="Google Shape;282;p22"/>
+          <p:cNvPr id="281" name="Google Shape;281;p22"/>
           <p:cNvPicPr preferRelativeResize="0"/>
           <p:nvPr/>
         </p:nvPicPr>
@@ -11142,7 +11367,7 @@
       </p:pic>
       <p:pic>
         <p:nvPicPr>
-          <p:cNvPr id="283" name="Google Shape;283;p22"/>
+          <p:cNvPr id="282" name="Google Shape;282;p22"/>
           <p:cNvPicPr preferRelativeResize="0"/>
           <p:nvPr/>
         </p:nvPicPr>
@@ -11170,7 +11395,7 @@
       </p:pic>
       <p:sp>
         <p:nvSpPr>
-          <p:cNvPr id="284" name="Google Shape;284;p22"/>
+          <p:cNvPr id="283" name="Google Shape;283;p22"/>
           <p:cNvSpPr txBox="1"/>
           <p:nvPr/>
         </p:nvSpPr>
@@ -11222,7 +11447,7 @@
       </p:sp>
       <p:sp>
         <p:nvSpPr>
-          <p:cNvPr id="285" name="Google Shape;285;p22"/>
+          <p:cNvPr id="284" name="Google Shape;284;p22"/>
           <p:cNvSpPr/>
           <p:nvPr/>
         </p:nvSpPr>
@@ -11274,7 +11499,7 @@
       </p:sp>
       <p:sp>
         <p:nvSpPr>
-          <p:cNvPr id="286" name="Google Shape;286;p22"/>
+          <p:cNvPr id="285" name="Google Shape;285;p22"/>
           <p:cNvSpPr/>
           <p:nvPr/>
         </p:nvSpPr>
@@ -11326,7 +11551,7 @@
       </p:sp>
       <p:sp>
         <p:nvSpPr>
-          <p:cNvPr id="287" name="Google Shape;287;p22"/>
+          <p:cNvPr id="286" name="Google Shape;286;p22"/>
           <p:cNvSpPr/>
           <p:nvPr/>
         </p:nvSpPr>
@@ -11378,7 +11603,7 @@
       </p:sp>
       <p:sp>
         <p:nvSpPr>
-          <p:cNvPr id="288" name="Google Shape;288;p22"/>
+          <p:cNvPr id="287" name="Google Shape;287;p22"/>
           <p:cNvSpPr/>
           <p:nvPr/>
         </p:nvSpPr>
@@ -11430,7 +11655,7 @@
       </p:sp>
       <p:sp>
         <p:nvSpPr>
-          <p:cNvPr id="289" name="Google Shape;289;p22"/>
+          <p:cNvPr id="288" name="Google Shape;288;p22"/>
           <p:cNvSpPr/>
           <p:nvPr/>
         </p:nvSpPr>
@@ -11482,7 +11707,7 @@
       </p:sp>
       <p:sp>
         <p:nvSpPr>
-          <p:cNvPr id="290" name="Google Shape;290;p22"/>
+          <p:cNvPr id="289" name="Google Shape;289;p22"/>
           <p:cNvSpPr/>
           <p:nvPr/>
         </p:nvSpPr>
@@ -11534,7 +11759,7 @@
       </p:sp>
       <p:sp>
         <p:nvSpPr>
-          <p:cNvPr id="291" name="Google Shape;291;p22"/>
+          <p:cNvPr id="290" name="Google Shape;290;p22"/>
           <p:cNvSpPr/>
           <p:nvPr/>
         </p:nvSpPr>
@@ -11586,7 +11811,7 @@
       </p:sp>
       <p:sp>
         <p:nvSpPr>
-          <p:cNvPr id="292" name="Google Shape;292;p22"/>
+          <p:cNvPr id="291" name="Google Shape;291;p22"/>
           <p:cNvSpPr/>
           <p:nvPr/>
         </p:nvSpPr>
@@ -11638,7 +11863,7 @@
       </p:sp>
       <p:sp>
         <p:nvSpPr>
-          <p:cNvPr id="293" name="Google Shape;293;p22"/>
+          <p:cNvPr id="292" name="Google Shape;292;p22"/>
           <p:cNvSpPr/>
           <p:nvPr/>
         </p:nvSpPr>
@@ -11690,7 +11915,7 @@
       </p:sp>
       <p:sp>
         <p:nvSpPr>
-          <p:cNvPr id="294" name="Google Shape;294;p22"/>
+          <p:cNvPr id="293" name="Google Shape;293;p22"/>
           <p:cNvSpPr/>
           <p:nvPr/>
         </p:nvSpPr>
@@ -11742,7 +11967,7 @@
       </p:sp>
       <p:sp>
         <p:nvSpPr>
-          <p:cNvPr id="295" name="Google Shape;295;p22"/>
+          <p:cNvPr id="294" name="Google Shape;294;p22"/>
           <p:cNvSpPr txBox="1"/>
           <p:nvPr/>
         </p:nvSpPr>
@@ -11833,7 +12058,7 @@
       </p:sp>
       <p:sp>
         <p:nvSpPr>
-          <p:cNvPr id="296" name="Google Shape;296;p22"/>
+          <p:cNvPr id="295" name="Google Shape;295;p22"/>
           <p:cNvSpPr/>
           <p:nvPr/>
         </p:nvSpPr>
@@ -11885,7 +12110,7 @@
       </p:sp>
       <p:sp>
         <p:nvSpPr>
-          <p:cNvPr id="297" name="Google Shape;297;p22"/>
+          <p:cNvPr id="296" name="Google Shape;296;p22"/>
           <p:cNvSpPr/>
           <p:nvPr/>
         </p:nvSpPr>
@@ -11937,7 +12162,7 @@
       </p:sp>
       <p:sp>
         <p:nvSpPr>
-          <p:cNvPr id="298" name="Google Shape;298;p22"/>
+          <p:cNvPr id="297" name="Google Shape;297;p22"/>
           <p:cNvSpPr/>
           <p:nvPr/>
         </p:nvSpPr>
@@ -11989,7 +12214,7 @@
       </p:sp>
       <p:sp>
         <p:nvSpPr>
-          <p:cNvPr id="299" name="Google Shape;299;p22"/>
+          <p:cNvPr id="298" name="Google Shape;298;p22"/>
           <p:cNvSpPr/>
           <p:nvPr/>
         </p:nvSpPr>
@@ -12081,7 +12306,7 @@
                                           </p:stCondLst>
                                         </p:cTn>
                                         <p:tgtEl>
-                                          <p:spTgt spid="283"/>
+                                          <p:spTgt spid="282"/>
                                         </p:tgtEl>
                                         <p:attrNameLst>
                                           <p:attrName>style.visibility</p:attrName>
@@ -12095,7 +12320,7 @@
                                       <p:cBhvr>
                                         <p:cTn dur="1000"/>
                                         <p:tgtEl>
-                                          <p:spTgt spid="283"/>
+                                          <p:spTgt spid="282"/>
                                         </p:tgtEl>
                                       </p:cBhvr>
                                     </p:animEffect>
@@ -12134,7 +12359,7 @@
                                           </p:stCondLst>
                                         </p:cTn>
                                         <p:tgtEl>
-                                          <p:spTgt spid="282"/>
+                                          <p:spTgt spid="281"/>
                                         </p:tgtEl>
                                         <p:attrNameLst>
                                           <p:attrName>style.visibility</p:attrName>
@@ -12148,7 +12373,7 @@
                                       <p:cBhvr>
                                         <p:cTn dur="1000"/>
                                         <p:tgtEl>
-                                          <p:spTgt spid="282"/>
+                                          <p:spTgt spid="281"/>
                                         </p:tgtEl>
                                       </p:cBhvr>
                                     </p:animEffect>
@@ -12165,7 +12390,7 @@
                                       <p:cBhvr>
                                         <p:cTn dur="1000"/>
                                         <p:tgtEl>
-                                          <p:spTgt spid="283"/>
+                                          <p:spTgt spid="282"/>
                                         </p:tgtEl>
                                       </p:cBhvr>
                                     </p:animEffect>
@@ -12177,7 +12402,7 @@
                                           </p:stCondLst>
                                         </p:cTn>
                                         <p:tgtEl>
-                                          <p:spTgt spid="283"/>
+                                          <p:spTgt spid="282"/>
                                         </p:tgtEl>
                                         <p:attrNameLst>
                                           <p:attrName>style.visibility</p:attrName>
@@ -12210,6 +12435,41 @@
                             <p:childTnLst>
                               <p:par>
                                 <p:cTn fill="hold" nodeType="clickEffect" presetClass="entr" presetID="10" presetSubtype="0">
+                                  <p:stCondLst>
+                                    <p:cond delay="0"/>
+                                  </p:stCondLst>
+                                  <p:childTnLst>
+                                    <p:set>
+                                      <p:cBhvr>
+                                        <p:cTn dur="1" fill="hold">
+                                          <p:stCondLst>
+                                            <p:cond delay="0"/>
+                                          </p:stCondLst>
+                                        </p:cTn>
+                                        <p:tgtEl>
+                                          <p:spTgt spid="284"/>
+                                        </p:tgtEl>
+                                        <p:attrNameLst>
+                                          <p:attrName>style.visibility</p:attrName>
+                                        </p:attrNameLst>
+                                      </p:cBhvr>
+                                      <p:to>
+                                        <p:strVal val="visible"/>
+                                      </p:to>
+                                    </p:set>
+                                    <p:animEffect filter="fade" transition="in">
+                                      <p:cBhvr>
+                                        <p:cTn dur="1000"/>
+                                        <p:tgtEl>
+                                          <p:spTgt spid="284"/>
+                                        </p:tgtEl>
+                                      </p:cBhvr>
+                                    </p:animEffect>
+                                  </p:childTnLst>
+                                </p:cTn>
+                              </p:par>
+                              <p:par>
+                                <p:cTn fill="hold" nodeType="withEffect" presetClass="entr" presetID="10" presetSubtype="0">
                                   <p:stCondLst>
                                     <p:cond delay="0"/>
                                   </p:stCondLst>
@@ -12467,7 +12727,7 @@
                                           </p:stCondLst>
                                         </p:cTn>
                                         <p:tgtEl>
-                                          <p:spTgt spid="292"/>
+                                          <p:spTgt spid="293"/>
                                         </p:tgtEl>
                                         <p:attrNameLst>
                                           <p:attrName>style.visibility</p:attrName>
@@ -12481,7 +12741,7 @@
                                       <p:cBhvr>
                                         <p:cTn dur="1000"/>
                                         <p:tgtEl>
-                                          <p:spTgt spid="292"/>
+                                          <p:spTgt spid="293"/>
                                         </p:tgtEl>
                                       </p:cBhvr>
                                     </p:animEffect>
@@ -12502,7 +12762,7 @@
                                           </p:stCondLst>
                                         </p:cTn>
                                         <p:tgtEl>
-                                          <p:spTgt spid="294"/>
+                                          <p:spTgt spid="295"/>
                                         </p:tgtEl>
                                         <p:attrNameLst>
                                           <p:attrName>style.visibility</p:attrName>
@@ -12516,7 +12776,7 @@
                                       <p:cBhvr>
                                         <p:cTn dur="1000"/>
                                         <p:tgtEl>
-                                          <p:spTgt spid="294"/>
+                                          <p:spTgt spid="295"/>
                                         </p:tgtEl>
                                       </p:cBhvr>
                                     </p:animEffect>
@@ -12642,7 +12902,7 @@
                                           </p:stCondLst>
                                         </p:cTn>
                                         <p:tgtEl>
-                                          <p:spTgt spid="299"/>
+                                          <p:spTgt spid="292"/>
                                         </p:tgtEl>
                                         <p:attrNameLst>
                                           <p:attrName>style.visibility</p:attrName>
@@ -12656,42 +12916,7 @@
                                       <p:cBhvr>
                                         <p:cTn dur="1000"/>
                                         <p:tgtEl>
-                                          <p:spTgt spid="299"/>
-                                        </p:tgtEl>
-                                      </p:cBhvr>
-                                    </p:animEffect>
-                                  </p:childTnLst>
-                                </p:cTn>
-                              </p:par>
-                              <p:par>
-                                <p:cTn fill="hold" nodeType="withEffect" presetClass="entr" presetID="10" presetSubtype="0">
-                                  <p:stCondLst>
-                                    <p:cond delay="0"/>
-                                  </p:stCondLst>
-                                  <p:childTnLst>
-                                    <p:set>
-                                      <p:cBhvr>
-                                        <p:cTn dur="1" fill="hold">
-                                          <p:stCondLst>
-                                            <p:cond delay="0"/>
-                                          </p:stCondLst>
-                                        </p:cTn>
-                                        <p:tgtEl>
-                                          <p:spTgt spid="293"/>
-                                        </p:tgtEl>
-                                        <p:attrNameLst>
-                                          <p:attrName>style.visibility</p:attrName>
-                                        </p:attrNameLst>
-                                      </p:cBhvr>
-                                      <p:to>
-                                        <p:strVal val="visible"/>
-                                      </p:to>
-                                    </p:set>
-                                    <p:animEffect filter="fade" transition="in">
-                                      <p:cBhvr>
-                                        <p:cTn dur="1000"/>
-                                        <p:tgtEl>
-                                          <p:spTgt spid="293"/>
+                                          <p:spTgt spid="292"/>
                                         </p:tgtEl>
                                       </p:cBhvr>
                                     </p:animEffect>
@@ -12721,7 +12946,7 @@
                                           </p:stCondLst>
                                         </p:cTn>
                                         <p:tgtEl>
-                                          <p:spTgt spid="295"/>
+                                          <p:spTgt spid="294"/>
                                         </p:tgtEl>
                                         <p:attrNameLst>
                                           <p:attrName>style.visibility</p:attrName>
@@ -12735,7 +12960,7 @@
                                       <p:cBhvr>
                                         <p:cTn dur="1000"/>
                                         <p:tgtEl>
-                                          <p:spTgt spid="295"/>
+                                          <p:spTgt spid="294"/>
                                         </p:tgtEl>
                                       </p:cBhvr>
                                     </p:animEffect>
@@ -12778,7 +13003,7 @@
   <p:cSld>
     <p:spTree>
       <p:nvGrpSpPr>
-        <p:cNvPr id="303" name="Shape 303"/>
+        <p:cNvPr id="302" name="Shape 302"/>
         <p:cNvGrpSpPr/>
         <p:nvPr/>
       </p:nvGrpSpPr>
@@ -12792,7 +13017,7 @@
       </p:grpSpPr>
       <p:sp>
         <p:nvSpPr>
-          <p:cNvPr id="304" name="Google Shape;304;p23"/>
+          <p:cNvPr id="303" name="Google Shape;303;p23"/>
           <p:cNvSpPr txBox="1"/>
           <p:nvPr>
             <p:ph type="title"/>
@@ -12832,7 +13057,7 @@
       </p:sp>
       <p:pic>
         <p:nvPicPr>
-          <p:cNvPr id="305" name="Google Shape;305;p23"/>
+          <p:cNvPr id="304" name="Google Shape;304;p23"/>
           <p:cNvPicPr preferRelativeResize="0"/>
           <p:nvPr/>
         </p:nvPicPr>
@@ -12860,7 +13085,7 @@
       </p:pic>
       <p:sp>
         <p:nvSpPr>
-          <p:cNvPr id="306" name="Google Shape;306;p23"/>
+          <p:cNvPr id="305" name="Google Shape;305;p23"/>
           <p:cNvSpPr txBox="1"/>
           <p:nvPr/>
         </p:nvSpPr>
@@ -12918,7 +13143,7 @@
       </p:sp>
       <p:cxnSp>
         <p:nvCxnSpPr>
-          <p:cNvPr id="307" name="Google Shape;307;p23"/>
+          <p:cNvPr id="306" name="Google Shape;306;p23"/>
           <p:cNvCxnSpPr/>
           <p:nvPr/>
         </p:nvCxnSpPr>
@@ -12944,7 +13169,7 @@
       </p:cxnSp>
       <p:cxnSp>
         <p:nvCxnSpPr>
-          <p:cNvPr id="308" name="Google Shape;308;p23"/>
+          <p:cNvPr id="307" name="Google Shape;307;p23"/>
           <p:cNvCxnSpPr/>
           <p:nvPr/>
         </p:nvCxnSpPr>
@@ -12970,7 +13195,7 @@
       </p:cxnSp>
       <p:cxnSp>
         <p:nvCxnSpPr>
-          <p:cNvPr id="309" name="Google Shape;309;p23"/>
+          <p:cNvPr id="308" name="Google Shape;308;p23"/>
           <p:cNvCxnSpPr/>
           <p:nvPr/>
         </p:nvCxnSpPr>
@@ -12996,7 +13221,7 @@
       </p:cxnSp>
       <p:cxnSp>
         <p:nvCxnSpPr>
-          <p:cNvPr id="310" name="Google Shape;310;p23"/>
+          <p:cNvPr id="309" name="Google Shape;309;p23"/>
           <p:cNvCxnSpPr/>
           <p:nvPr/>
         </p:nvCxnSpPr>
@@ -13022,7 +13247,7 @@
       </p:cxnSp>
       <p:sp>
         <p:nvSpPr>
-          <p:cNvPr id="311" name="Google Shape;311;p23"/>
+          <p:cNvPr id="310" name="Google Shape;310;p23"/>
           <p:cNvSpPr txBox="1"/>
           <p:nvPr/>
         </p:nvSpPr>
@@ -13086,7 +13311,7 @@
       </p:sp>
       <p:sp>
         <p:nvSpPr>
-          <p:cNvPr id="312" name="Google Shape;312;p23"/>
+          <p:cNvPr id="311" name="Google Shape;311;p23"/>
           <p:cNvSpPr txBox="1"/>
           <p:nvPr/>
         </p:nvSpPr>
@@ -13175,6 +13400,59 @@
                                           </p:stCondLst>
                                         </p:cTn>
                                         <p:tgtEl>
+                                          <p:spTgt spid="308"/>
+                                        </p:tgtEl>
+                                        <p:attrNameLst>
+                                          <p:attrName>style.visibility</p:attrName>
+                                        </p:attrNameLst>
+                                      </p:cBhvr>
+                                      <p:to>
+                                        <p:strVal val="visible"/>
+                                      </p:to>
+                                    </p:set>
+                                    <p:animEffect filter="fade" transition="in">
+                                      <p:cBhvr>
+                                        <p:cTn dur="1000"/>
+                                        <p:tgtEl>
+                                          <p:spTgt spid="308"/>
+                                        </p:tgtEl>
+                                      </p:cBhvr>
+                                    </p:animEffect>
+                                  </p:childTnLst>
+                                </p:cTn>
+                              </p:par>
+                            </p:childTnLst>
+                          </p:cTn>
+                        </p:par>
+                      </p:childTnLst>
+                    </p:cTn>
+                  </p:par>
+                  <p:par>
+                    <p:cTn fill="hold">
+                      <p:stCondLst>
+                        <p:cond delay="indefinite"/>
+                      </p:stCondLst>
+                      <p:childTnLst>
+                        <p:par>
+                          <p:cTn fill="hold">
+                            <p:stCondLst>
+                              <p:cond delay="0"/>
+                            </p:stCondLst>
+                            <p:childTnLst>
+                              <p:par>
+                                <p:cTn fill="hold" nodeType="clickEffect" presetClass="entr" presetID="10" presetSubtype="0">
+                                  <p:stCondLst>
+                                    <p:cond delay="0"/>
+                                  </p:stCondLst>
+                                  <p:childTnLst>
+                                    <p:set>
+                                      <p:cBhvr>
+                                        <p:cTn dur="1" fill="hold">
+                                          <p:stCondLst>
+                                            <p:cond delay="0"/>
+                                          </p:stCondLst>
+                                        </p:cTn>
+                                        <p:tgtEl>
                                           <p:spTgt spid="309"/>
                                         </p:tgtEl>
                                         <p:attrNameLst>
@@ -13193,6 +13471,41 @@
                                         </p:tgtEl>
                                       </p:cBhvr>
                                     </p:animEffect>
+                                  </p:childTnLst>
+                                </p:cTn>
+                              </p:par>
+                              <p:par>
+                                <p:cTn fill="hold" nodeType="withEffect" presetClass="exit" presetID="10" presetSubtype="0">
+                                  <p:stCondLst>
+                                    <p:cond delay="0"/>
+                                  </p:stCondLst>
+                                  <p:childTnLst>
+                                    <p:animEffect filter="fade" transition="out">
+                                      <p:cBhvr>
+                                        <p:cTn dur="1000"/>
+                                        <p:tgtEl>
+                                          <p:spTgt spid="308"/>
+                                        </p:tgtEl>
+                                      </p:cBhvr>
+                                    </p:animEffect>
+                                    <p:set>
+                                      <p:cBhvr>
+                                        <p:cTn dur="1" fill="hold">
+                                          <p:stCondLst>
+                                            <p:cond delay="1000"/>
+                                          </p:stCondLst>
+                                        </p:cTn>
+                                        <p:tgtEl>
+                                          <p:spTgt spid="308"/>
+                                        </p:tgtEl>
+                                        <p:attrNameLst>
+                                          <p:attrName>style.visibility</p:attrName>
+                                        </p:attrNameLst>
+                                      </p:cBhvr>
+                                      <p:to>
+                                        <p:strVal val="hidden"/>
+                                      </p:to>
+                                    </p:set>
                                   </p:childTnLst>
                                 </p:cTn>
                               </p:par>
@@ -13316,7 +13629,7 @@
                                           </p:stCondLst>
                                         </p:cTn>
                                         <p:tgtEl>
-                                          <p:spTgt spid="311"/>
+                                          <p:spTgt spid="306"/>
                                         </p:tgtEl>
                                         <p:attrNameLst>
                                           <p:attrName>style.visibility</p:attrName>
@@ -13330,45 +13643,10 @@
                                       <p:cBhvr>
                                         <p:cTn dur="1000"/>
                                         <p:tgtEl>
-                                          <p:spTgt spid="311"/>
+                                          <p:spTgt spid="306"/>
                                         </p:tgtEl>
                                       </p:cBhvr>
                                     </p:animEffect>
-                                  </p:childTnLst>
-                                </p:cTn>
-                              </p:par>
-                              <p:par>
-                                <p:cTn fill="hold" nodeType="withEffect" presetClass="exit" presetID="10" presetSubtype="0">
-                                  <p:stCondLst>
-                                    <p:cond delay="0"/>
-                                  </p:stCondLst>
-                                  <p:childTnLst>
-                                    <p:animEffect filter="fade" transition="out">
-                                      <p:cBhvr>
-                                        <p:cTn dur="1000"/>
-                                        <p:tgtEl>
-                                          <p:spTgt spid="310"/>
-                                        </p:tgtEl>
-                                      </p:cBhvr>
-                                    </p:animEffect>
-                                    <p:set>
-                                      <p:cBhvr>
-                                        <p:cTn dur="1" fill="hold">
-                                          <p:stCondLst>
-                                            <p:cond delay="1000"/>
-                                          </p:stCondLst>
-                                        </p:cTn>
-                                        <p:tgtEl>
-                                          <p:spTgt spid="310"/>
-                                        </p:tgtEl>
-                                        <p:attrNameLst>
-                                          <p:attrName>style.visibility</p:attrName>
-                                        </p:attrNameLst>
-                                      </p:cBhvr>
-                                      <p:to>
-                                        <p:strVal val="hidden"/>
-                                      </p:to>
-                                    </p:set>
                                   </p:childTnLst>
                                 </p:cTn>
                               </p:par>
@@ -13457,7 +13735,7 @@
                                           </p:stCondLst>
                                         </p:cTn>
                                         <p:tgtEl>
-                                          <p:spTgt spid="308"/>
+                                          <p:spTgt spid="311"/>
                                         </p:tgtEl>
                                         <p:attrNameLst>
                                           <p:attrName>style.visibility</p:attrName>
@@ -13471,60 +13749,7 @@
                                       <p:cBhvr>
                                         <p:cTn dur="1000"/>
                                         <p:tgtEl>
-                                          <p:spTgt spid="308"/>
-                                        </p:tgtEl>
-                                      </p:cBhvr>
-                                    </p:animEffect>
-                                  </p:childTnLst>
-                                </p:cTn>
-                              </p:par>
-                            </p:childTnLst>
-                          </p:cTn>
-                        </p:par>
-                      </p:childTnLst>
-                    </p:cTn>
-                  </p:par>
-                  <p:par>
-                    <p:cTn fill="hold">
-                      <p:stCondLst>
-                        <p:cond delay="indefinite"/>
-                      </p:stCondLst>
-                      <p:childTnLst>
-                        <p:par>
-                          <p:cTn fill="hold">
-                            <p:stCondLst>
-                              <p:cond delay="0"/>
-                            </p:stCondLst>
-                            <p:childTnLst>
-                              <p:par>
-                                <p:cTn fill="hold" nodeType="clickEffect" presetClass="entr" presetID="10" presetSubtype="0">
-                                  <p:stCondLst>
-                                    <p:cond delay="0"/>
-                                  </p:stCondLst>
-                                  <p:childTnLst>
-                                    <p:set>
-                                      <p:cBhvr>
-                                        <p:cTn dur="1" fill="hold">
-                                          <p:stCondLst>
-                                            <p:cond delay="0"/>
-                                          </p:stCondLst>
-                                        </p:cTn>
-                                        <p:tgtEl>
-                                          <p:spTgt spid="312"/>
-                                        </p:tgtEl>
-                                        <p:attrNameLst>
-                                          <p:attrName>style.visibility</p:attrName>
-                                        </p:attrNameLst>
-                                      </p:cBhvr>
-                                      <p:to>
-                                        <p:strVal val="visible"/>
-                                      </p:to>
-                                    </p:set>
-                                    <p:animEffect filter="fade" transition="in">
-                                      <p:cBhvr>
-                                        <p:cTn dur="1000"/>
-                                        <p:tgtEl>
-                                          <p:spTgt spid="312"/>
+                                          <p:spTgt spid="311"/>
                                         </p:tgtEl>
                                       </p:cBhvr>
                                     </p:animEffect>
@@ -13567,7 +13792,7 @@
   <p:cSld>
     <p:spTree>
       <p:nvGrpSpPr>
-        <p:cNvPr id="316" name="Shape 316"/>
+        <p:cNvPr id="315" name="Shape 315"/>
         <p:cNvGrpSpPr/>
         <p:nvPr/>
       </p:nvGrpSpPr>
@@ -13581,7 +13806,7 @@
       </p:grpSpPr>
       <p:sp>
         <p:nvSpPr>
-          <p:cNvPr id="317" name="Google Shape;317;p24"/>
+          <p:cNvPr id="316" name="Google Shape;316;p24"/>
           <p:cNvSpPr txBox="1"/>
           <p:nvPr>
             <p:ph type="title"/>
@@ -13621,7 +13846,7 @@
       </p:sp>
       <p:grpSp>
         <p:nvGrpSpPr>
-          <p:cNvPr id="318" name="Google Shape;318;p24"/>
+          <p:cNvPr id="317" name="Google Shape;317;p24"/>
           <p:cNvGrpSpPr/>
           <p:nvPr/>
         </p:nvGrpSpPr>
@@ -13635,7 +13860,7 @@
         </p:grpSpPr>
         <p:pic>
           <p:nvPicPr>
-            <p:cNvPr id="319" name="Google Shape;319;p24"/>
+            <p:cNvPr id="318" name="Google Shape;318;p24"/>
             <p:cNvPicPr preferRelativeResize="0"/>
             <p:nvPr/>
           </p:nvPicPr>
@@ -13663,7 +13888,7 @@
         </p:pic>
         <p:pic>
           <p:nvPicPr>
-            <p:cNvPr id="320" name="Google Shape;320;p24"/>
+            <p:cNvPr id="319" name="Google Shape;319;p24"/>
             <p:cNvPicPr preferRelativeResize="0"/>
             <p:nvPr/>
           </p:nvPicPr>
@@ -13692,7 +13917,7 @@
       </p:grpSp>
       <p:sp>
         <p:nvSpPr>
-          <p:cNvPr id="321" name="Google Shape;321;p24"/>
+          <p:cNvPr id="320" name="Google Shape;320;p24"/>
           <p:cNvSpPr txBox="1"/>
           <p:nvPr>
             <p:ph type="title"/>
@@ -13737,7 +13962,7 @@
       </p:sp>
       <p:sp>
         <p:nvSpPr>
-          <p:cNvPr id="322" name="Google Shape;322;p24"/>
+          <p:cNvPr id="321" name="Google Shape;321;p24"/>
           <p:cNvSpPr txBox="1"/>
           <p:nvPr/>
         </p:nvSpPr>
@@ -13901,7 +14126,7 @@
                                           </p:stCondLst>
                                         </p:cTn>
                                         <p:tgtEl>
-                                          <p:spTgt spid="321"/>
+                                          <p:spTgt spid="320"/>
                                         </p:tgtEl>
                                         <p:attrNameLst>
                                           <p:attrName>style.visibility</p:attrName>
@@ -13915,7 +14140,7 @@
                                       <p:cBhvr>
                                         <p:cTn dur="1000"/>
                                         <p:tgtEl>
-                                          <p:spTgt spid="321"/>
+                                          <p:spTgt spid="320"/>
                                         </p:tgtEl>
                                       </p:cBhvr>
                                     </p:animEffect>
@@ -13936,7 +14161,7 @@
                                           </p:stCondLst>
                                         </p:cTn>
                                         <p:tgtEl>
-                                          <p:spTgt spid="318"/>
+                                          <p:spTgt spid="317"/>
                                         </p:tgtEl>
                                         <p:attrNameLst>
                                           <p:attrName>style.visibility</p:attrName>
@@ -13950,7 +14175,7 @@
                                       <p:cBhvr>
                                         <p:cTn dur="1000"/>
                                         <p:tgtEl>
-                                          <p:spTgt spid="318"/>
+                                          <p:spTgt spid="317"/>
                                         </p:tgtEl>
                                       </p:cBhvr>
                                     </p:animEffect>
@@ -13989,7 +14214,7 @@
                                           </p:stCondLst>
                                         </p:cTn>
                                         <p:tgtEl>
-                                          <p:spTgt spid="322"/>
+                                          <p:spTgt spid="321"/>
                                         </p:tgtEl>
                                         <p:attrNameLst>
                                           <p:attrName>style.visibility</p:attrName>
@@ -14003,7 +14228,7 @@
                                       <p:cBhvr>
                                         <p:cTn dur="1000"/>
                                         <p:tgtEl>
-                                          <p:spTgt spid="322"/>
+                                          <p:spTgt spid="321"/>
                                         </p:tgtEl>
                                       </p:cBhvr>
                                     </p:animEffect>
@@ -14046,7 +14271,7 @@
   <p:cSld>
     <p:spTree>
       <p:nvGrpSpPr>
-        <p:cNvPr id="326" name="Shape 326"/>
+        <p:cNvPr id="325" name="Shape 325"/>
         <p:cNvGrpSpPr/>
         <p:nvPr/>
       </p:nvGrpSpPr>
@@ -14060,7 +14285,7 @@
       </p:grpSpPr>
       <p:pic>
         <p:nvPicPr>
-          <p:cNvPr id="327" name="Google Shape;327;p25"/>
+          <p:cNvPr id="326" name="Google Shape;326;p25"/>
           <p:cNvPicPr preferRelativeResize="0"/>
           <p:nvPr/>
         </p:nvPicPr>
@@ -14088,7 +14313,7 @@
       </p:pic>
       <p:sp>
         <p:nvSpPr>
-          <p:cNvPr id="328" name="Google Shape;328;p25"/>
+          <p:cNvPr id="327" name="Google Shape;327;p25"/>
           <p:cNvSpPr txBox="1"/>
           <p:nvPr>
             <p:ph type="title"/>
@@ -14128,7 +14353,7 @@
       </p:sp>
       <p:grpSp>
         <p:nvGrpSpPr>
-          <p:cNvPr id="329" name="Google Shape;329;p25"/>
+          <p:cNvPr id="328" name="Google Shape;328;p25"/>
           <p:cNvGrpSpPr/>
           <p:nvPr/>
         </p:nvGrpSpPr>
@@ -14142,7 +14367,7 @@
         </p:grpSpPr>
         <p:sp>
           <p:nvSpPr>
-            <p:cNvPr id="330" name="Google Shape;330;p25"/>
+            <p:cNvPr id="329" name="Google Shape;329;p25"/>
             <p:cNvSpPr/>
             <p:nvPr/>
           </p:nvSpPr>
@@ -14189,7 +14414,7 @@
         </p:sp>
         <p:sp>
           <p:nvSpPr>
-            <p:cNvPr id="331" name="Google Shape;331;p25"/>
+            <p:cNvPr id="330" name="Google Shape;330;p25"/>
             <p:cNvSpPr/>
             <p:nvPr/>
           </p:nvSpPr>
@@ -14236,7 +14461,7 @@
         </p:sp>
         <p:sp>
           <p:nvSpPr>
-            <p:cNvPr id="332" name="Google Shape;332;p25"/>
+            <p:cNvPr id="331" name="Google Shape;331;p25"/>
             <p:cNvSpPr/>
             <p:nvPr/>
           </p:nvSpPr>
@@ -14283,7 +14508,7 @@
         </p:sp>
         <p:sp>
           <p:nvSpPr>
-            <p:cNvPr id="333" name="Google Shape;333;p25"/>
+            <p:cNvPr id="332" name="Google Shape;332;p25"/>
             <p:cNvSpPr/>
             <p:nvPr/>
           </p:nvSpPr>
@@ -14331,7 +14556,7 @@
       </p:grpSp>
       <p:grpSp>
         <p:nvGrpSpPr>
-          <p:cNvPr id="334" name="Google Shape;334;p25"/>
+          <p:cNvPr id="333" name="Google Shape;333;p25"/>
           <p:cNvGrpSpPr/>
           <p:nvPr/>
         </p:nvGrpSpPr>
@@ -14345,7 +14570,7 @@
         </p:grpSpPr>
         <p:sp>
           <p:nvSpPr>
-            <p:cNvPr id="335" name="Google Shape;335;p25"/>
+            <p:cNvPr id="334" name="Google Shape;334;p25"/>
             <p:cNvSpPr/>
             <p:nvPr/>
           </p:nvSpPr>
@@ -14396,7 +14621,7 @@
         </p:sp>
         <p:sp>
           <p:nvSpPr>
-            <p:cNvPr id="336" name="Google Shape;336;p25"/>
+            <p:cNvPr id="335" name="Google Shape;335;p25"/>
             <p:cNvSpPr/>
             <p:nvPr/>
           </p:nvSpPr>
@@ -14447,7 +14672,7 @@
         </p:sp>
         <p:sp>
           <p:nvSpPr>
-            <p:cNvPr id="337" name="Google Shape;337;p25"/>
+            <p:cNvPr id="336" name="Google Shape;336;p25"/>
             <p:cNvSpPr/>
             <p:nvPr/>
           </p:nvSpPr>
@@ -14498,7 +14723,7 @@
         </p:sp>
         <p:sp>
           <p:nvSpPr>
-            <p:cNvPr id="338" name="Google Shape;338;p25"/>
+            <p:cNvPr id="337" name="Google Shape;337;p25"/>
             <p:cNvSpPr/>
             <p:nvPr/>
           </p:nvSpPr>
@@ -14587,7 +14812,7 @@
                                           </p:stCondLst>
                                         </p:cTn>
                                         <p:tgtEl>
-                                          <p:spTgt spid="329"/>
+                                          <p:spTgt spid="328"/>
                                         </p:tgtEl>
                                         <p:attrNameLst>
                                           <p:attrName>style.visibility</p:attrName>
@@ -14601,7 +14826,7 @@
                                       <p:cBhvr>
                                         <p:cTn dur="1000"/>
                                         <p:tgtEl>
-                                          <p:spTgt spid="329"/>
+                                          <p:spTgt spid="328"/>
                                         </p:tgtEl>
                                       </p:cBhvr>
                                     </p:animEffect>
@@ -14640,7 +14865,7 @@
                                           </p:stCondLst>
                                         </p:cTn>
                                         <p:tgtEl>
-                                          <p:spTgt spid="334"/>
+                                          <p:spTgt spid="333"/>
                                         </p:tgtEl>
                                         <p:attrNameLst>
                                           <p:attrName>style.visibility</p:attrName>
@@ -14654,7 +14879,7 @@
                                       <p:cBhvr>
                                         <p:cTn dur="1000"/>
                                         <p:tgtEl>
-                                          <p:spTgt spid="334"/>
+                                          <p:spTgt spid="333"/>
                                         </p:tgtEl>
                                       </p:cBhvr>
                                     </p:animEffect>
@@ -14697,7 +14922,7 @@
   <p:cSld>
     <p:spTree>
       <p:nvGrpSpPr>
-        <p:cNvPr id="342" name="Shape 342"/>
+        <p:cNvPr id="341" name="Shape 341"/>
         <p:cNvGrpSpPr/>
         <p:nvPr/>
       </p:nvGrpSpPr>
@@ -14711,7 +14936,7 @@
       </p:grpSpPr>
       <p:pic>
         <p:nvPicPr>
-          <p:cNvPr id="343" name="Google Shape;343;p26"/>
+          <p:cNvPr id="342" name="Google Shape;342;p26"/>
           <p:cNvPicPr preferRelativeResize="0"/>
           <p:nvPr/>
         </p:nvPicPr>
@@ -14739,7 +14964,7 @@
       </p:pic>
       <p:sp>
         <p:nvSpPr>
-          <p:cNvPr id="344" name="Google Shape;344;p26"/>
+          <p:cNvPr id="343" name="Google Shape;343;p26"/>
           <p:cNvSpPr txBox="1"/>
           <p:nvPr/>
         </p:nvSpPr>
@@ -14809,7 +15034,7 @@
       </p:sp>
       <p:sp>
         <p:nvSpPr>
-          <p:cNvPr id="345" name="Google Shape;345;p26"/>
+          <p:cNvPr id="344" name="Google Shape;344;p26"/>
           <p:cNvSpPr txBox="1"/>
           <p:nvPr/>
         </p:nvSpPr>
@@ -14879,7 +15104,7 @@
       </p:sp>
       <p:cxnSp>
         <p:nvCxnSpPr>
-          <p:cNvPr id="346" name="Google Shape;346;p26"/>
+          <p:cNvPr id="345" name="Google Shape;345;p26"/>
           <p:cNvCxnSpPr/>
           <p:nvPr/>
         </p:nvCxnSpPr>
@@ -14905,13 +15130,13 @@
       </p:cxnSp>
       <p:sp>
         <p:nvSpPr>
-          <p:cNvPr id="347" name="Google Shape;347;p26"/>
+          <p:cNvPr id="346" name="Google Shape;346;p26"/>
           <p:cNvSpPr txBox="1"/>
           <p:nvPr/>
         </p:nvSpPr>
         <p:spPr>
           <a:xfrm>
-            <a:off x="6563400" y="3145925"/>
+            <a:off x="6552475" y="3051450"/>
             <a:ext cx="2277600" cy="615600"/>
           </a:xfrm>
           <a:prstGeom prst="rect">
@@ -15015,7 +15240,7 @@
                                           </p:stCondLst>
                                         </p:cTn>
                                         <p:tgtEl>
-                                          <p:spTgt spid="345"/>
+                                          <p:spTgt spid="344"/>
                                         </p:tgtEl>
                                         <p:attrNameLst>
                                           <p:attrName>style.visibility</p:attrName>
@@ -15029,7 +15254,7 @@
                                       <p:cBhvr>
                                         <p:cTn dur="1000"/>
                                         <p:tgtEl>
-                                          <p:spTgt spid="345"/>
+                                          <p:spTgt spid="344"/>
                                         </p:tgtEl>
                                       </p:cBhvr>
                                     </p:animEffect>
@@ -15068,7 +15293,7 @@
                                           </p:stCondLst>
                                         </p:cTn>
                                         <p:tgtEl>
-                                          <p:spTgt spid="346"/>
+                                          <p:spTgt spid="345"/>
                                         </p:tgtEl>
                                         <p:attrNameLst>
                                           <p:attrName>style.visibility</p:attrName>
@@ -15082,7 +15307,7 @@
                                       <p:cBhvr>
                                         <p:cTn dur="1000"/>
                                         <p:tgtEl>
-                                          <p:spTgt spid="346"/>
+                                          <p:spTgt spid="345"/>
                                         </p:tgtEl>
                                       </p:cBhvr>
                                     </p:animEffect>
@@ -15112,7 +15337,7 @@
                                           </p:stCondLst>
                                         </p:cTn>
                                         <p:tgtEl>
-                                          <p:spTgt spid="347"/>
+                                          <p:spTgt spid="346"/>
                                         </p:tgtEl>
                                         <p:attrNameLst>
                                           <p:attrName>style.visibility</p:attrName>
@@ -15126,7 +15351,7 @@
                                       <p:cBhvr>
                                         <p:cTn dur="1000"/>
                                         <p:tgtEl>
-                                          <p:spTgt spid="347"/>
+                                          <p:spTgt spid="346"/>
                                         </p:tgtEl>
                                       </p:cBhvr>
                                     </p:animEffect>
@@ -15169,7 +15394,298 @@
   <p:cSld>
     <p:spTree>
       <p:nvGrpSpPr>
-        <p:cNvPr id="351" name="Shape 351"/>
+        <p:cNvPr id="350" name="Shape 350"/>
+        <p:cNvGrpSpPr/>
+        <p:nvPr/>
+      </p:nvGrpSpPr>
+      <p:grpSpPr>
+        <a:xfrm>
+          <a:off x="0" y="0"/>
+          <a:ext cx="0" cy="0"/>
+          <a:chOff x="0" y="0"/>
+          <a:chExt cx="0" cy="0"/>
+        </a:xfrm>
+      </p:grpSpPr>
+      <p:pic>
+        <p:nvPicPr>
+          <p:cNvPr id="351" name="Google Shape;351;p27"/>
+          <p:cNvPicPr preferRelativeResize="0"/>
+          <p:nvPr/>
+        </p:nvPicPr>
+        <p:blipFill>
+          <a:blip r:embed="rId3">
+            <a:alphaModFix/>
+          </a:blip>
+          <a:stretch>
+            <a:fillRect/>
+          </a:stretch>
+        </p:blipFill>
+        <p:spPr>
+          <a:xfrm>
+            <a:off x="152400" y="152400"/>
+            <a:ext cx="8783024" cy="4794001"/>
+          </a:xfrm>
+          <a:prstGeom prst="rect">
+            <a:avLst/>
+          </a:prstGeom>
+          <a:noFill/>
+          <a:ln>
+            <a:noFill/>
+          </a:ln>
+        </p:spPr>
+      </p:pic>
+      <p:grpSp>
+        <p:nvGrpSpPr>
+          <p:cNvPr id="352" name="Google Shape;352;p27"/>
+          <p:cNvGrpSpPr/>
+          <p:nvPr/>
+        </p:nvGrpSpPr>
+        <p:grpSpPr>
+          <a:xfrm>
+            <a:off x="6691350" y="1519975"/>
+            <a:ext cx="2124950" cy="2213375"/>
+            <a:chOff x="6691350" y="1519975"/>
+            <a:chExt cx="2124950" cy="2213375"/>
+          </a:xfrm>
+        </p:grpSpPr>
+        <p:sp>
+          <p:nvSpPr>
+            <p:cNvPr id="353" name="Google Shape;353;p27"/>
+            <p:cNvSpPr txBox="1"/>
+            <p:nvPr/>
+          </p:nvSpPr>
+          <p:spPr>
+            <a:xfrm>
+              <a:off x="6691350" y="3333150"/>
+              <a:ext cx="1984200" cy="400200"/>
+            </a:xfrm>
+            <a:prstGeom prst="rect">
+              <a:avLst/>
+            </a:prstGeom>
+            <a:noFill/>
+            <a:ln>
+              <a:noFill/>
+            </a:ln>
+          </p:spPr>
+          <p:txBody>
+            <a:bodyPr anchorCtr="0" anchor="t" bIns="91425" lIns="91425" spcFirstLastPara="1" rIns="91425" wrap="square" tIns="91425">
+              <a:spAutoFit/>
+            </a:bodyPr>
+            <a:lstStyle/>
+            <a:p>
+              <a:pPr indent="0" lvl="0" marL="0" rtl="0" algn="l">
+                <a:spcBef>
+                  <a:spcPts val="0"/>
+                </a:spcBef>
+                <a:spcAft>
+                  <a:spcPts val="0"/>
+                </a:spcAft>
+                <a:buNone/>
+              </a:pPr>
+              <a:r>
+                <a:rPr b="1" lang="en">
+                  <a:solidFill>
+                    <a:srgbClr val="FF9900"/>
+                  </a:solidFill>
+                  <a:latin typeface="Calibri"/>
+                  <a:ea typeface="Calibri"/>
+                  <a:cs typeface="Calibri"/>
+                  <a:sym typeface="Calibri"/>
+                </a:rPr>
+                <a:t>VIX up 15% 4/11/2022</a:t>
+              </a:r>
+              <a:endParaRPr b="1">
+                <a:solidFill>
+                  <a:srgbClr val="FF9900"/>
+                </a:solidFill>
+                <a:latin typeface="Calibri"/>
+                <a:ea typeface="Calibri"/>
+                <a:cs typeface="Calibri"/>
+                <a:sym typeface="Calibri"/>
+              </a:endParaRPr>
+            </a:p>
+          </p:txBody>
+        </p:sp>
+        <p:sp>
+          <p:nvSpPr>
+            <p:cNvPr id="354" name="Google Shape;354;p27"/>
+            <p:cNvSpPr txBox="1"/>
+            <p:nvPr/>
+          </p:nvSpPr>
+          <p:spPr>
+            <a:xfrm>
+              <a:off x="6832100" y="1519975"/>
+              <a:ext cx="1984200" cy="400200"/>
+            </a:xfrm>
+            <a:prstGeom prst="rect">
+              <a:avLst/>
+            </a:prstGeom>
+            <a:noFill/>
+            <a:ln>
+              <a:noFill/>
+            </a:ln>
+          </p:spPr>
+          <p:txBody>
+            <a:bodyPr anchorCtr="0" anchor="t" bIns="91425" lIns="91425" spcFirstLastPara="1" rIns="91425" wrap="square" tIns="91425">
+              <a:spAutoFit/>
+            </a:bodyPr>
+            <a:lstStyle/>
+            <a:p>
+              <a:pPr indent="0" lvl="0" marL="0" rtl="0" algn="l">
+                <a:spcBef>
+                  <a:spcPts val="0"/>
+                </a:spcBef>
+                <a:spcAft>
+                  <a:spcPts val="0"/>
+                </a:spcAft>
+                <a:buNone/>
+              </a:pPr>
+              <a:r>
+                <a:rPr b="1" lang="en">
+                  <a:solidFill>
+                    <a:srgbClr val="4A86E8"/>
+                  </a:solidFill>
+                  <a:latin typeface="Calibri"/>
+                  <a:ea typeface="Calibri"/>
+                  <a:cs typeface="Calibri"/>
+                  <a:sym typeface="Calibri"/>
+                </a:rPr>
+                <a:t>S&amp;P</a:t>
+              </a:r>
+              <a:r>
+                <a:rPr lang="en">
+                  <a:solidFill>
+                    <a:srgbClr val="FF9900"/>
+                  </a:solidFill>
+                  <a:latin typeface="Calibri"/>
+                  <a:ea typeface="Calibri"/>
+                  <a:cs typeface="Calibri"/>
+                  <a:sym typeface="Calibri"/>
+                </a:rPr>
+                <a:t> </a:t>
+              </a:r>
+              <a:r>
+                <a:rPr b="1" lang="en">
+                  <a:solidFill>
+                    <a:schemeClr val="accent2"/>
+                  </a:solidFill>
+                  <a:latin typeface="Calibri"/>
+                  <a:ea typeface="Calibri"/>
+                  <a:cs typeface="Calibri"/>
+                  <a:sym typeface="Calibri"/>
+                </a:rPr>
+                <a:t>-1.64%</a:t>
+              </a:r>
+              <a:endParaRPr b="1">
+                <a:solidFill>
+                  <a:schemeClr val="accent2"/>
+                </a:solidFill>
+                <a:latin typeface="Calibri"/>
+                <a:ea typeface="Calibri"/>
+                <a:cs typeface="Calibri"/>
+                <a:sym typeface="Calibri"/>
+              </a:endParaRPr>
+            </a:p>
+          </p:txBody>
+        </p:sp>
+      </p:grpSp>
+    </p:spTree>
+  </p:cSld>
+  <p:clrMapOvr>
+    <a:masterClrMapping/>
+  </p:clrMapOvr>
+  <p:timing>
+    <p:tnLst>
+      <p:par>
+        <p:cTn dur="indefinite" nodeType="tmRoot" restart="never">
+          <p:childTnLst>
+            <p:seq concurrent="1" nextAc="seek">
+              <p:cTn dur="indefinite" id="2" nodeType="mainSeq">
+                <p:childTnLst>
+                  <p:par>
+                    <p:cTn fill="hold">
+                      <p:stCondLst>
+                        <p:cond delay="indefinite"/>
+                      </p:stCondLst>
+                      <p:childTnLst>
+                        <p:par>
+                          <p:cTn fill="hold">
+                            <p:stCondLst>
+                              <p:cond delay="0"/>
+                            </p:stCondLst>
+                            <p:childTnLst>
+                              <p:par>
+                                <p:cTn fill="hold" nodeType="clickEffect" presetClass="entr" presetID="10" presetSubtype="0">
+                                  <p:stCondLst>
+                                    <p:cond delay="0"/>
+                                  </p:stCondLst>
+                                  <p:childTnLst>
+                                    <p:set>
+                                      <p:cBhvr>
+                                        <p:cTn dur="1" fill="hold">
+                                          <p:stCondLst>
+                                            <p:cond delay="0"/>
+                                          </p:stCondLst>
+                                        </p:cTn>
+                                        <p:tgtEl>
+                                          <p:spTgt spid="352"/>
+                                        </p:tgtEl>
+                                        <p:attrNameLst>
+                                          <p:attrName>style.visibility</p:attrName>
+                                        </p:attrNameLst>
+                                      </p:cBhvr>
+                                      <p:to>
+                                        <p:strVal val="visible"/>
+                                      </p:to>
+                                    </p:set>
+                                    <p:animEffect filter="fade" transition="in">
+                                      <p:cBhvr>
+                                        <p:cTn dur="1000"/>
+                                        <p:tgtEl>
+                                          <p:spTgt spid="352"/>
+                                        </p:tgtEl>
+                                      </p:cBhvr>
+                                    </p:animEffect>
+                                  </p:childTnLst>
+                                </p:cTn>
+                              </p:par>
+                            </p:childTnLst>
+                          </p:cTn>
+                        </p:par>
+                      </p:childTnLst>
+                    </p:cTn>
+                  </p:par>
+                </p:childTnLst>
+              </p:cTn>
+              <p:prevCondLst>
+                <p:cond evt="onPrev">
+                  <p:tgtEl>
+                    <p:sldTgt/>
+                  </p:tgtEl>
+                </p:cond>
+              </p:prevCondLst>
+              <p:nextCondLst>
+                <p:cond evt="onNext">
+                  <p:tgtEl>
+                    <p:sldTgt/>
+                  </p:tgtEl>
+                </p:cond>
+              </p:nextCondLst>
+            </p:seq>
+          </p:childTnLst>
+        </p:cTn>
+      </p:par>
+    </p:tnLst>
+  </p:timing>
+</p:sld>
+</file>
+
+<file path=ppt/slides/slide16.xml><?xml version="1.0" encoding="utf-8"?>
+<p:sld xmlns:a="http://schemas.openxmlformats.org/drawingml/2006/main" xmlns:r="http://schemas.openxmlformats.org/officeDocument/2006/relationships" xmlns:mc="http://schemas.openxmlformats.org/markup-compatibility/2006" xmlns:mv="urn:schemas-microsoft-com:mac:vml" xmlns:p="http://schemas.openxmlformats.org/presentationml/2006/main" xmlns:c="http://schemas.openxmlformats.org/drawingml/2006/chart" xmlns:dgm="http://schemas.openxmlformats.org/drawingml/2006/diagram" xmlns:o="urn:schemas-microsoft-com:office:office" xmlns:v="urn:schemas-microsoft-com:vml" xmlns:pvml="urn:schemas-microsoft-com:office:powerpoint" xmlns:com="http://schemas.openxmlformats.org/drawingml/2006/compatibility" xmlns:p14="http://schemas.microsoft.com/office/powerpoint/2010/main" xmlns:p15="http://schemas.microsoft.com/office/powerpoint/2012/main" xmlns:ahyp="http://schemas.microsoft.com/office/drawing/2018/hyperlinkcolor">
+  <p:cSld>
+    <p:spTree>
+      <p:nvGrpSpPr>
+        <p:cNvPr id="358" name="Shape 358"/>
         <p:cNvGrpSpPr/>
         <p:nvPr/>
       </p:nvGrpSpPr>
@@ -15183,7 +15699,7 @@
       </p:grpSpPr>
       <p:sp>
         <p:nvSpPr>
-          <p:cNvPr id="352" name="Google Shape;352;p27"/>
+          <p:cNvPr id="359" name="Google Shape;359;p28"/>
           <p:cNvSpPr txBox="1"/>
           <p:nvPr>
             <p:ph type="ctrTitle"/>
@@ -23030,34 +23546,6 @@
         </p:blipFill>
         <p:spPr>
           <a:xfrm>
-            <a:off x="783875" y="681675"/>
-            <a:ext cx="7014400" cy="4419600"/>
-          </a:xfrm>
-          <a:prstGeom prst="rect">
-            <a:avLst/>
-          </a:prstGeom>
-          <a:noFill/>
-          <a:ln>
-            <a:noFill/>
-          </a:ln>
-        </p:spPr>
-      </p:pic>
-      <p:pic>
-        <p:nvPicPr>
-          <p:cNvPr id="270" name="Google Shape;270;p21"/>
-          <p:cNvPicPr preferRelativeResize="0"/>
-          <p:nvPr/>
-        </p:nvPicPr>
-        <p:blipFill>
-          <a:blip r:embed="rId4">
-            <a:alphaModFix/>
-          </a:blip>
-          <a:stretch>
-            <a:fillRect/>
-          </a:stretch>
-        </p:blipFill>
-        <p:spPr>
-          <a:xfrm>
             <a:off x="745675" y="460750"/>
             <a:ext cx="6958549" cy="4447675"/>
           </a:xfrm>
@@ -23072,7 +23560,7 @@
       </p:pic>
       <p:sp>
         <p:nvSpPr>
-          <p:cNvPr id="271" name="Google Shape;271;p21"/>
+          <p:cNvPr id="270" name="Google Shape;270;p21"/>
           <p:cNvSpPr txBox="1"/>
           <p:nvPr>
             <p:ph type="title"/>
@@ -23112,7 +23600,7 @@
       </p:sp>
       <p:grpSp>
         <p:nvGrpSpPr>
-          <p:cNvPr id="272" name="Google Shape;272;p21"/>
+          <p:cNvPr id="271" name="Google Shape;271;p21"/>
           <p:cNvGrpSpPr/>
           <p:nvPr/>
         </p:nvGrpSpPr>
@@ -23126,7 +23614,7 @@
         </p:grpSpPr>
         <p:sp>
           <p:nvSpPr>
-            <p:cNvPr id="273" name="Google Shape;273;p21"/>
+            <p:cNvPr id="272" name="Google Shape;272;p21"/>
             <p:cNvSpPr/>
             <p:nvPr/>
           </p:nvSpPr>
@@ -23173,7 +23661,7 @@
         </p:sp>
         <p:sp>
           <p:nvSpPr>
-            <p:cNvPr id="274" name="Google Shape;274;p21"/>
+            <p:cNvPr id="273" name="Google Shape;273;p21"/>
             <p:cNvSpPr/>
             <p:nvPr/>
           </p:nvSpPr>
@@ -23221,7 +23709,7 @@
       </p:grpSp>
       <p:sp>
         <p:nvSpPr>
-          <p:cNvPr id="275" name="Google Shape;275;p21"/>
+          <p:cNvPr id="274" name="Google Shape;274;p21"/>
           <p:cNvSpPr/>
           <p:nvPr/>
         </p:nvSpPr>
@@ -23270,7 +23758,7 @@
       </p:sp>
       <p:sp>
         <p:nvSpPr>
-          <p:cNvPr id="276" name="Google Shape;276;p21"/>
+          <p:cNvPr id="275" name="Google Shape;275;p21"/>
           <p:cNvSpPr/>
           <p:nvPr/>
         </p:nvSpPr>
@@ -23319,7 +23807,7 @@
       </p:sp>
       <p:sp>
         <p:nvSpPr>
-          <p:cNvPr id="277" name="Google Shape;277;p21"/>
+          <p:cNvPr id="276" name="Google Shape;276;p21"/>
           <p:cNvSpPr txBox="1"/>
           <p:nvPr/>
         </p:nvSpPr>
@@ -23417,7 +23905,7 @@
                                           </p:stCondLst>
                                         </p:cTn>
                                         <p:tgtEl>
-                                          <p:spTgt spid="270"/>
+                                          <p:spTgt spid="269"/>
                                         </p:tgtEl>
                                         <p:attrNameLst>
                                           <p:attrName>style.visibility</p:attrName>
@@ -23431,7 +23919,7 @@
                                       <p:cBhvr>
                                         <p:cTn dur="3500"/>
                                         <p:tgtEl>
-                                          <p:spTgt spid="270"/>
+                                          <p:spTgt spid="269"/>
                                         </p:tgtEl>
                                       </p:cBhvr>
                                     </p:animEffect>
@@ -23470,7 +23958,7 @@
                                           </p:stCondLst>
                                         </p:cTn>
                                         <p:tgtEl>
-                                          <p:spTgt spid="272"/>
+                                          <p:spTgt spid="271"/>
                                         </p:tgtEl>
                                         <p:attrNameLst>
                                           <p:attrName>style.visibility</p:attrName>
@@ -23484,139 +23972,7 @@
                                       <p:cBhvr>
                                         <p:cTn dur="1000"/>
                                         <p:tgtEl>
-                                          <p:spTgt spid="272"/>
-                                        </p:tgtEl>
-                                      </p:cBhvr>
-                                    </p:animEffect>
-                                  </p:childTnLst>
-                                </p:cTn>
-                              </p:par>
-                            </p:childTnLst>
-                          </p:cTn>
-                        </p:par>
-                      </p:childTnLst>
-                    </p:cTn>
-                  </p:par>
-                  <p:par>
-                    <p:cTn fill="hold">
-                      <p:stCondLst>
-                        <p:cond delay="indefinite"/>
-                      </p:stCondLst>
-                      <p:childTnLst>
-                        <p:par>
-                          <p:cTn fill="hold">
-                            <p:stCondLst>
-                              <p:cond delay="0"/>
-                            </p:stCondLst>
-                            <p:childTnLst>
-                              <p:par>
-                                <p:cTn fill="hold" nodeType="clickEffect" presetClass="exit" presetID="10" presetSubtype="0">
-                                  <p:stCondLst>
-                                    <p:cond delay="0"/>
-                                  </p:stCondLst>
-                                  <p:childTnLst>
-                                    <p:animEffect filter="fade" transition="out">
-                                      <p:cBhvr>
-                                        <p:cTn dur="1000"/>
-                                        <p:tgtEl>
-                                          <p:spTgt spid="270"/>
-                                        </p:tgtEl>
-                                      </p:cBhvr>
-                                    </p:animEffect>
-                                    <p:set>
-                                      <p:cBhvr>
-                                        <p:cTn dur="1" fill="hold">
-                                          <p:stCondLst>
-                                            <p:cond delay="1000"/>
-                                          </p:stCondLst>
-                                        </p:cTn>
-                                        <p:tgtEl>
-                                          <p:spTgt spid="270"/>
-                                        </p:tgtEl>
-                                        <p:attrNameLst>
-                                          <p:attrName>style.visibility</p:attrName>
-                                        </p:attrNameLst>
-                                      </p:cBhvr>
-                                      <p:to>
-                                        <p:strVal val="hidden"/>
-                                      </p:to>
-                                    </p:set>
-                                  </p:childTnLst>
-                                </p:cTn>
-                              </p:par>
-                              <p:par>
-                                <p:cTn fill="hold" nodeType="withEffect" presetClass="exit" presetID="10" presetSubtype="0">
-                                  <p:stCondLst>
-                                    <p:cond delay="0"/>
-                                  </p:stCondLst>
-                                  <p:childTnLst>
-                                    <p:animEffect filter="fade" transition="out">
-                                      <p:cBhvr>
-                                        <p:cTn dur="1000"/>
-                                        <p:tgtEl>
-                                          <p:spTgt spid="272"/>
-                                        </p:tgtEl>
-                                      </p:cBhvr>
-                                    </p:animEffect>
-                                    <p:set>
-                                      <p:cBhvr>
-                                        <p:cTn dur="1" fill="hold">
-                                          <p:stCondLst>
-                                            <p:cond delay="1000"/>
-                                          </p:stCondLst>
-                                        </p:cTn>
-                                        <p:tgtEl>
-                                          <p:spTgt spid="272"/>
-                                        </p:tgtEl>
-                                        <p:attrNameLst>
-                                          <p:attrName>style.visibility</p:attrName>
-                                        </p:attrNameLst>
-                                      </p:cBhvr>
-                                      <p:to>
-                                        <p:strVal val="hidden"/>
-                                      </p:to>
-                                    </p:set>
-                                  </p:childTnLst>
-                                </p:cTn>
-                              </p:par>
-                            </p:childTnLst>
-                          </p:cTn>
-                        </p:par>
-                        <p:par>
-                          <p:cTn fill="hold">
-                            <p:stCondLst>
-                              <p:cond delay="1000"/>
-                            </p:stCondLst>
-                            <p:childTnLst>
-                              <p:par>
-                                <p:cTn fill="hold" nodeType="afterEffect" presetClass="entr" presetID="10" presetSubtype="0">
-                                  <p:stCondLst>
-                                    <p:cond delay="0"/>
-                                  </p:stCondLst>
-                                  <p:childTnLst>
-                                    <p:set>
-                                      <p:cBhvr>
-                                        <p:cTn dur="1" fill="hold">
-                                          <p:stCondLst>
-                                            <p:cond delay="0"/>
-                                          </p:stCondLst>
-                                        </p:cTn>
-                                        <p:tgtEl>
-                                          <p:spTgt spid="269"/>
-                                        </p:tgtEl>
-                                        <p:attrNameLst>
-                                          <p:attrName>style.visibility</p:attrName>
-                                        </p:attrNameLst>
-                                      </p:cBhvr>
-                                      <p:to>
-                                        <p:strVal val="visible"/>
-                                      </p:to>
-                                    </p:set>
-                                    <p:animEffect filter="fade" transition="in">
-                                      <p:cBhvr>
-                                        <p:cTn dur="1000"/>
-                                        <p:tgtEl>
-                                          <p:spTgt spid="269"/>
+                                          <p:spTgt spid="271"/>
                                         </p:tgtEl>
                                       </p:cBhvr>
                                     </p:animEffect>
@@ -23655,6 +24011,285 @@
 </file>
 
 <file path=ppt/theme/theme1.xml><?xml version="1.0" encoding="utf-8"?>
+<a:theme xmlns:a="http://schemas.openxmlformats.org/drawingml/2006/main" xmlns:r="http://schemas.openxmlformats.org/officeDocument/2006/relationships">
+  <a:themeElements>
+    <a:clrScheme name="Default">
+      <a:dk1>
+        <a:srgbClr val="000000"/>
+      </a:dk1>
+      <a:lt1>
+        <a:srgbClr val="FFFFFF"/>
+      </a:lt1>
+      <a:dk2>
+        <a:srgbClr val="158158"/>
+      </a:dk2>
+      <a:lt2>
+        <a:srgbClr val="F3F3F3"/>
+      </a:lt2>
+      <a:accent1>
+        <a:srgbClr val="058DC7"/>
+      </a:accent1>
+      <a:accent2>
+        <a:srgbClr val="50B432"/>
+      </a:accent2>
+      <a:accent3>
+        <a:srgbClr val="ED561B"/>
+      </a:accent3>
+      <a:accent4>
+        <a:srgbClr val="EDEF00"/>
+      </a:accent4>
+      <a:accent5>
+        <a:srgbClr val="24CBE5"/>
+      </a:accent5>
+      <a:accent6>
+        <a:srgbClr val="64E572"/>
+      </a:accent6>
+      <a:hlink>
+        <a:srgbClr val="2200CC"/>
+      </a:hlink>
+      <a:folHlink>
+        <a:srgbClr val="551A8B"/>
+      </a:folHlink>
+    </a:clrScheme>
+    <a:fontScheme name="Office">
+      <a:majorFont>
+        <a:latin typeface="Arial"/>
+        <a:ea typeface=""/>
+        <a:cs typeface=""/>
+        <a:font script="Jpan" typeface="ＭＳ Ｐゴシック"/>
+        <a:font script="Hang" typeface="맑은 고딕"/>
+        <a:font script="Hans" typeface="宋体"/>
+        <a:font script="Hant" typeface="新細明體"/>
+        <a:font script="Arab" typeface="Times New Roman"/>
+        <a:font script="Hebr" typeface="Times New Roman"/>
+        <a:font script="Thai" typeface="Angsana New"/>
+        <a:font script="Ethi" typeface="Nyala"/>
+        <a:font script="Beng" typeface="Vrinda"/>
+        <a:font script="Gujr" typeface="Shruti"/>
+        <a:font script="Khmr" typeface="MoolBoran"/>
+        <a:font script="Knda" typeface="Tunga"/>
+        <a:font script="Guru" typeface="Raavi"/>
+        <a:font script="Cans" typeface="Euphemia"/>
+        <a:font script="Cher" typeface="Plantagenet Cherokee"/>
+        <a:font script="Yiii" typeface="Microsoft Yi Baiti"/>
+        <a:font script="Tibt" typeface="Microsoft Himalaya"/>
+        <a:font script="Thaa" typeface="MV Boli"/>
+        <a:font script="Deva" typeface="Mangal"/>
+        <a:font script="Telu" typeface="Gautami"/>
+        <a:font script="Taml" typeface="Latha"/>
+        <a:font script="Syrc" typeface="Estrangelo Edessa"/>
+        <a:font script="Orya" typeface="Kalinga"/>
+        <a:font script="Mlym" typeface="Kartika"/>
+        <a:font script="Laoo" typeface="DokChampa"/>
+        <a:font script="Sinh" typeface="Iskoola Pota"/>
+        <a:font script="Mong" typeface="Mongolian Baiti"/>
+        <a:font script="Viet" typeface="Times New Roman"/>
+        <a:font script="Uigh" typeface="Microsoft Uighur"/>
+        <a:font script="Geor" typeface="Sylfaen"/>
+      </a:majorFont>
+      <a:minorFont>
+        <a:latin typeface="Arial"/>
+        <a:ea typeface=""/>
+        <a:cs typeface=""/>
+        <a:font script="Jpan" typeface="ＭＳ Ｐゴシック"/>
+        <a:font script="Hang" typeface="맑은 고딕"/>
+        <a:font script="Hans" typeface="宋体"/>
+        <a:font script="Hant" typeface="新細明體"/>
+        <a:font script="Arab" typeface="Arial"/>
+        <a:font script="Hebr" typeface="Arial"/>
+        <a:font script="Thai" typeface="Cordia New"/>
+        <a:font script="Ethi" typeface="Nyala"/>
+        <a:font script="Beng" typeface="Vrinda"/>
+        <a:font script="Gujr" typeface="Shruti"/>
+        <a:font script="Khmr" typeface="DaunPenh"/>
+        <a:font script="Knda" typeface="Tunga"/>
+        <a:font script="Guru" typeface="Raavi"/>
+        <a:font script="Cans" typeface="Euphemia"/>
+        <a:font script="Cher" typeface="Plantagenet Cherokee"/>
+        <a:font script="Yiii" typeface="Microsoft Yi Baiti"/>
+        <a:font script="Tibt" typeface="Microsoft Himalaya"/>
+        <a:font script="Thaa" typeface="MV Boli"/>
+        <a:font script="Deva" typeface="Mangal"/>
+        <a:font script="Telu" typeface="Gautami"/>
+        <a:font script="Taml" typeface="Latha"/>
+        <a:font script="Syrc" typeface="Estrangelo Edessa"/>
+        <a:font script="Orya" typeface="Kalinga"/>
+        <a:font script="Mlym" typeface="Kartika"/>
+        <a:font script="Laoo" typeface="DokChampa"/>
+        <a:font script="Sinh" typeface="Iskoola Pota"/>
+        <a:font script="Mong" typeface="Mongolian Baiti"/>
+        <a:font script="Viet" typeface="Arial"/>
+        <a:font script="Uigh" typeface="Microsoft Uighur"/>
+        <a:font script="Geor" typeface="Sylfaen"/>
+      </a:minorFont>
+    </a:fontScheme>
+    <a:fmtScheme name="Office">
+      <a:fillStyleLst>
+        <a:solidFill>
+          <a:schemeClr val="phClr"/>
+        </a:solidFill>
+        <a:gradFill rotWithShape="1">
+          <a:gsLst>
+            <a:gs pos="0">
+              <a:schemeClr val="phClr">
+                <a:tint val="50000"/>
+                <a:satMod val="300000"/>
+              </a:schemeClr>
+            </a:gs>
+            <a:gs pos="35000">
+              <a:schemeClr val="phClr">
+                <a:tint val="37000"/>
+                <a:satMod val="300000"/>
+              </a:schemeClr>
+            </a:gs>
+            <a:gs pos="100000">
+              <a:schemeClr val="phClr">
+                <a:tint val="15000"/>
+                <a:satMod val="350000"/>
+              </a:schemeClr>
+            </a:gs>
+          </a:gsLst>
+          <a:lin ang="16200000" scaled="1"/>
+        </a:gradFill>
+        <a:gradFill rotWithShape="1">
+          <a:gsLst>
+            <a:gs pos="0">
+              <a:schemeClr val="phClr">
+                <a:tint val="100000"/>
+                <a:shade val="100000"/>
+                <a:satMod val="130000"/>
+              </a:schemeClr>
+            </a:gs>
+            <a:gs pos="100000">
+              <a:schemeClr val="phClr">
+                <a:tint val="50000"/>
+                <a:shade val="100000"/>
+                <a:satMod val="350000"/>
+              </a:schemeClr>
+            </a:gs>
+          </a:gsLst>
+          <a:lin ang="16200000" scaled="0"/>
+        </a:gradFill>
+      </a:fillStyleLst>
+      <a:lnStyleLst>
+        <a:ln w="9525" cap="flat" cmpd="sng" algn="ctr">
+          <a:solidFill>
+            <a:schemeClr val="phClr">
+              <a:shade val="95000"/>
+              <a:satMod val="105000"/>
+            </a:schemeClr>
+          </a:solidFill>
+          <a:prstDash val="solid"/>
+        </a:ln>
+        <a:ln w="25400" cap="flat" cmpd="sng" algn="ctr">
+          <a:solidFill>
+            <a:schemeClr val="phClr"/>
+          </a:solidFill>
+          <a:prstDash val="solid"/>
+        </a:ln>
+        <a:ln w="38100" cap="flat" cmpd="sng" algn="ctr">
+          <a:solidFill>
+            <a:schemeClr val="phClr"/>
+          </a:solidFill>
+          <a:prstDash val="solid"/>
+        </a:ln>
+      </a:lnStyleLst>
+      <a:effectStyleLst>
+        <a:effectStyle>
+          <a:effectLst>
+            <a:outerShdw blurRad="40000" dist="20000" dir="5400000" rotWithShape="0">
+              <a:srgbClr val="000000">
+                <a:alpha val="38000"/>
+              </a:srgbClr>
+            </a:outerShdw>
+          </a:effectLst>
+        </a:effectStyle>
+        <a:effectStyle>
+          <a:effectLst>
+            <a:outerShdw blurRad="40000" dist="23000" dir="5400000" rotWithShape="0">
+              <a:srgbClr val="000000">
+                <a:alpha val="35000"/>
+              </a:srgbClr>
+            </a:outerShdw>
+          </a:effectLst>
+        </a:effectStyle>
+        <a:effectStyle>
+          <a:effectLst>
+            <a:outerShdw blurRad="40000" dist="23000" dir="5400000" rotWithShape="0">
+              <a:srgbClr val="000000">
+                <a:alpha val="35000"/>
+              </a:srgbClr>
+            </a:outerShdw>
+          </a:effectLst>
+          <a:scene3d>
+            <a:camera prst="orthographicFront">
+              <a:rot lat="0" lon="0" rev="0"/>
+            </a:camera>
+            <a:lightRig rig="threePt" dir="t">
+              <a:rot lat="0" lon="0" rev="1200000"/>
+            </a:lightRig>
+          </a:scene3d>
+          <a:sp3d>
+            <a:bevelT w="63500" h="25400"/>
+          </a:sp3d>
+        </a:effectStyle>
+      </a:effectStyleLst>
+      <a:bgFillStyleLst>
+        <a:solidFill>
+          <a:schemeClr val="phClr"/>
+        </a:solidFill>
+        <a:gradFill rotWithShape="1">
+          <a:gsLst>
+            <a:gs pos="0">
+              <a:schemeClr val="phClr">
+                <a:tint val="40000"/>
+                <a:satMod val="350000"/>
+              </a:schemeClr>
+            </a:gs>
+            <a:gs pos="40000">
+              <a:schemeClr val="phClr">
+                <a:tint val="45000"/>
+                <a:shade val="99000"/>
+                <a:satMod val="350000"/>
+              </a:schemeClr>
+            </a:gs>
+            <a:gs pos="100000">
+              <a:schemeClr val="phClr">
+                <a:shade val="20000"/>
+                <a:satMod val="255000"/>
+              </a:schemeClr>
+            </a:gs>
+          </a:gsLst>
+          <a:path path="circle">
+            <a:fillToRect l="50000" t="-80000" r="50000" b="180000"/>
+          </a:path>
+        </a:gradFill>
+        <a:gradFill rotWithShape="1">
+          <a:gsLst>
+            <a:gs pos="0">
+              <a:schemeClr val="phClr">
+                <a:tint val="80000"/>
+                <a:satMod val="300000"/>
+              </a:schemeClr>
+            </a:gs>
+            <a:gs pos="100000">
+              <a:schemeClr val="phClr">
+                <a:shade val="30000"/>
+                <a:satMod val="200000"/>
+              </a:schemeClr>
+            </a:gs>
+          </a:gsLst>
+          <a:path path="circle">
+            <a:fillToRect l="50000" t="50000" r="50000" b="50000"/>
+          </a:path>
+        </a:gradFill>
+      </a:bgFillStyleLst>
+    </a:fmtScheme>
+  </a:themeElements>
+</a:theme>
+</file>
+
+<file path=ppt/theme/theme2.xml><?xml version="1.0" encoding="utf-8"?>
 <a:theme xmlns:a="http://schemas.openxmlformats.org/drawingml/2006/main" xmlns:r="http://schemas.openxmlformats.org/officeDocument/2006/relationships" name="Shift">
   <a:themeElements>
     <a:clrScheme name="Shift">
@@ -23931,283 +24566,4 @@
     </a:fmtScheme>
   </a:themeElements>
 </a:theme>
-</file>
-
-<file path=ppt/theme/theme2.xml><?xml version="1.0" encoding="utf-8"?>
-<a:theme xmlns:a="http://schemas.openxmlformats.org/drawingml/2006/main" xmlns:r="http://schemas.openxmlformats.org/officeDocument/2006/relationships">
-  <a:themeElements>
-    <a:clrScheme name="Default">
-      <a:dk1>
-        <a:srgbClr val="000000"/>
-      </a:dk1>
-      <a:lt1>
-        <a:srgbClr val="FFFFFF"/>
-      </a:lt1>
-      <a:dk2>
-        <a:srgbClr val="158158"/>
-      </a:dk2>
-      <a:lt2>
-        <a:srgbClr val="F3F3F3"/>
-      </a:lt2>
-      <a:accent1>
-        <a:srgbClr val="058DC7"/>
-      </a:accent1>
-      <a:accent2>
-        <a:srgbClr val="50B432"/>
-      </a:accent2>
-      <a:accent3>
-        <a:srgbClr val="ED561B"/>
-      </a:accent3>
-      <a:accent4>
-        <a:srgbClr val="EDEF00"/>
-      </a:accent4>
-      <a:accent5>
-        <a:srgbClr val="24CBE5"/>
-      </a:accent5>
-      <a:accent6>
-        <a:srgbClr val="64E572"/>
-      </a:accent6>
-      <a:hlink>
-        <a:srgbClr val="2200CC"/>
-      </a:hlink>
-      <a:folHlink>
-        <a:srgbClr val="551A8B"/>
-      </a:folHlink>
-    </a:clrScheme>
-    <a:fontScheme name="Office">
-      <a:majorFont>
-        <a:latin typeface="Arial"/>
-        <a:ea typeface=""/>
-        <a:cs typeface=""/>
-        <a:font script="Jpan" typeface="ＭＳ Ｐゴシック"/>
-        <a:font script="Hang" typeface="맑은 고딕"/>
-        <a:font script="Hans" typeface="宋体"/>
-        <a:font script="Hant" typeface="新細明體"/>
-        <a:font script="Arab" typeface="Times New Roman"/>
-        <a:font script="Hebr" typeface="Times New Roman"/>
-        <a:font script="Thai" typeface="Angsana New"/>
-        <a:font script="Ethi" typeface="Nyala"/>
-        <a:font script="Beng" typeface="Vrinda"/>
-        <a:font script="Gujr" typeface="Shruti"/>
-        <a:font script="Khmr" typeface="MoolBoran"/>
-        <a:font script="Knda" typeface="Tunga"/>
-        <a:font script="Guru" typeface="Raavi"/>
-        <a:font script="Cans" typeface="Euphemia"/>
-        <a:font script="Cher" typeface="Plantagenet Cherokee"/>
-        <a:font script="Yiii" typeface="Microsoft Yi Baiti"/>
-        <a:font script="Tibt" typeface="Microsoft Himalaya"/>
-        <a:font script="Thaa" typeface="MV Boli"/>
-        <a:font script="Deva" typeface="Mangal"/>
-        <a:font script="Telu" typeface="Gautami"/>
-        <a:font script="Taml" typeface="Latha"/>
-        <a:font script="Syrc" typeface="Estrangelo Edessa"/>
-        <a:font script="Orya" typeface="Kalinga"/>
-        <a:font script="Mlym" typeface="Kartika"/>
-        <a:font script="Laoo" typeface="DokChampa"/>
-        <a:font script="Sinh" typeface="Iskoola Pota"/>
-        <a:font script="Mong" typeface="Mongolian Baiti"/>
-        <a:font script="Viet" typeface="Times New Roman"/>
-        <a:font script="Uigh" typeface="Microsoft Uighur"/>
-        <a:font script="Geor" typeface="Sylfaen"/>
-      </a:majorFont>
-      <a:minorFont>
-        <a:latin typeface="Arial"/>
-        <a:ea typeface=""/>
-        <a:cs typeface=""/>
-        <a:font script="Jpan" typeface="ＭＳ Ｐゴシック"/>
-        <a:font script="Hang" typeface="맑은 고딕"/>
-        <a:font script="Hans" typeface="宋体"/>
-        <a:font script="Hant" typeface="新細明體"/>
-        <a:font script="Arab" typeface="Arial"/>
-        <a:font script="Hebr" typeface="Arial"/>
-        <a:font script="Thai" typeface="Cordia New"/>
-        <a:font script="Ethi" typeface="Nyala"/>
-        <a:font script="Beng" typeface="Vrinda"/>
-        <a:font script="Gujr" typeface="Shruti"/>
-        <a:font script="Khmr" typeface="DaunPenh"/>
-        <a:font script="Knda" typeface="Tunga"/>
-        <a:font script="Guru" typeface="Raavi"/>
-        <a:font script="Cans" typeface="Euphemia"/>
-        <a:font script="Cher" typeface="Plantagenet Cherokee"/>
-        <a:font script="Yiii" typeface="Microsoft Yi Baiti"/>
-        <a:font script="Tibt" typeface="Microsoft Himalaya"/>
-        <a:font script="Thaa" typeface="MV Boli"/>
-        <a:font script="Deva" typeface="Mangal"/>
-        <a:font script="Telu" typeface="Gautami"/>
-        <a:font script="Taml" typeface="Latha"/>
-        <a:font script="Syrc" typeface="Estrangelo Edessa"/>
-        <a:font script="Orya" typeface="Kalinga"/>
-        <a:font script="Mlym" typeface="Kartika"/>
-        <a:font script="Laoo" typeface="DokChampa"/>
-        <a:font script="Sinh" typeface="Iskoola Pota"/>
-        <a:font script="Mong" typeface="Mongolian Baiti"/>
-        <a:font script="Viet" typeface="Arial"/>
-        <a:font script="Uigh" typeface="Microsoft Uighur"/>
-        <a:font script="Geor" typeface="Sylfaen"/>
-      </a:minorFont>
-    </a:fontScheme>
-    <a:fmtScheme name="Office">
-      <a:fillStyleLst>
-        <a:solidFill>
-          <a:schemeClr val="phClr"/>
-        </a:solidFill>
-        <a:gradFill rotWithShape="1">
-          <a:gsLst>
-            <a:gs pos="0">
-              <a:schemeClr val="phClr">
-                <a:tint val="50000"/>
-                <a:satMod val="300000"/>
-              </a:schemeClr>
-            </a:gs>
-            <a:gs pos="35000">
-              <a:schemeClr val="phClr">
-                <a:tint val="37000"/>
-                <a:satMod val="300000"/>
-              </a:schemeClr>
-            </a:gs>
-            <a:gs pos="100000">
-              <a:schemeClr val="phClr">
-                <a:tint val="15000"/>
-                <a:satMod val="350000"/>
-              </a:schemeClr>
-            </a:gs>
-          </a:gsLst>
-          <a:lin ang="16200000" scaled="1"/>
-        </a:gradFill>
-        <a:gradFill rotWithShape="1">
-          <a:gsLst>
-            <a:gs pos="0">
-              <a:schemeClr val="phClr">
-                <a:tint val="100000"/>
-                <a:shade val="100000"/>
-                <a:satMod val="130000"/>
-              </a:schemeClr>
-            </a:gs>
-            <a:gs pos="100000">
-              <a:schemeClr val="phClr">
-                <a:tint val="50000"/>
-                <a:shade val="100000"/>
-                <a:satMod val="350000"/>
-              </a:schemeClr>
-            </a:gs>
-          </a:gsLst>
-          <a:lin ang="16200000" scaled="0"/>
-        </a:gradFill>
-      </a:fillStyleLst>
-      <a:lnStyleLst>
-        <a:ln w="9525" cap="flat" cmpd="sng" algn="ctr">
-          <a:solidFill>
-            <a:schemeClr val="phClr">
-              <a:shade val="95000"/>
-              <a:satMod val="105000"/>
-            </a:schemeClr>
-          </a:solidFill>
-          <a:prstDash val="solid"/>
-        </a:ln>
-        <a:ln w="25400" cap="flat" cmpd="sng" algn="ctr">
-          <a:solidFill>
-            <a:schemeClr val="phClr"/>
-          </a:solidFill>
-          <a:prstDash val="solid"/>
-        </a:ln>
-        <a:ln w="38100" cap="flat" cmpd="sng" algn="ctr">
-          <a:solidFill>
-            <a:schemeClr val="phClr"/>
-          </a:solidFill>
-          <a:prstDash val="solid"/>
-        </a:ln>
-      </a:lnStyleLst>
-      <a:effectStyleLst>
-        <a:effectStyle>
-          <a:effectLst>
-            <a:outerShdw blurRad="40000" dist="20000" dir="5400000" rotWithShape="0">
-              <a:srgbClr val="000000">
-                <a:alpha val="38000"/>
-              </a:srgbClr>
-            </a:outerShdw>
-          </a:effectLst>
-        </a:effectStyle>
-        <a:effectStyle>
-          <a:effectLst>
-            <a:outerShdw blurRad="40000" dist="23000" dir="5400000" rotWithShape="0">
-              <a:srgbClr val="000000">
-                <a:alpha val="35000"/>
-              </a:srgbClr>
-            </a:outerShdw>
-          </a:effectLst>
-        </a:effectStyle>
-        <a:effectStyle>
-          <a:effectLst>
-            <a:outerShdw blurRad="40000" dist="23000" dir="5400000" rotWithShape="0">
-              <a:srgbClr val="000000">
-                <a:alpha val="35000"/>
-              </a:srgbClr>
-            </a:outerShdw>
-          </a:effectLst>
-          <a:scene3d>
-            <a:camera prst="orthographicFront">
-              <a:rot lat="0" lon="0" rev="0"/>
-            </a:camera>
-            <a:lightRig rig="threePt" dir="t">
-              <a:rot lat="0" lon="0" rev="1200000"/>
-            </a:lightRig>
-          </a:scene3d>
-          <a:sp3d>
-            <a:bevelT w="63500" h="25400"/>
-          </a:sp3d>
-        </a:effectStyle>
-      </a:effectStyleLst>
-      <a:bgFillStyleLst>
-        <a:solidFill>
-          <a:schemeClr val="phClr"/>
-        </a:solidFill>
-        <a:gradFill rotWithShape="1">
-          <a:gsLst>
-            <a:gs pos="0">
-              <a:schemeClr val="phClr">
-                <a:tint val="40000"/>
-                <a:satMod val="350000"/>
-              </a:schemeClr>
-            </a:gs>
-            <a:gs pos="40000">
-              <a:schemeClr val="phClr">
-                <a:tint val="45000"/>
-                <a:shade val="99000"/>
-                <a:satMod val="350000"/>
-              </a:schemeClr>
-            </a:gs>
-            <a:gs pos="100000">
-              <a:schemeClr val="phClr">
-                <a:shade val="20000"/>
-                <a:satMod val="255000"/>
-              </a:schemeClr>
-            </a:gs>
-          </a:gsLst>
-          <a:path path="circle">
-            <a:fillToRect l="50000" t="-80000" r="50000" b="180000"/>
-          </a:path>
-        </a:gradFill>
-        <a:gradFill rotWithShape="1">
-          <a:gsLst>
-            <a:gs pos="0">
-              <a:schemeClr val="phClr">
-                <a:tint val="80000"/>
-                <a:satMod val="300000"/>
-              </a:schemeClr>
-            </a:gs>
-            <a:gs pos="100000">
-              <a:schemeClr val="phClr">
-                <a:shade val="30000"/>
-                <a:satMod val="200000"/>
-              </a:schemeClr>
-            </a:gs>
-          </a:gsLst>
-          <a:path path="circle">
-            <a:fillToRect l="50000" t="50000" r="50000" b="50000"/>
-          </a:path>
-        </a:gradFill>
-      </a:bgFillStyleLst>
-    </a:fmtScheme>
-  </a:themeElements>
-</a:theme>
 </file>
--- a/Presentation/Project 1.pptx
+++ b/Presentation/Project 1.pptx
@@ -1039,6 +1039,38 @@
             <a:r>
               <a:rPr lang="en"/>
               <a:t> noise as well as using rolling mean and standard deviation. Using these techniques we were able to better capture the significant peaks of the VIX</a:t>
+            </a:r>
+            <a:endParaRPr/>
+          </a:p>
+          <a:p>
+            <a:pPr indent="0" lvl="0" marL="0" rtl="0" algn="l">
+              <a:spcBef>
+                <a:spcPts val="0"/>
+              </a:spcBef>
+              <a:spcAft>
+                <a:spcPts val="0"/>
+              </a:spcAft>
+              <a:buNone/>
+            </a:pPr>
+            <a:r>
+              <a:rPr lang="en"/>
+              <a:t>*</a:t>
+            </a:r>
+            <a:endParaRPr/>
+          </a:p>
+          <a:p>
+            <a:pPr indent="0" lvl="0" marL="0" rtl="0" algn="l">
+              <a:spcBef>
+                <a:spcPts val="0"/>
+              </a:spcBef>
+              <a:spcAft>
+                <a:spcPts val="0"/>
+              </a:spcAft>
+              <a:buNone/>
+            </a:pPr>
+            <a:r>
+              <a:rPr lang="en"/>
+              <a:t>One of the first things we look at is the space between these peaks, we see, on average the number of days between peaks is 30 Calendar Days</a:t>
             </a:r>
             <a:endParaRPr/>
           </a:p>
@@ -24011,6 +24043,285 @@
 </file>
 
 <file path=ppt/theme/theme1.xml><?xml version="1.0" encoding="utf-8"?>
+<a:theme xmlns:a="http://schemas.openxmlformats.org/drawingml/2006/main" xmlns:r="http://schemas.openxmlformats.org/officeDocument/2006/relationships" name="Shift">
+  <a:themeElements>
+    <a:clrScheme name="Shift">
+      <a:dk1>
+        <a:srgbClr val="FFFFFF"/>
+      </a:dk1>
+      <a:lt1>
+        <a:srgbClr val="AF7B51"/>
+      </a:lt1>
+      <a:dk2>
+        <a:srgbClr val="233A44"/>
+      </a:dk2>
+      <a:lt2>
+        <a:srgbClr val="D9D9D9"/>
+      </a:lt2>
+      <a:accent1>
+        <a:srgbClr val="00796B"/>
+      </a:accent1>
+      <a:accent2>
+        <a:srgbClr val="D9563F"/>
+      </a:accent2>
+      <a:accent3>
+        <a:srgbClr val="C4A15A"/>
+      </a:accent3>
+      <a:accent4>
+        <a:srgbClr val="14F597"/>
+      </a:accent4>
+      <a:accent5>
+        <a:srgbClr val="3D4594"/>
+      </a:accent5>
+      <a:accent6>
+        <a:srgbClr val="163EF5"/>
+      </a:accent6>
+      <a:hlink>
+        <a:srgbClr val="3D4594"/>
+      </a:hlink>
+      <a:folHlink>
+        <a:srgbClr val="3D4594"/>
+      </a:folHlink>
+    </a:clrScheme>
+    <a:fontScheme name="Office">
+      <a:majorFont>
+        <a:latin typeface="Arial"/>
+        <a:ea typeface=""/>
+        <a:cs typeface=""/>
+        <a:font script="Jpan" typeface="ＭＳ Ｐゴシック"/>
+        <a:font script="Hang" typeface="맑은 고딕"/>
+        <a:font script="Hans" typeface="宋体"/>
+        <a:font script="Hant" typeface="新細明體"/>
+        <a:font script="Arab" typeface="Times New Roman"/>
+        <a:font script="Hebr" typeface="Times New Roman"/>
+        <a:font script="Thai" typeface="Angsana New"/>
+        <a:font script="Ethi" typeface="Nyala"/>
+        <a:font script="Beng" typeface="Vrinda"/>
+        <a:font script="Gujr" typeface="Shruti"/>
+        <a:font script="Khmr" typeface="MoolBoran"/>
+        <a:font script="Knda" typeface="Tunga"/>
+        <a:font script="Guru" typeface="Raavi"/>
+        <a:font script="Cans" typeface="Euphemia"/>
+        <a:font script="Cher" typeface="Plantagenet Cherokee"/>
+        <a:font script="Yiii" typeface="Microsoft Yi Baiti"/>
+        <a:font script="Tibt" typeface="Microsoft Himalaya"/>
+        <a:font script="Thaa" typeface="MV Boli"/>
+        <a:font script="Deva" typeface="Mangal"/>
+        <a:font script="Telu" typeface="Gautami"/>
+        <a:font script="Taml" typeface="Latha"/>
+        <a:font script="Syrc" typeface="Estrangelo Edessa"/>
+        <a:font script="Orya" typeface="Kalinga"/>
+        <a:font script="Mlym" typeface="Kartika"/>
+        <a:font script="Laoo" typeface="DokChampa"/>
+        <a:font script="Sinh" typeface="Iskoola Pota"/>
+        <a:font script="Mong" typeface="Mongolian Baiti"/>
+        <a:font script="Viet" typeface="Times New Roman"/>
+        <a:font script="Uigh" typeface="Microsoft Uighur"/>
+        <a:font script="Geor" typeface="Sylfaen"/>
+      </a:majorFont>
+      <a:minorFont>
+        <a:latin typeface="Arial"/>
+        <a:ea typeface=""/>
+        <a:cs typeface=""/>
+        <a:font script="Jpan" typeface="ＭＳ Ｐゴシック"/>
+        <a:font script="Hang" typeface="맑은 고딕"/>
+        <a:font script="Hans" typeface="宋体"/>
+        <a:font script="Hant" typeface="新細明體"/>
+        <a:font script="Arab" typeface="Arial"/>
+        <a:font script="Hebr" typeface="Arial"/>
+        <a:font script="Thai" typeface="Cordia New"/>
+        <a:font script="Ethi" typeface="Nyala"/>
+        <a:font script="Beng" typeface="Vrinda"/>
+        <a:font script="Gujr" typeface="Shruti"/>
+        <a:font script="Khmr" typeface="DaunPenh"/>
+        <a:font script="Knda" typeface="Tunga"/>
+        <a:font script="Guru" typeface="Raavi"/>
+        <a:font script="Cans" typeface="Euphemia"/>
+        <a:font script="Cher" typeface="Plantagenet Cherokee"/>
+        <a:font script="Yiii" typeface="Microsoft Yi Baiti"/>
+        <a:font script="Tibt" typeface="Microsoft Himalaya"/>
+        <a:font script="Thaa" typeface="MV Boli"/>
+        <a:font script="Deva" typeface="Mangal"/>
+        <a:font script="Telu" typeface="Gautami"/>
+        <a:font script="Taml" typeface="Latha"/>
+        <a:font script="Syrc" typeface="Estrangelo Edessa"/>
+        <a:font script="Orya" typeface="Kalinga"/>
+        <a:font script="Mlym" typeface="Kartika"/>
+        <a:font script="Laoo" typeface="DokChampa"/>
+        <a:font script="Sinh" typeface="Iskoola Pota"/>
+        <a:font script="Mong" typeface="Mongolian Baiti"/>
+        <a:font script="Viet" typeface="Arial"/>
+        <a:font script="Uigh" typeface="Microsoft Uighur"/>
+        <a:font script="Geor" typeface="Sylfaen"/>
+      </a:minorFont>
+    </a:fontScheme>
+    <a:fmtScheme name="Office">
+      <a:fillStyleLst>
+        <a:solidFill>
+          <a:schemeClr val="phClr"/>
+        </a:solidFill>
+        <a:gradFill rotWithShape="1">
+          <a:gsLst>
+            <a:gs pos="0">
+              <a:schemeClr val="phClr">
+                <a:tint val="50000"/>
+                <a:satMod val="300000"/>
+              </a:schemeClr>
+            </a:gs>
+            <a:gs pos="35000">
+              <a:schemeClr val="phClr">
+                <a:tint val="37000"/>
+                <a:satMod val="300000"/>
+              </a:schemeClr>
+            </a:gs>
+            <a:gs pos="100000">
+              <a:schemeClr val="phClr">
+                <a:tint val="15000"/>
+                <a:satMod val="350000"/>
+              </a:schemeClr>
+            </a:gs>
+          </a:gsLst>
+          <a:lin ang="16200000" scaled="1"/>
+        </a:gradFill>
+        <a:gradFill rotWithShape="1">
+          <a:gsLst>
+            <a:gs pos="0">
+              <a:schemeClr val="phClr">
+                <a:tint val="100000"/>
+                <a:shade val="100000"/>
+                <a:satMod val="130000"/>
+              </a:schemeClr>
+            </a:gs>
+            <a:gs pos="100000">
+              <a:schemeClr val="phClr">
+                <a:tint val="50000"/>
+                <a:shade val="100000"/>
+                <a:satMod val="350000"/>
+              </a:schemeClr>
+            </a:gs>
+          </a:gsLst>
+          <a:lin ang="16200000" scaled="0"/>
+        </a:gradFill>
+      </a:fillStyleLst>
+      <a:lnStyleLst>
+        <a:ln w="9525" cap="flat" cmpd="sng" algn="ctr">
+          <a:solidFill>
+            <a:schemeClr val="phClr">
+              <a:shade val="95000"/>
+              <a:satMod val="105000"/>
+            </a:schemeClr>
+          </a:solidFill>
+          <a:prstDash val="solid"/>
+        </a:ln>
+        <a:ln w="25400" cap="flat" cmpd="sng" algn="ctr">
+          <a:solidFill>
+            <a:schemeClr val="phClr"/>
+          </a:solidFill>
+          <a:prstDash val="solid"/>
+        </a:ln>
+        <a:ln w="38100" cap="flat" cmpd="sng" algn="ctr">
+          <a:solidFill>
+            <a:schemeClr val="phClr"/>
+          </a:solidFill>
+          <a:prstDash val="solid"/>
+        </a:ln>
+      </a:lnStyleLst>
+      <a:effectStyleLst>
+        <a:effectStyle>
+          <a:effectLst>
+            <a:outerShdw blurRad="40000" dist="20000" dir="5400000" rotWithShape="0">
+              <a:srgbClr val="000000">
+                <a:alpha val="38000"/>
+              </a:srgbClr>
+            </a:outerShdw>
+          </a:effectLst>
+        </a:effectStyle>
+        <a:effectStyle>
+          <a:effectLst>
+            <a:outerShdw blurRad="40000" dist="23000" dir="5400000" rotWithShape="0">
+              <a:srgbClr val="000000">
+                <a:alpha val="35000"/>
+              </a:srgbClr>
+            </a:outerShdw>
+          </a:effectLst>
+        </a:effectStyle>
+        <a:effectStyle>
+          <a:effectLst>
+            <a:outerShdw blurRad="40000" dist="23000" dir="5400000" rotWithShape="0">
+              <a:srgbClr val="000000">
+                <a:alpha val="35000"/>
+              </a:srgbClr>
+            </a:outerShdw>
+          </a:effectLst>
+          <a:scene3d>
+            <a:camera prst="orthographicFront">
+              <a:rot lat="0" lon="0" rev="0"/>
+            </a:camera>
+            <a:lightRig rig="threePt" dir="t">
+              <a:rot lat="0" lon="0" rev="1200000"/>
+            </a:lightRig>
+          </a:scene3d>
+          <a:sp3d>
+            <a:bevelT w="63500" h="25400"/>
+          </a:sp3d>
+        </a:effectStyle>
+      </a:effectStyleLst>
+      <a:bgFillStyleLst>
+        <a:solidFill>
+          <a:schemeClr val="phClr"/>
+        </a:solidFill>
+        <a:gradFill rotWithShape="1">
+          <a:gsLst>
+            <a:gs pos="0">
+              <a:schemeClr val="phClr">
+                <a:tint val="40000"/>
+                <a:satMod val="350000"/>
+              </a:schemeClr>
+            </a:gs>
+            <a:gs pos="40000">
+              <a:schemeClr val="phClr">
+                <a:tint val="45000"/>
+                <a:shade val="99000"/>
+                <a:satMod val="350000"/>
+              </a:schemeClr>
+            </a:gs>
+            <a:gs pos="100000">
+              <a:schemeClr val="phClr">
+                <a:shade val="20000"/>
+                <a:satMod val="255000"/>
+              </a:schemeClr>
+            </a:gs>
+          </a:gsLst>
+          <a:path path="circle">
+            <a:fillToRect l="50000" t="-80000" r="50000" b="180000"/>
+          </a:path>
+        </a:gradFill>
+        <a:gradFill rotWithShape="1">
+          <a:gsLst>
+            <a:gs pos="0">
+              <a:schemeClr val="phClr">
+                <a:tint val="80000"/>
+                <a:satMod val="300000"/>
+              </a:schemeClr>
+            </a:gs>
+            <a:gs pos="100000">
+              <a:schemeClr val="phClr">
+                <a:shade val="30000"/>
+                <a:satMod val="200000"/>
+              </a:schemeClr>
+            </a:gs>
+          </a:gsLst>
+          <a:path path="circle">
+            <a:fillToRect l="50000" t="50000" r="50000" b="50000"/>
+          </a:path>
+        </a:gradFill>
+      </a:bgFillStyleLst>
+    </a:fmtScheme>
+  </a:themeElements>
+</a:theme>
+</file>
+
+<file path=ppt/theme/theme2.xml><?xml version="1.0" encoding="utf-8"?>
 <a:theme xmlns:a="http://schemas.openxmlformats.org/drawingml/2006/main" xmlns:r="http://schemas.openxmlformats.org/officeDocument/2006/relationships">
   <a:themeElements>
     <a:clrScheme name="Default">
@@ -24287,283 +24598,4 @@
     </a:fmtScheme>
   </a:themeElements>
 </a:theme>
-</file>
-
-<file path=ppt/theme/theme2.xml><?xml version="1.0" encoding="utf-8"?>
-<a:theme xmlns:a="http://schemas.openxmlformats.org/drawingml/2006/main" xmlns:r="http://schemas.openxmlformats.org/officeDocument/2006/relationships" name="Shift">
-  <a:themeElements>
-    <a:clrScheme name="Shift">
-      <a:dk1>
-        <a:srgbClr val="FFFFFF"/>
-      </a:dk1>
-      <a:lt1>
-        <a:srgbClr val="AF7B51"/>
-      </a:lt1>
-      <a:dk2>
-        <a:srgbClr val="233A44"/>
-      </a:dk2>
-      <a:lt2>
-        <a:srgbClr val="D9D9D9"/>
-      </a:lt2>
-      <a:accent1>
-        <a:srgbClr val="00796B"/>
-      </a:accent1>
-      <a:accent2>
-        <a:srgbClr val="D9563F"/>
-      </a:accent2>
-      <a:accent3>
-        <a:srgbClr val="C4A15A"/>
-      </a:accent3>
-      <a:accent4>
-        <a:srgbClr val="14F597"/>
-      </a:accent4>
-      <a:accent5>
-        <a:srgbClr val="3D4594"/>
-      </a:accent5>
-      <a:accent6>
-        <a:srgbClr val="163EF5"/>
-      </a:accent6>
-      <a:hlink>
-        <a:srgbClr val="3D4594"/>
-      </a:hlink>
-      <a:folHlink>
-        <a:srgbClr val="3D4594"/>
-      </a:folHlink>
-    </a:clrScheme>
-    <a:fontScheme name="Office">
-      <a:majorFont>
-        <a:latin typeface="Arial"/>
-        <a:ea typeface=""/>
-        <a:cs typeface=""/>
-        <a:font script="Jpan" typeface="ＭＳ Ｐゴシック"/>
-        <a:font script="Hang" typeface="맑은 고딕"/>
-        <a:font script="Hans" typeface="宋体"/>
-        <a:font script="Hant" typeface="新細明體"/>
-        <a:font script="Arab" typeface="Times New Roman"/>
-        <a:font script="Hebr" typeface="Times New Roman"/>
-        <a:font script="Thai" typeface="Angsana New"/>
-        <a:font script="Ethi" typeface="Nyala"/>
-        <a:font script="Beng" typeface="Vrinda"/>
-        <a:font script="Gujr" typeface="Shruti"/>
-        <a:font script="Khmr" typeface="MoolBoran"/>
-        <a:font script="Knda" typeface="Tunga"/>
-        <a:font script="Guru" typeface="Raavi"/>
-        <a:font script="Cans" typeface="Euphemia"/>
-        <a:font script="Cher" typeface="Plantagenet Cherokee"/>
-        <a:font script="Yiii" typeface="Microsoft Yi Baiti"/>
-        <a:font script="Tibt" typeface="Microsoft Himalaya"/>
-        <a:font script="Thaa" typeface="MV Boli"/>
-        <a:font script="Deva" typeface="Mangal"/>
-        <a:font script="Telu" typeface="Gautami"/>
-        <a:font script="Taml" typeface="Latha"/>
-        <a:font script="Syrc" typeface="Estrangelo Edessa"/>
-        <a:font script="Orya" typeface="Kalinga"/>
-        <a:font script="Mlym" typeface="Kartika"/>
-        <a:font script="Laoo" typeface="DokChampa"/>
-        <a:font script="Sinh" typeface="Iskoola Pota"/>
-        <a:font script="Mong" typeface="Mongolian Baiti"/>
-        <a:font script="Viet" typeface="Times New Roman"/>
-        <a:font script="Uigh" typeface="Microsoft Uighur"/>
-        <a:font script="Geor" typeface="Sylfaen"/>
-      </a:majorFont>
-      <a:minorFont>
-        <a:latin typeface="Arial"/>
-        <a:ea typeface=""/>
-        <a:cs typeface=""/>
-        <a:font script="Jpan" typeface="ＭＳ Ｐゴシック"/>
-        <a:font script="Hang" typeface="맑은 고딕"/>
-        <a:font script="Hans" typeface="宋体"/>
-        <a:font script="Hant" typeface="新細明體"/>
-        <a:font script="Arab" typeface="Arial"/>
-        <a:font script="Hebr" typeface="Arial"/>
-        <a:font script="Thai" typeface="Cordia New"/>
-        <a:font script="Ethi" typeface="Nyala"/>
-        <a:font script="Beng" typeface="Vrinda"/>
-        <a:font script="Gujr" typeface="Shruti"/>
-        <a:font script="Khmr" typeface="DaunPenh"/>
-        <a:font script="Knda" typeface="Tunga"/>
-        <a:font script="Guru" typeface="Raavi"/>
-        <a:font script="Cans" typeface="Euphemia"/>
-        <a:font script="Cher" typeface="Plantagenet Cherokee"/>
-        <a:font script="Yiii" typeface="Microsoft Yi Baiti"/>
-        <a:font script="Tibt" typeface="Microsoft Himalaya"/>
-        <a:font script="Thaa" typeface="MV Boli"/>
-        <a:font script="Deva" typeface="Mangal"/>
-        <a:font script="Telu" typeface="Gautami"/>
-        <a:font script="Taml" typeface="Latha"/>
-        <a:font script="Syrc" typeface="Estrangelo Edessa"/>
-        <a:font script="Orya" typeface="Kalinga"/>
-        <a:font script="Mlym" typeface="Kartika"/>
-        <a:font script="Laoo" typeface="DokChampa"/>
-        <a:font script="Sinh" typeface="Iskoola Pota"/>
-        <a:font script="Mong" typeface="Mongolian Baiti"/>
-        <a:font script="Viet" typeface="Arial"/>
-        <a:font script="Uigh" typeface="Microsoft Uighur"/>
-        <a:font script="Geor" typeface="Sylfaen"/>
-      </a:minorFont>
-    </a:fontScheme>
-    <a:fmtScheme name="Office">
-      <a:fillStyleLst>
-        <a:solidFill>
-          <a:schemeClr val="phClr"/>
-        </a:solidFill>
-        <a:gradFill rotWithShape="1">
-          <a:gsLst>
-            <a:gs pos="0">
-              <a:schemeClr val="phClr">
-                <a:tint val="50000"/>
-                <a:satMod val="300000"/>
-              </a:schemeClr>
-            </a:gs>
-            <a:gs pos="35000">
-              <a:schemeClr val="phClr">
-                <a:tint val="37000"/>
-                <a:satMod val="300000"/>
-              </a:schemeClr>
-            </a:gs>
-            <a:gs pos="100000">
-              <a:schemeClr val="phClr">
-                <a:tint val="15000"/>
-                <a:satMod val="350000"/>
-              </a:schemeClr>
-            </a:gs>
-          </a:gsLst>
-          <a:lin ang="16200000" scaled="1"/>
-        </a:gradFill>
-        <a:gradFill rotWithShape="1">
-          <a:gsLst>
-            <a:gs pos="0">
-              <a:schemeClr val="phClr">
-                <a:tint val="100000"/>
-                <a:shade val="100000"/>
-                <a:satMod val="130000"/>
-              </a:schemeClr>
-            </a:gs>
-            <a:gs pos="100000">
-              <a:schemeClr val="phClr">
-                <a:tint val="50000"/>
-                <a:shade val="100000"/>
-                <a:satMod val="350000"/>
-              </a:schemeClr>
-            </a:gs>
-          </a:gsLst>
-          <a:lin ang="16200000" scaled="0"/>
-        </a:gradFill>
-      </a:fillStyleLst>
-      <a:lnStyleLst>
-        <a:ln w="9525" cap="flat" cmpd="sng" algn="ctr">
-          <a:solidFill>
-            <a:schemeClr val="phClr">
-              <a:shade val="95000"/>
-              <a:satMod val="105000"/>
-            </a:schemeClr>
-          </a:solidFill>
-          <a:prstDash val="solid"/>
-        </a:ln>
-        <a:ln w="25400" cap="flat" cmpd="sng" algn="ctr">
-          <a:solidFill>
-            <a:schemeClr val="phClr"/>
-          </a:solidFill>
-          <a:prstDash val="solid"/>
-        </a:ln>
-        <a:ln w="38100" cap="flat" cmpd="sng" algn="ctr">
-          <a:solidFill>
-            <a:schemeClr val="phClr"/>
-          </a:solidFill>
-          <a:prstDash val="solid"/>
-        </a:ln>
-      </a:lnStyleLst>
-      <a:effectStyleLst>
-        <a:effectStyle>
-          <a:effectLst>
-            <a:outerShdw blurRad="40000" dist="20000" dir="5400000" rotWithShape="0">
-              <a:srgbClr val="000000">
-                <a:alpha val="38000"/>
-              </a:srgbClr>
-            </a:outerShdw>
-          </a:effectLst>
-        </a:effectStyle>
-        <a:effectStyle>
-          <a:effectLst>
-            <a:outerShdw blurRad="40000" dist="23000" dir="5400000" rotWithShape="0">
-              <a:srgbClr val="000000">
-                <a:alpha val="35000"/>
-              </a:srgbClr>
-            </a:outerShdw>
-          </a:effectLst>
-        </a:effectStyle>
-        <a:effectStyle>
-          <a:effectLst>
-            <a:outerShdw blurRad="40000" dist="23000" dir="5400000" rotWithShape="0">
-              <a:srgbClr val="000000">
-                <a:alpha val="35000"/>
-              </a:srgbClr>
-            </a:outerShdw>
-          </a:effectLst>
-          <a:scene3d>
-            <a:camera prst="orthographicFront">
-              <a:rot lat="0" lon="0" rev="0"/>
-            </a:camera>
-            <a:lightRig rig="threePt" dir="t">
-              <a:rot lat="0" lon="0" rev="1200000"/>
-            </a:lightRig>
-          </a:scene3d>
-          <a:sp3d>
-            <a:bevelT w="63500" h="25400"/>
-          </a:sp3d>
-        </a:effectStyle>
-      </a:effectStyleLst>
-      <a:bgFillStyleLst>
-        <a:solidFill>
-          <a:schemeClr val="phClr"/>
-        </a:solidFill>
-        <a:gradFill rotWithShape="1">
-          <a:gsLst>
-            <a:gs pos="0">
-              <a:schemeClr val="phClr">
-                <a:tint val="40000"/>
-                <a:satMod val="350000"/>
-              </a:schemeClr>
-            </a:gs>
-            <a:gs pos="40000">
-              <a:schemeClr val="phClr">
-                <a:tint val="45000"/>
-                <a:shade val="99000"/>
-                <a:satMod val="350000"/>
-              </a:schemeClr>
-            </a:gs>
-            <a:gs pos="100000">
-              <a:schemeClr val="phClr">
-                <a:shade val="20000"/>
-                <a:satMod val="255000"/>
-              </a:schemeClr>
-            </a:gs>
-          </a:gsLst>
-          <a:path path="circle">
-            <a:fillToRect l="50000" t="-80000" r="50000" b="180000"/>
-          </a:path>
-        </a:gradFill>
-        <a:gradFill rotWithShape="1">
-          <a:gsLst>
-            <a:gs pos="0">
-              <a:schemeClr val="phClr">
-                <a:tint val="80000"/>
-                <a:satMod val="300000"/>
-              </a:schemeClr>
-            </a:gs>
-            <a:gs pos="100000">
-              <a:schemeClr val="phClr">
-                <a:shade val="30000"/>
-                <a:satMod val="200000"/>
-              </a:schemeClr>
-            </a:gs>
-          </a:gsLst>
-          <a:path path="circle">
-            <a:fillToRect l="50000" t="50000" r="50000" b="50000"/>
-          </a:path>
-        </a:gradFill>
-      </a:bgFillStyleLst>
-    </a:fmtScheme>
-  </a:themeElements>
-</a:theme>
 </file>